--- a/PPT/캡스톤디자인_9주차_중간데모_발표자료_5조.pptx
+++ b/PPT/캡스톤디자인_9주차_중간데모_발표자료_5조.pptx
@@ -4145,14 +4145,14 @@
                 <a:latin typeface="나눔스퀘어" panose="020B0600000101010101" pitchFamily="50" charset="-127"/>
                 <a:ea typeface="나눔스퀘어" panose="020B0600000101010101" pitchFamily="50" charset="-127"/>
               </a:rPr>
-              <a:t>간단한 어플을 통한 테스트를 위해 </a:t>
+              <a:t>간단한 어플을 통한 테스트를 위해 앱 </a:t>
             </a:r>
             <a:r>
               <a:rPr lang="ko-KR" altLang="en-US" sz="1800" dirty="0" err="1">
                 <a:latin typeface="나눔스퀘어" panose="020B0600000101010101" pitchFamily="50" charset="-127"/>
                 <a:ea typeface="나눔스퀘어" panose="020B0600000101010101" pitchFamily="50" charset="-127"/>
               </a:rPr>
-              <a:t>앱인벤터를</a:t>
+              <a:t>인벤터를</a:t>
             </a:r>
             <a:r>
               <a:rPr lang="ko-KR" altLang="en-US" sz="1800" dirty="0">
@@ -4352,7 +4352,7 @@
         </p:blipFill>
         <p:spPr>
           <a:xfrm>
-            <a:off x="5286335" y="1911345"/>
+            <a:off x="5248800" y="1937886"/>
             <a:ext cx="390145" cy="408433"/>
           </a:xfrm>
           <a:prstGeom prst="rect">
@@ -4382,7 +4382,7 @@
         </p:blipFill>
         <p:spPr>
           <a:xfrm>
-            <a:off x="5248801" y="3241154"/>
+            <a:off x="5248800" y="3216660"/>
             <a:ext cx="390145" cy="408433"/>
           </a:xfrm>
           <a:prstGeom prst="rect">
@@ -4442,7 +4442,7 @@
         </p:blipFill>
         <p:spPr>
           <a:xfrm>
-            <a:off x="5271926" y="4748638"/>
+            <a:off x="5248799" y="4833113"/>
             <a:ext cx="390145" cy="408433"/>
           </a:xfrm>
           <a:prstGeom prst="rect">
@@ -7241,18 +7241,11 @@
               <a:buNone/>
             </a:pPr>
             <a:r>
-              <a:rPr lang="ko-KR" altLang="en-US" sz="3200" dirty="0" err="1">
-                <a:latin typeface="나눔고딕" panose="020D0604000000000000" pitchFamily="50" charset="-127"/>
-                <a:ea typeface="나눔고딕" panose="020D0604000000000000" pitchFamily="50" charset="-127"/>
-              </a:rPr>
-              <a:t>ㅡ</a:t>
-            </a:r>
-            <a:r>
               <a:rPr lang="en-US" altLang="ko-KR" sz="3200" dirty="0">
                 <a:latin typeface="나눔고딕" panose="020D0604000000000000" pitchFamily="50" charset="-127"/>
                 <a:ea typeface="나눔고딕" panose="020D0604000000000000" pitchFamily="50" charset="-127"/>
               </a:rPr>
-              <a:t>&gt; </a:t>
+              <a:t>	</a:t>
             </a:r>
             <a:r>
               <a:rPr lang="ko-KR" altLang="en-US" sz="3200" dirty="0">
@@ -7331,14 +7324,66 @@
         </p:blipFill>
         <p:spPr>
           <a:xfrm>
-            <a:off x="815625" y="2345839"/>
-            <a:ext cx="836741" cy="875963"/>
+            <a:off x="1233996" y="2156654"/>
+            <a:ext cx="516800" cy="541025"/>
           </a:xfrm>
           <a:prstGeom prst="rect">
             <a:avLst/>
           </a:prstGeom>
         </p:spPr>
       </p:pic>
+      <p:sp>
+        <p:nvSpPr>
+          <p:cNvPr id="2" name="화살표: 오른쪽 1">
+            <a:extLst>
+              <a:ext uri="{FF2B5EF4-FFF2-40B4-BE49-F238E27FC236}">
+                <a16:creationId xmlns:a16="http://schemas.microsoft.com/office/drawing/2014/main" id="{B0834DD1-30FA-4E6F-A5F7-B3A65E069530}"/>
+              </a:ext>
+            </a:extLst>
+          </p:cNvPr>
+          <p:cNvSpPr/>
+          <p:nvPr/>
+        </p:nvSpPr>
+        <p:spPr>
+          <a:xfrm>
+            <a:off x="1397876" y="4708634"/>
+            <a:ext cx="516800" cy="315252"/>
+          </a:xfrm>
+          <a:prstGeom prst="rightArrow">
+            <a:avLst/>
+          </a:prstGeom>
+          <a:solidFill>
+            <a:srgbClr val="6BC7BF"/>
+          </a:solidFill>
+          <a:ln>
+            <a:noFill/>
+          </a:ln>
+        </p:spPr>
+        <p:style>
+          <a:lnRef idx="2">
+            <a:schemeClr val="accent1">
+              <a:shade val="50000"/>
+            </a:schemeClr>
+          </a:lnRef>
+          <a:fillRef idx="1">
+            <a:schemeClr val="accent1"/>
+          </a:fillRef>
+          <a:effectRef idx="0">
+            <a:schemeClr val="accent1"/>
+          </a:effectRef>
+          <a:fontRef idx="minor">
+            <a:schemeClr val="lt1"/>
+          </a:fontRef>
+        </p:style>
+        <p:txBody>
+          <a:bodyPr rtlCol="0" anchor="ctr"/>
+          <a:lstStyle/>
+          <a:p>
+            <a:pPr algn="ctr"/>
+            <a:endParaRPr lang="ko-KR" altLang="en-US"/>
+          </a:p>
+        </p:txBody>
+      </p:sp>
     </p:spTree>
     <p:extLst>
       <p:ext uri="{BB962C8B-B14F-4D97-AF65-F5344CB8AC3E}">
@@ -8209,6 +8254,53 @@
             </a:endParaRPr>
           </a:p>
           <a:p>
+            <a:pPr marL="0" indent="0">
+              <a:lnSpc>
+                <a:spcPct val="150000"/>
+              </a:lnSpc>
+              <a:buSzPct val="50000"/>
+              <a:buNone/>
+            </a:pPr>
+            <a:endParaRPr lang="en-US" altLang="ko-KR" sz="1800" dirty="0">
+              <a:latin typeface="나눔스퀘어" panose="020B0600000101010101" pitchFamily="50" charset="-127"/>
+              <a:ea typeface="나눔스퀘어" panose="020B0600000101010101" pitchFamily="50" charset="-127"/>
+            </a:endParaRPr>
+          </a:p>
+          <a:p>
+            <a:pPr marL="722312" indent="-722312">
+              <a:lnSpc>
+                <a:spcPct val="150000"/>
+              </a:lnSpc>
+              <a:buSzPct val="50000"/>
+              <a:buBlip>
+                <a:blip r:embed="rId3">
+                  <a:extLst/>
+                </a:blip>
+              </a:buBlip>
+            </a:pPr>
+            <a:r>
+              <a:rPr lang="ko-KR" altLang="en-US" sz="1800" dirty="0" err="1">
+                <a:latin typeface="나눔스퀘어" panose="020B0600000101010101" pitchFamily="50" charset="-127"/>
+                <a:ea typeface="나눔스퀘어" panose="020B0600000101010101" pitchFamily="50" charset="-127"/>
+              </a:rPr>
+              <a:t>아두이노에서</a:t>
+            </a:r>
+            <a:r>
+              <a:rPr lang="ko-KR" altLang="en-US" sz="1800" dirty="0">
+                <a:latin typeface="나눔스퀘어" panose="020B0600000101010101" pitchFamily="50" charset="-127"/>
+                <a:ea typeface="나눔스퀘어" panose="020B0600000101010101" pitchFamily="50" charset="-127"/>
+              </a:rPr>
+              <a:t> 어떤 치아를 양치하고 있는 지 판별 한 후 해당 블루투스 모듈을 통해 현재 어떤 치아를 양치하고 있는지 치아번호를 전송해 줌</a:t>
+            </a:r>
+            <a:r>
+              <a:rPr lang="en-US" altLang="ko-KR" sz="1800" dirty="0">
+                <a:latin typeface="나눔스퀘어" panose="020B0600000101010101" pitchFamily="50" charset="-127"/>
+                <a:ea typeface="나눔스퀘어" panose="020B0600000101010101" pitchFamily="50" charset="-127"/>
+              </a:rPr>
+              <a:t>.</a:t>
+            </a:r>
+          </a:p>
+          <a:p>
             <a:pPr marL="722312" indent="-722312">
               <a:lnSpc>
                 <a:spcPct val="150000"/>
@@ -8237,57 +8329,6 @@
                 </a:blip>
               </a:buBlip>
             </a:pPr>
-            <a:r>
-              <a:rPr lang="ko-KR" altLang="en-US" sz="1800" dirty="0" err="1">
-                <a:latin typeface="나눔스퀘어" panose="020B0600000101010101" pitchFamily="50" charset="-127"/>
-                <a:ea typeface="나눔스퀘어" panose="020B0600000101010101" pitchFamily="50" charset="-127"/>
-              </a:rPr>
-              <a:t>아두이노에서</a:t>
-            </a:r>
-            <a:r>
-              <a:rPr lang="ko-KR" altLang="en-US" sz="1800" dirty="0">
-                <a:latin typeface="나눔스퀘어" panose="020B0600000101010101" pitchFamily="50" charset="-127"/>
-                <a:ea typeface="나눔스퀘어" panose="020B0600000101010101" pitchFamily="50" charset="-127"/>
-              </a:rPr>
-              <a:t> 어떤 치아를 양치하고 있는 지 판별 한 후 해당 블루투스 모듈을 통해 현재 어떤 치아를 양치하고 있는지 치아번호를 전송해 줌</a:t>
-            </a:r>
-            <a:r>
-              <a:rPr lang="en-US" altLang="ko-KR" sz="1800" dirty="0">
-                <a:latin typeface="나눔스퀘어" panose="020B0600000101010101" pitchFamily="50" charset="-127"/>
-                <a:ea typeface="나눔스퀘어" panose="020B0600000101010101" pitchFamily="50" charset="-127"/>
-              </a:rPr>
-              <a:t>.</a:t>
-            </a:r>
-          </a:p>
-          <a:p>
-            <a:pPr marL="722312" indent="-722312">
-              <a:lnSpc>
-                <a:spcPct val="150000"/>
-              </a:lnSpc>
-              <a:buSzPct val="50000"/>
-              <a:buBlip>
-                <a:blip r:embed="rId3">
-                  <a:extLst/>
-                </a:blip>
-              </a:buBlip>
-            </a:pPr>
-            <a:endParaRPr lang="en-US" altLang="ko-KR" sz="1800" dirty="0">
-              <a:latin typeface="나눔스퀘어" panose="020B0600000101010101" pitchFamily="50" charset="-127"/>
-              <a:ea typeface="나눔스퀘어" panose="020B0600000101010101" pitchFamily="50" charset="-127"/>
-            </a:endParaRPr>
-          </a:p>
-          <a:p>
-            <a:pPr marL="722312" indent="-722312">
-              <a:lnSpc>
-                <a:spcPct val="150000"/>
-              </a:lnSpc>
-              <a:buSzPct val="50000"/>
-              <a:buBlip>
-                <a:blip r:embed="rId3">
-                  <a:extLst/>
-                </a:blip>
-              </a:buBlip>
-            </a:pPr>
             <a:endParaRPr lang="en-US" altLang="ko-KR" sz="2400" dirty="0">
               <a:latin typeface="나눔스퀘어" panose="020B0600000101010101" pitchFamily="50" charset="-127"/>
               <a:ea typeface="나눔스퀘어" panose="020B0600000101010101" pitchFamily="50" charset="-127"/>
@@ -8317,7 +8358,7 @@
         </p:blipFill>
         <p:spPr>
           <a:xfrm>
-            <a:off x="5181543" y="2535018"/>
+            <a:off x="5251853" y="2585235"/>
             <a:ext cx="390145" cy="408433"/>
           </a:xfrm>
           <a:prstGeom prst="rect">
@@ -8347,7 +8388,7 @@
         </p:blipFill>
         <p:spPr>
           <a:xfrm>
-            <a:off x="5251853" y="3647940"/>
+            <a:off x="5251853" y="3699825"/>
             <a:ext cx="390145" cy="408433"/>
           </a:xfrm>
           <a:prstGeom prst="rect">
@@ -8771,6 +8812,98 @@
             </a:r>
           </a:p>
           <a:p>
+            <a:pPr marL="0" indent="0">
+              <a:lnSpc>
+                <a:spcPct val="150000"/>
+              </a:lnSpc>
+              <a:buSzPct val="50000"/>
+              <a:buNone/>
+            </a:pPr>
+            <a:endParaRPr lang="en-US" altLang="ko-KR" sz="1800" dirty="0">
+              <a:latin typeface="나눔스퀘어" panose="020B0600000101010101" pitchFamily="50" charset="-127"/>
+              <a:ea typeface="나눔스퀘어" panose="020B0600000101010101" pitchFamily="50" charset="-127"/>
+            </a:endParaRPr>
+          </a:p>
+          <a:p>
+            <a:pPr marL="722312" indent="-722312">
+              <a:lnSpc>
+                <a:spcPct val="150000"/>
+              </a:lnSpc>
+              <a:buSzPct val="50000"/>
+              <a:buBlip>
+                <a:blip r:embed="rId3">
+                  <a:extLst/>
+                </a:blip>
+              </a:buBlip>
+            </a:pPr>
+            <a:r>
+              <a:rPr lang="en-US" altLang="ko-KR" sz="1800" dirty="0">
+                <a:latin typeface="나눔스퀘어" panose="020B0600000101010101" pitchFamily="50" charset="-127"/>
+                <a:ea typeface="나눔스퀘어" panose="020B0600000101010101" pitchFamily="50" charset="-127"/>
+              </a:rPr>
+              <a:t>AT + NAME -&gt; </a:t>
+            </a:r>
+            <a:r>
+              <a:rPr lang="ko-KR" altLang="en-US" sz="1800" dirty="0">
+                <a:latin typeface="나눔스퀘어" panose="020B0600000101010101" pitchFamily="50" charset="-127"/>
+                <a:ea typeface="나눔스퀘어" panose="020B0600000101010101" pitchFamily="50" charset="-127"/>
+              </a:rPr>
+              <a:t>블루투스 모듈 이름을 </a:t>
+            </a:r>
+            <a:r>
+              <a:rPr lang="en-US" altLang="ko-KR" sz="1800" dirty="0">
+                <a:latin typeface="나눔스퀘어" panose="020B0600000101010101" pitchFamily="50" charset="-127"/>
+                <a:ea typeface="나눔스퀘어" panose="020B0600000101010101" pitchFamily="50" charset="-127"/>
+              </a:rPr>
+              <a:t>ACHI</a:t>
+            </a:r>
+            <a:r>
+              <a:rPr lang="ko-KR" altLang="en-US" sz="1800" dirty="0">
+                <a:latin typeface="나눔스퀘어" panose="020B0600000101010101" pitchFamily="50" charset="-127"/>
+                <a:ea typeface="나눔스퀘어" panose="020B0600000101010101" pitchFamily="50" charset="-127"/>
+              </a:rPr>
+              <a:t>로 설정</a:t>
+            </a:r>
+            <a:endParaRPr lang="en-US" altLang="ko-KR" sz="1800" dirty="0">
+              <a:latin typeface="나눔스퀘어" panose="020B0600000101010101" pitchFamily="50" charset="-127"/>
+              <a:ea typeface="나눔스퀘어" panose="020B0600000101010101" pitchFamily="50" charset="-127"/>
+            </a:endParaRPr>
+          </a:p>
+          <a:p>
+            <a:pPr marL="0" indent="0">
+              <a:lnSpc>
+                <a:spcPct val="150000"/>
+              </a:lnSpc>
+              <a:buSzPct val="50000"/>
+              <a:buNone/>
+            </a:pPr>
+            <a:r>
+              <a:rPr lang="en-US" altLang="ko-KR" sz="1800" dirty="0">
+                <a:latin typeface="나눔스퀘어" panose="020B0600000101010101" pitchFamily="50" charset="-127"/>
+                <a:ea typeface="나눔스퀘어" panose="020B0600000101010101" pitchFamily="50" charset="-127"/>
+              </a:rPr>
+              <a:t>              AT + MODE2 -&gt; </a:t>
+            </a:r>
+            <a:r>
+              <a:rPr lang="ko-KR" altLang="en-US" sz="1800" dirty="0" err="1">
+                <a:latin typeface="나눔스퀘어" panose="020B0600000101010101" pitchFamily="50" charset="-127"/>
+                <a:ea typeface="나눔스퀘어" panose="020B0600000101010101" pitchFamily="50" charset="-127"/>
+              </a:rPr>
+              <a:t>리모트</a:t>
+            </a:r>
+            <a:r>
+              <a:rPr lang="ko-KR" altLang="en-US" sz="1800" dirty="0">
+                <a:latin typeface="나눔스퀘어" panose="020B0600000101010101" pitchFamily="50" charset="-127"/>
+                <a:ea typeface="나눔스퀘어" panose="020B0600000101010101" pitchFamily="50" charset="-127"/>
+              </a:rPr>
+              <a:t> 컨트롤 모드로 설정</a:t>
+            </a:r>
+            <a:endParaRPr lang="en-US" altLang="ko-KR" sz="1800" dirty="0">
+              <a:latin typeface="나눔스퀘어" panose="020B0600000101010101" pitchFamily="50" charset="-127"/>
+              <a:ea typeface="나눔스퀘어" panose="020B0600000101010101" pitchFamily="50" charset="-127"/>
+            </a:endParaRPr>
+          </a:p>
+          <a:p>
             <a:pPr marL="722312" indent="-722312">
               <a:lnSpc>
                 <a:spcPct val="150000"/>
@@ -8800,102 +8933,6 @@
               </a:buBlip>
             </a:pPr>
             <a:r>
-              <a:rPr lang="en-US" altLang="ko-KR" sz="1800" dirty="0">
-                <a:latin typeface="나눔스퀘어" panose="020B0600000101010101" pitchFamily="50" charset="-127"/>
-                <a:ea typeface="나눔스퀘어" panose="020B0600000101010101" pitchFamily="50" charset="-127"/>
-              </a:rPr>
-              <a:t>AT + NAME -&gt; </a:t>
-            </a:r>
-            <a:r>
-              <a:rPr lang="ko-KR" altLang="en-US" sz="1800" dirty="0">
-                <a:latin typeface="나눔스퀘어" panose="020B0600000101010101" pitchFamily="50" charset="-127"/>
-                <a:ea typeface="나눔스퀘어" panose="020B0600000101010101" pitchFamily="50" charset="-127"/>
-              </a:rPr>
-              <a:t>블루투스 모듈 이름을 </a:t>
-            </a:r>
-            <a:r>
-              <a:rPr lang="en-US" altLang="ko-KR" sz="1800" dirty="0">
-                <a:latin typeface="나눔스퀘어" panose="020B0600000101010101" pitchFamily="50" charset="-127"/>
-                <a:ea typeface="나눔스퀘어" panose="020B0600000101010101" pitchFamily="50" charset="-127"/>
-              </a:rPr>
-              <a:t>ACHI</a:t>
-            </a:r>
-            <a:r>
-              <a:rPr lang="ko-KR" altLang="en-US" sz="1800" dirty="0">
-                <a:latin typeface="나눔스퀘어" panose="020B0600000101010101" pitchFamily="50" charset="-127"/>
-                <a:ea typeface="나눔스퀘어" panose="020B0600000101010101" pitchFamily="50" charset="-127"/>
-              </a:rPr>
-              <a:t>로 설정</a:t>
-            </a:r>
-            <a:endParaRPr lang="en-US" altLang="ko-KR" sz="1800" dirty="0">
-              <a:latin typeface="나눔스퀘어" panose="020B0600000101010101" pitchFamily="50" charset="-127"/>
-              <a:ea typeface="나눔스퀘어" panose="020B0600000101010101" pitchFamily="50" charset="-127"/>
-            </a:endParaRPr>
-          </a:p>
-          <a:p>
-            <a:pPr marL="0" indent="0">
-              <a:lnSpc>
-                <a:spcPct val="150000"/>
-              </a:lnSpc>
-              <a:buSzPct val="50000"/>
-              <a:buNone/>
-            </a:pPr>
-            <a:r>
-              <a:rPr lang="en-US" altLang="ko-KR" sz="1800" dirty="0">
-                <a:latin typeface="나눔스퀘어" panose="020B0600000101010101" pitchFamily="50" charset="-127"/>
-                <a:ea typeface="나눔스퀘어" panose="020B0600000101010101" pitchFamily="50" charset="-127"/>
-              </a:rPr>
-              <a:t>         AT + MODE2 -&gt; </a:t>
-            </a:r>
-            <a:r>
-              <a:rPr lang="ko-KR" altLang="en-US" sz="1800" dirty="0" err="1">
-                <a:latin typeface="나눔스퀘어" panose="020B0600000101010101" pitchFamily="50" charset="-127"/>
-                <a:ea typeface="나눔스퀘어" panose="020B0600000101010101" pitchFamily="50" charset="-127"/>
-              </a:rPr>
-              <a:t>리모트</a:t>
-            </a:r>
-            <a:r>
-              <a:rPr lang="ko-KR" altLang="en-US" sz="1800" dirty="0">
-                <a:latin typeface="나눔스퀘어" panose="020B0600000101010101" pitchFamily="50" charset="-127"/>
-                <a:ea typeface="나눔스퀘어" panose="020B0600000101010101" pitchFamily="50" charset="-127"/>
-              </a:rPr>
-              <a:t> 컨트롤 모드로 설정</a:t>
-            </a:r>
-            <a:endParaRPr lang="en-US" altLang="ko-KR" sz="1800" dirty="0">
-              <a:latin typeface="나눔스퀘어" panose="020B0600000101010101" pitchFamily="50" charset="-127"/>
-              <a:ea typeface="나눔스퀘어" panose="020B0600000101010101" pitchFamily="50" charset="-127"/>
-            </a:endParaRPr>
-          </a:p>
-          <a:p>
-            <a:pPr marL="722312" indent="-722312">
-              <a:lnSpc>
-                <a:spcPct val="150000"/>
-              </a:lnSpc>
-              <a:buSzPct val="50000"/>
-              <a:buBlip>
-                <a:blip r:embed="rId3">
-                  <a:extLst/>
-                </a:blip>
-              </a:buBlip>
-            </a:pPr>
-            <a:endParaRPr lang="en-US" altLang="ko-KR" sz="1800" dirty="0">
-              <a:latin typeface="나눔스퀘어" panose="020B0600000101010101" pitchFamily="50" charset="-127"/>
-              <a:ea typeface="나눔스퀘어" panose="020B0600000101010101" pitchFamily="50" charset="-127"/>
-            </a:endParaRPr>
-          </a:p>
-          <a:p>
-            <a:pPr marL="722312" indent="-722312">
-              <a:lnSpc>
-                <a:spcPct val="150000"/>
-              </a:lnSpc>
-              <a:buSzPct val="50000"/>
-              <a:buBlip>
-                <a:blip r:embed="rId3">
-                  <a:extLst/>
-                </a:blip>
-              </a:buBlip>
-            </a:pPr>
-            <a:r>
               <a:rPr lang="ko-KR" altLang="en-US" sz="1800" dirty="0">
                 <a:latin typeface="나눔스퀘어" panose="020B0600000101010101" pitchFamily="50" charset="-127"/>
                 <a:ea typeface="나눔스퀘어" panose="020B0600000101010101" pitchFamily="50" charset="-127"/>
@@ -8995,7 +9032,7 @@
         </p:blipFill>
         <p:spPr>
           <a:xfrm>
-            <a:off x="5250558" y="2073031"/>
+            <a:off x="5250556" y="2095910"/>
             <a:ext cx="390145" cy="408433"/>
           </a:xfrm>
           <a:prstGeom prst="rect">
@@ -9025,7 +9062,7 @@
         </p:blipFill>
         <p:spPr>
           <a:xfrm>
-            <a:off x="5250558" y="3402809"/>
+            <a:off x="5250555" y="3402809"/>
             <a:ext cx="390145" cy="408433"/>
           </a:xfrm>
           <a:prstGeom prst="rect">
@@ -9085,7 +9122,7 @@
         </p:blipFill>
         <p:spPr>
           <a:xfrm>
-            <a:off x="5250557" y="4732587"/>
+            <a:off x="5250555" y="4704054"/>
             <a:ext cx="390145" cy="408433"/>
           </a:xfrm>
           <a:prstGeom prst="rect">

--- a/PPT/캡스톤디자인_9주차_중간데모_발표자료_5조.pptx
+++ b/PPT/캡스톤디자인_9주차_중간데모_발표자료_5조.pptx
@@ -4,6 +4,9 @@
   <p:sldMasterIdLst>
     <p:sldMasterId id="2147483648" r:id="rId1"/>
   </p:sldMasterIdLst>
+  <p:notesMasterIdLst>
+    <p:notesMasterId r:id="rId18"/>
+  </p:notesMasterIdLst>
   <p:sldIdLst>
     <p:sldId id="256" r:id="rId2"/>
     <p:sldId id="257" r:id="rId3"/>
@@ -125,6 +128,811 @@
     </p:ext>
   </p:extLst>
 </p:presentation>
+</file>
+
+<file path=ppt/notesMasters/notesMaster1.xml><?xml version="1.0" encoding="utf-8"?>
+<p:notesMaster xmlns:a="http://schemas.openxmlformats.org/drawingml/2006/main" xmlns:r="http://schemas.openxmlformats.org/officeDocument/2006/relationships" xmlns:p="http://schemas.openxmlformats.org/presentationml/2006/main">
+  <p:cSld>
+    <p:bg>
+      <p:bgRef idx="1001">
+        <a:schemeClr val="bg1"/>
+      </p:bgRef>
+    </p:bg>
+    <p:spTree>
+      <p:nvGrpSpPr>
+        <p:cNvPr id="1" name=""/>
+        <p:cNvGrpSpPr/>
+        <p:nvPr/>
+      </p:nvGrpSpPr>
+      <p:grpSpPr>
+        <a:xfrm>
+          <a:off x="0" y="0"/>
+          <a:ext cx="0" cy="0"/>
+          <a:chOff x="0" y="0"/>
+          <a:chExt cx="0" cy="0"/>
+        </a:xfrm>
+      </p:grpSpPr>
+      <p:sp>
+        <p:nvSpPr>
+          <p:cNvPr id="2" name="머리글 개체 틀 1"/>
+          <p:cNvSpPr>
+            <a:spLocks noGrp="1"/>
+          </p:cNvSpPr>
+          <p:nvPr>
+            <p:ph type="hdr" sz="quarter"/>
+          </p:nvPr>
+        </p:nvSpPr>
+        <p:spPr>
+          <a:xfrm>
+            <a:off x="0" y="0"/>
+            <a:ext cx="2971800" cy="458788"/>
+          </a:xfrm>
+          <a:prstGeom prst="rect">
+            <a:avLst/>
+          </a:prstGeom>
+        </p:spPr>
+        <p:txBody>
+          <a:bodyPr vert="horz" lIns="91440" tIns="45720" rIns="91440" bIns="45720" rtlCol="0"/>
+          <a:lstStyle>
+            <a:lvl1pPr algn="l">
+              <a:defRPr sz="1200"/>
+            </a:lvl1pPr>
+          </a:lstStyle>
+          <a:p>
+            <a:endParaRPr lang="ko-KR" altLang="en-US"/>
+          </a:p>
+        </p:txBody>
+      </p:sp>
+      <p:sp>
+        <p:nvSpPr>
+          <p:cNvPr id="3" name="날짜 개체 틀 2"/>
+          <p:cNvSpPr>
+            <a:spLocks noGrp="1"/>
+          </p:cNvSpPr>
+          <p:nvPr>
+            <p:ph type="dt" idx="1"/>
+          </p:nvPr>
+        </p:nvSpPr>
+        <p:spPr>
+          <a:xfrm>
+            <a:off x="3884613" y="0"/>
+            <a:ext cx="2971800" cy="458788"/>
+          </a:xfrm>
+          <a:prstGeom prst="rect">
+            <a:avLst/>
+          </a:prstGeom>
+        </p:spPr>
+        <p:txBody>
+          <a:bodyPr vert="horz" lIns="91440" tIns="45720" rIns="91440" bIns="45720" rtlCol="0"/>
+          <a:lstStyle>
+            <a:lvl1pPr algn="r">
+              <a:defRPr sz="1200"/>
+            </a:lvl1pPr>
+          </a:lstStyle>
+          <a:p>
+            <a:fld id="{A1D3B85E-8A48-4066-B72F-913BB4E69F89}" type="datetimeFigureOut">
+              <a:rPr lang="ko-KR" altLang="en-US" smtClean="0"/>
+              <a:t>2018-10-29</a:t>
+            </a:fld>
+            <a:endParaRPr lang="ko-KR" altLang="en-US"/>
+          </a:p>
+        </p:txBody>
+      </p:sp>
+      <p:sp>
+        <p:nvSpPr>
+          <p:cNvPr id="4" name="슬라이드 이미지 개체 틀 3"/>
+          <p:cNvSpPr>
+            <a:spLocks noGrp="1" noRot="1" noChangeAspect="1"/>
+          </p:cNvSpPr>
+          <p:nvPr>
+            <p:ph type="sldImg" idx="2"/>
+          </p:nvPr>
+        </p:nvSpPr>
+        <p:spPr>
+          <a:xfrm>
+            <a:off x="685800" y="1143000"/>
+            <a:ext cx="5486400" cy="3086100"/>
+          </a:xfrm>
+          <a:prstGeom prst="rect">
+            <a:avLst/>
+          </a:prstGeom>
+          <a:noFill/>
+          <a:ln w="12700">
+            <a:solidFill>
+              <a:prstClr val="black"/>
+            </a:solidFill>
+          </a:ln>
+        </p:spPr>
+        <p:txBody>
+          <a:bodyPr vert="horz" lIns="91440" tIns="45720" rIns="91440" bIns="45720" rtlCol="0" anchor="ctr"/>
+          <a:lstStyle/>
+          <a:p>
+            <a:endParaRPr lang="ko-KR" altLang="en-US"/>
+          </a:p>
+        </p:txBody>
+      </p:sp>
+      <p:sp>
+        <p:nvSpPr>
+          <p:cNvPr id="5" name="슬라이드 노트 개체 틀 4"/>
+          <p:cNvSpPr>
+            <a:spLocks noGrp="1"/>
+          </p:cNvSpPr>
+          <p:nvPr>
+            <p:ph type="body" sz="quarter" idx="3"/>
+          </p:nvPr>
+        </p:nvSpPr>
+        <p:spPr>
+          <a:xfrm>
+            <a:off x="685800" y="4400550"/>
+            <a:ext cx="5486400" cy="3600450"/>
+          </a:xfrm>
+          <a:prstGeom prst="rect">
+            <a:avLst/>
+          </a:prstGeom>
+        </p:spPr>
+        <p:txBody>
+          <a:bodyPr vert="horz" lIns="91440" tIns="45720" rIns="91440" bIns="45720" rtlCol="0"/>
+          <a:lstStyle/>
+          <a:p>
+            <a:pPr lvl="0"/>
+            <a:r>
+              <a:rPr lang="ko-KR" altLang="en-US"/>
+              <a:t>마스터 텍스트 스타일 편집</a:t>
+            </a:r>
+          </a:p>
+          <a:p>
+            <a:pPr lvl="1"/>
+            <a:r>
+              <a:rPr lang="ko-KR" altLang="en-US"/>
+              <a:t>둘째 수준</a:t>
+            </a:r>
+          </a:p>
+          <a:p>
+            <a:pPr lvl="2"/>
+            <a:r>
+              <a:rPr lang="ko-KR" altLang="en-US"/>
+              <a:t>셋째 수준</a:t>
+            </a:r>
+          </a:p>
+          <a:p>
+            <a:pPr lvl="3"/>
+            <a:r>
+              <a:rPr lang="ko-KR" altLang="en-US"/>
+              <a:t>넷째 수준</a:t>
+            </a:r>
+          </a:p>
+          <a:p>
+            <a:pPr lvl="4"/>
+            <a:r>
+              <a:rPr lang="ko-KR" altLang="en-US"/>
+              <a:t>다섯째 수준</a:t>
+            </a:r>
+          </a:p>
+        </p:txBody>
+      </p:sp>
+      <p:sp>
+        <p:nvSpPr>
+          <p:cNvPr id="6" name="바닥글 개체 틀 5"/>
+          <p:cNvSpPr>
+            <a:spLocks noGrp="1"/>
+          </p:cNvSpPr>
+          <p:nvPr>
+            <p:ph type="ftr" sz="quarter" idx="4"/>
+          </p:nvPr>
+        </p:nvSpPr>
+        <p:spPr>
+          <a:xfrm>
+            <a:off x="0" y="8685213"/>
+            <a:ext cx="2971800" cy="458787"/>
+          </a:xfrm>
+          <a:prstGeom prst="rect">
+            <a:avLst/>
+          </a:prstGeom>
+        </p:spPr>
+        <p:txBody>
+          <a:bodyPr vert="horz" lIns="91440" tIns="45720" rIns="91440" bIns="45720" rtlCol="0" anchor="b"/>
+          <a:lstStyle>
+            <a:lvl1pPr algn="l">
+              <a:defRPr sz="1200"/>
+            </a:lvl1pPr>
+          </a:lstStyle>
+          <a:p>
+            <a:endParaRPr lang="ko-KR" altLang="en-US"/>
+          </a:p>
+        </p:txBody>
+      </p:sp>
+      <p:sp>
+        <p:nvSpPr>
+          <p:cNvPr id="7" name="슬라이드 번호 개체 틀 6"/>
+          <p:cNvSpPr>
+            <a:spLocks noGrp="1"/>
+          </p:cNvSpPr>
+          <p:nvPr>
+            <p:ph type="sldNum" sz="quarter" idx="5"/>
+          </p:nvPr>
+        </p:nvSpPr>
+        <p:spPr>
+          <a:xfrm>
+            <a:off x="3884613" y="8685213"/>
+            <a:ext cx="2971800" cy="458787"/>
+          </a:xfrm>
+          <a:prstGeom prst="rect">
+            <a:avLst/>
+          </a:prstGeom>
+        </p:spPr>
+        <p:txBody>
+          <a:bodyPr vert="horz" lIns="91440" tIns="45720" rIns="91440" bIns="45720" rtlCol="0" anchor="b"/>
+          <a:lstStyle>
+            <a:lvl1pPr algn="r">
+              <a:defRPr sz="1200"/>
+            </a:lvl1pPr>
+          </a:lstStyle>
+          <a:p>
+            <a:fld id="{231CB6DC-0120-4A0B-9EB4-AC0E3C50624C}" type="slidenum">
+              <a:rPr lang="ko-KR" altLang="en-US" smtClean="0"/>
+              <a:t>‹#›</a:t>
+            </a:fld>
+            <a:endParaRPr lang="ko-KR" altLang="en-US"/>
+          </a:p>
+        </p:txBody>
+      </p:sp>
+    </p:spTree>
+    <p:extLst>
+      <p:ext uri="{BB962C8B-B14F-4D97-AF65-F5344CB8AC3E}">
+        <p14:creationId xmlns:p14="http://schemas.microsoft.com/office/powerpoint/2010/main" val="1024721843"/>
+      </p:ext>
+    </p:extLst>
+  </p:cSld>
+  <p:clrMap bg1="lt1" tx1="dk1" bg2="lt2" tx2="dk2" accent1="accent1" accent2="accent2" accent3="accent3" accent4="accent4" accent5="accent5" accent6="accent6" hlink="hlink" folHlink="folHlink"/>
+  <p:notesStyle>
+    <a:lvl1pPr marL="0" algn="l" defTabSz="914400" rtl="0" eaLnBrk="1" latinLnBrk="1" hangingPunct="1">
+      <a:defRPr sz="1200" kern="1200">
+        <a:solidFill>
+          <a:schemeClr val="tx1"/>
+        </a:solidFill>
+        <a:latin typeface="+mn-lt"/>
+        <a:ea typeface="+mn-ea"/>
+        <a:cs typeface="+mn-cs"/>
+      </a:defRPr>
+    </a:lvl1pPr>
+    <a:lvl2pPr marL="457200" algn="l" defTabSz="914400" rtl="0" eaLnBrk="1" latinLnBrk="1" hangingPunct="1">
+      <a:defRPr sz="1200" kern="1200">
+        <a:solidFill>
+          <a:schemeClr val="tx1"/>
+        </a:solidFill>
+        <a:latin typeface="+mn-lt"/>
+        <a:ea typeface="+mn-ea"/>
+        <a:cs typeface="+mn-cs"/>
+      </a:defRPr>
+    </a:lvl2pPr>
+    <a:lvl3pPr marL="914400" algn="l" defTabSz="914400" rtl="0" eaLnBrk="1" latinLnBrk="1" hangingPunct="1">
+      <a:defRPr sz="1200" kern="1200">
+        <a:solidFill>
+          <a:schemeClr val="tx1"/>
+        </a:solidFill>
+        <a:latin typeface="+mn-lt"/>
+        <a:ea typeface="+mn-ea"/>
+        <a:cs typeface="+mn-cs"/>
+      </a:defRPr>
+    </a:lvl3pPr>
+    <a:lvl4pPr marL="1371600" algn="l" defTabSz="914400" rtl="0" eaLnBrk="1" latinLnBrk="1" hangingPunct="1">
+      <a:defRPr sz="1200" kern="1200">
+        <a:solidFill>
+          <a:schemeClr val="tx1"/>
+        </a:solidFill>
+        <a:latin typeface="+mn-lt"/>
+        <a:ea typeface="+mn-ea"/>
+        <a:cs typeface="+mn-cs"/>
+      </a:defRPr>
+    </a:lvl4pPr>
+    <a:lvl5pPr marL="1828800" algn="l" defTabSz="914400" rtl="0" eaLnBrk="1" latinLnBrk="1" hangingPunct="1">
+      <a:defRPr sz="1200" kern="1200">
+        <a:solidFill>
+          <a:schemeClr val="tx1"/>
+        </a:solidFill>
+        <a:latin typeface="+mn-lt"/>
+        <a:ea typeface="+mn-ea"/>
+        <a:cs typeface="+mn-cs"/>
+      </a:defRPr>
+    </a:lvl5pPr>
+    <a:lvl6pPr marL="2286000" algn="l" defTabSz="914400" rtl="0" eaLnBrk="1" latinLnBrk="1" hangingPunct="1">
+      <a:defRPr sz="1200" kern="1200">
+        <a:solidFill>
+          <a:schemeClr val="tx1"/>
+        </a:solidFill>
+        <a:latin typeface="+mn-lt"/>
+        <a:ea typeface="+mn-ea"/>
+        <a:cs typeface="+mn-cs"/>
+      </a:defRPr>
+    </a:lvl6pPr>
+    <a:lvl7pPr marL="2743200" algn="l" defTabSz="914400" rtl="0" eaLnBrk="1" latinLnBrk="1" hangingPunct="1">
+      <a:defRPr sz="1200" kern="1200">
+        <a:solidFill>
+          <a:schemeClr val="tx1"/>
+        </a:solidFill>
+        <a:latin typeface="+mn-lt"/>
+        <a:ea typeface="+mn-ea"/>
+        <a:cs typeface="+mn-cs"/>
+      </a:defRPr>
+    </a:lvl7pPr>
+    <a:lvl8pPr marL="3200400" algn="l" defTabSz="914400" rtl="0" eaLnBrk="1" latinLnBrk="1" hangingPunct="1">
+      <a:defRPr sz="1200" kern="1200">
+        <a:solidFill>
+          <a:schemeClr val="tx1"/>
+        </a:solidFill>
+        <a:latin typeface="+mn-lt"/>
+        <a:ea typeface="+mn-ea"/>
+        <a:cs typeface="+mn-cs"/>
+      </a:defRPr>
+    </a:lvl8pPr>
+    <a:lvl9pPr marL="3657600" algn="l" defTabSz="914400" rtl="0" eaLnBrk="1" latinLnBrk="1" hangingPunct="1">
+      <a:defRPr sz="1200" kern="1200">
+        <a:solidFill>
+          <a:schemeClr val="tx1"/>
+        </a:solidFill>
+        <a:latin typeface="+mn-lt"/>
+        <a:ea typeface="+mn-ea"/>
+        <a:cs typeface="+mn-cs"/>
+      </a:defRPr>
+    </a:lvl9pPr>
+  </p:notesStyle>
+</p:notesMaster>
+</file>
+
+<file path=ppt/notesSlides/notesSlide1.xml><?xml version="1.0" encoding="utf-8"?>
+<p:notes xmlns:a="http://schemas.openxmlformats.org/drawingml/2006/main" xmlns:r="http://schemas.openxmlformats.org/officeDocument/2006/relationships" xmlns:p="http://schemas.openxmlformats.org/presentationml/2006/main">
+  <p:cSld>
+    <p:spTree>
+      <p:nvGrpSpPr>
+        <p:cNvPr id="1" name=""/>
+        <p:cNvGrpSpPr/>
+        <p:nvPr/>
+      </p:nvGrpSpPr>
+      <p:grpSpPr>
+        <a:xfrm>
+          <a:off x="0" y="0"/>
+          <a:ext cx="0" cy="0"/>
+          <a:chOff x="0" y="0"/>
+          <a:chExt cx="0" cy="0"/>
+        </a:xfrm>
+      </p:grpSpPr>
+      <p:sp>
+        <p:nvSpPr>
+          <p:cNvPr id="2" name="슬라이드 이미지 개체 틀 1"/>
+          <p:cNvSpPr>
+            <a:spLocks noGrp="1" noRot="1" noChangeAspect="1"/>
+          </p:cNvSpPr>
+          <p:nvPr>
+            <p:ph type="sldImg"/>
+          </p:nvPr>
+        </p:nvSpPr>
+        <p:spPr/>
+      </p:sp>
+      <p:sp>
+        <p:nvSpPr>
+          <p:cNvPr id="3" name="슬라이드 노트 개체 틀 2"/>
+          <p:cNvSpPr>
+            <a:spLocks noGrp="1"/>
+          </p:cNvSpPr>
+          <p:nvPr>
+            <p:ph type="body" idx="1"/>
+          </p:nvPr>
+        </p:nvSpPr>
+        <p:spPr/>
+        <p:txBody>
+          <a:bodyPr/>
+          <a:lstStyle/>
+          <a:p>
+            <a:pPr marL="722312" indent="-722312">
+              <a:lnSpc>
+                <a:spcPct val="150000"/>
+              </a:lnSpc>
+              <a:buSzPct val="50000"/>
+              <a:buFont typeface="Arial" panose="020B0604020202020204" pitchFamily="34" charset="0"/>
+              <a:buBlip>
+                <a:blip r:embed="rId3"/>
+              </a:buBlip>
+            </a:pPr>
+            <a:r>
+              <a:rPr lang="ko-KR" altLang="en-US" sz="1200" dirty="0">
+                <a:latin typeface="나눔스퀘어" panose="020B0600000101010101" pitchFamily="50" charset="-127"/>
+                <a:ea typeface="나눔스퀘어" panose="020B0600000101010101" pitchFamily="50" charset="-127"/>
+              </a:rPr>
+              <a:t>상단에는 해당 주의 양치 점수를 출력</a:t>
+            </a:r>
+            <a:endParaRPr lang="en-US" altLang="ko-KR" sz="1200" dirty="0">
+              <a:latin typeface="나눔스퀘어" panose="020B0600000101010101" pitchFamily="50" charset="-127"/>
+              <a:ea typeface="나눔스퀘어" panose="020B0600000101010101" pitchFamily="50" charset="-127"/>
+            </a:endParaRPr>
+          </a:p>
+          <a:p>
+            <a:pPr marL="722312" indent="-722312">
+              <a:lnSpc>
+                <a:spcPct val="150000"/>
+              </a:lnSpc>
+              <a:buSzPct val="50000"/>
+              <a:buFont typeface="Arial" panose="020B0604020202020204" pitchFamily="34" charset="0"/>
+              <a:buBlip>
+                <a:blip r:embed="rId3"/>
+              </a:buBlip>
+            </a:pPr>
+            <a:r>
+              <a:rPr lang="ko-KR" altLang="en-US" sz="1200" dirty="0">
+                <a:latin typeface="나눔스퀘어" panose="020B0600000101010101" pitchFamily="50" charset="-127"/>
+                <a:ea typeface="나눔스퀘어" panose="020B0600000101010101" pitchFamily="50" charset="-127"/>
+              </a:rPr>
+              <a:t>점수 밑에는 지난주와 해당 주 비교하는 멘트 출력</a:t>
+            </a:r>
+            <a:endParaRPr lang="en-US" altLang="ko-KR" sz="1200" dirty="0">
+              <a:latin typeface="나눔스퀘어" panose="020B0600000101010101" pitchFamily="50" charset="-127"/>
+              <a:ea typeface="나눔스퀘어" panose="020B0600000101010101" pitchFamily="50" charset="-127"/>
+            </a:endParaRPr>
+          </a:p>
+          <a:p>
+            <a:pPr marL="722312" indent="-722312">
+              <a:lnSpc>
+                <a:spcPct val="150000"/>
+              </a:lnSpc>
+              <a:buSzPct val="50000"/>
+              <a:buFont typeface="Arial" panose="020B0604020202020204" pitchFamily="34" charset="0"/>
+              <a:buBlip>
+                <a:blip r:embed="rId3"/>
+              </a:buBlip>
+            </a:pPr>
+            <a:r>
+              <a:rPr lang="ko-KR" altLang="en-US" sz="1200" dirty="0">
+                <a:latin typeface="나눔스퀘어" panose="020B0600000101010101" pitchFamily="50" charset="-127"/>
+                <a:ea typeface="나눔스퀘어" panose="020B0600000101010101" pitchFamily="50" charset="-127"/>
+              </a:rPr>
+              <a:t>하단에는 일별 양치 시간과 점수 출력</a:t>
+            </a:r>
+            <a:endParaRPr lang="en-US" altLang="ko-KR" sz="1200" dirty="0">
+              <a:latin typeface="나눔스퀘어" panose="020B0600000101010101" pitchFamily="50" charset="-127"/>
+              <a:ea typeface="나눔스퀘어" panose="020B0600000101010101" pitchFamily="50" charset="-127"/>
+            </a:endParaRPr>
+          </a:p>
+          <a:p>
+            <a:pPr marL="722312" indent="-722312">
+              <a:lnSpc>
+                <a:spcPct val="150000"/>
+              </a:lnSpc>
+              <a:buSzPct val="50000"/>
+              <a:buFont typeface="Arial" panose="020B0604020202020204" pitchFamily="34" charset="0"/>
+              <a:buBlip>
+                <a:blip r:embed="rId3"/>
+              </a:buBlip>
+            </a:pPr>
+            <a:r>
+              <a:rPr lang="ko-KR" altLang="en-US" sz="1200" dirty="0">
+                <a:latin typeface="나눔스퀘어" panose="020B0600000101010101" pitchFamily="50" charset="-127"/>
+                <a:ea typeface="나눔스퀘어" panose="020B0600000101010101" pitchFamily="50" charset="-127"/>
+              </a:rPr>
+              <a:t>기록 클릭 시 하나의 양치를 분석하는 코멘트 출력</a:t>
+            </a:r>
+            <a:endParaRPr lang="en-US" altLang="ko-KR" sz="1200" dirty="0">
+              <a:latin typeface="나눔스퀘어" panose="020B0600000101010101" pitchFamily="50" charset="-127"/>
+              <a:ea typeface="나눔스퀘어" panose="020B0600000101010101" pitchFamily="50" charset="-127"/>
+            </a:endParaRPr>
+          </a:p>
+          <a:p>
+            <a:pPr marL="722312" indent="-722312">
+              <a:lnSpc>
+                <a:spcPct val="150000"/>
+              </a:lnSpc>
+              <a:buSzPct val="50000"/>
+              <a:buFont typeface="Arial" panose="020B0604020202020204" pitchFamily="34" charset="0"/>
+              <a:buBlip>
+                <a:blip r:embed="rId3"/>
+              </a:buBlip>
+            </a:pPr>
+            <a:endParaRPr lang="en-US" altLang="ko-KR" sz="1200" dirty="0">
+              <a:latin typeface="나눔스퀘어" panose="020B0600000101010101" pitchFamily="50" charset="-127"/>
+              <a:ea typeface="나눔스퀘어" panose="020B0600000101010101" pitchFamily="50" charset="-127"/>
+            </a:endParaRPr>
+          </a:p>
+          <a:p>
+            <a:pPr marL="722312" indent="-722312">
+              <a:lnSpc>
+                <a:spcPct val="150000"/>
+              </a:lnSpc>
+              <a:buSzPct val="50000"/>
+              <a:buFont typeface="Arial" panose="020B0604020202020204" pitchFamily="34" charset="0"/>
+              <a:buBlip>
+                <a:blip r:embed="rId3"/>
+              </a:buBlip>
+            </a:pPr>
+            <a:endParaRPr lang="en-US" altLang="ko-KR" sz="1200" dirty="0">
+              <a:latin typeface="나눔스퀘어" panose="020B0600000101010101" pitchFamily="50" charset="-127"/>
+              <a:ea typeface="나눔스퀘어" panose="020B0600000101010101" pitchFamily="50" charset="-127"/>
+            </a:endParaRPr>
+          </a:p>
+          <a:p>
+            <a:pPr marL="722312" indent="-722312">
+              <a:lnSpc>
+                <a:spcPct val="150000"/>
+              </a:lnSpc>
+              <a:buSzPct val="50000"/>
+              <a:buFont typeface="Arial" panose="020B0604020202020204" pitchFamily="34" charset="0"/>
+              <a:buBlip>
+                <a:blip r:embed="rId3"/>
+              </a:buBlip>
+            </a:pPr>
+            <a:r>
+              <a:rPr lang="ko-KR" altLang="en-US" sz="1200" dirty="0">
+                <a:latin typeface="나눔스퀘어" panose="020B0600000101010101" pitchFamily="50" charset="-127"/>
+                <a:ea typeface="나눔스퀘어" panose="020B0600000101010101" pitchFamily="50" charset="-127"/>
+              </a:rPr>
+              <a:t>지금 데이터 샘플 </a:t>
+            </a:r>
+            <a:r>
+              <a:rPr lang="en-US" altLang="ko-KR" sz="1200" dirty="0">
+                <a:latin typeface="나눔스퀘어" panose="020B0600000101010101" pitchFamily="50" charset="-127"/>
+                <a:ea typeface="나눔스퀘어" panose="020B0600000101010101" pitchFamily="50" charset="-127"/>
+              </a:rPr>
+              <a:t>40</a:t>
+            </a:r>
+            <a:r>
+              <a:rPr lang="ko-KR" altLang="en-US" sz="1200" dirty="0">
+                <a:latin typeface="나눔스퀘어" panose="020B0600000101010101" pitchFamily="50" charset="-127"/>
+                <a:ea typeface="나눔스퀘어" panose="020B0600000101010101" pitchFamily="50" charset="-127"/>
+              </a:rPr>
+              <a:t>개를 넣어 놓았고</a:t>
+            </a:r>
+            <a:r>
+              <a:rPr lang="en-US" altLang="ko-KR" sz="1200" dirty="0">
+                <a:latin typeface="나눔스퀘어" panose="020B0600000101010101" pitchFamily="50" charset="-127"/>
+                <a:ea typeface="나눔스퀘어" panose="020B0600000101010101" pitchFamily="50" charset="-127"/>
+              </a:rPr>
+              <a:t>, </a:t>
+            </a:r>
+            <a:r>
+              <a:rPr lang="ko-KR" altLang="en-US" sz="1200" dirty="0">
+                <a:latin typeface="나눔스퀘어" panose="020B0600000101010101" pitchFamily="50" charset="-127"/>
+                <a:ea typeface="나눔스퀘어" panose="020B0600000101010101" pitchFamily="50" charset="-127"/>
+              </a:rPr>
+              <a:t>왼쪽 </a:t>
+            </a:r>
+            <a:r>
+              <a:rPr lang="en-US" altLang="ko-KR" sz="1200" dirty="0">
+                <a:latin typeface="나눔스퀘어" panose="020B0600000101010101" pitchFamily="50" charset="-127"/>
+                <a:ea typeface="나눔스퀘어" panose="020B0600000101010101" pitchFamily="50" charset="-127"/>
+              </a:rPr>
+              <a:t>calendar</a:t>
+            </a:r>
+            <a:r>
+              <a:rPr lang="ko-KR" altLang="en-US" sz="1200" dirty="0">
+                <a:latin typeface="나눔스퀘어" panose="020B0600000101010101" pitchFamily="50" charset="-127"/>
+                <a:ea typeface="나눔스퀘어" panose="020B0600000101010101" pitchFamily="50" charset="-127"/>
+              </a:rPr>
+              <a:t>와 같은 </a:t>
+            </a:r>
+            <a:r>
+              <a:rPr lang="en-US" altLang="ko-KR" sz="1200" dirty="0">
+                <a:latin typeface="나눔스퀘어" panose="020B0600000101010101" pitchFamily="50" charset="-127"/>
+                <a:ea typeface="나눔스퀘어" panose="020B0600000101010101" pitchFamily="50" charset="-127"/>
+              </a:rPr>
+              <a:t>record</a:t>
+            </a:r>
+            <a:r>
+              <a:rPr lang="ko-KR" altLang="en-US" sz="1200" dirty="0">
+                <a:latin typeface="나눔스퀘어" panose="020B0600000101010101" pitchFamily="50" charset="-127"/>
+                <a:ea typeface="나눔스퀘어" panose="020B0600000101010101" pitchFamily="50" charset="-127"/>
+              </a:rPr>
+              <a:t>를 갖고 있다</a:t>
+            </a:r>
+            <a:r>
+              <a:rPr lang="en-US" altLang="ko-KR" sz="1200" dirty="0">
+                <a:latin typeface="나눔스퀘어" panose="020B0600000101010101" pitchFamily="50" charset="-127"/>
+                <a:ea typeface="나눔스퀘어" panose="020B0600000101010101" pitchFamily="50" charset="-127"/>
+              </a:rPr>
+              <a:t>.</a:t>
+            </a:r>
+          </a:p>
+          <a:p>
+            <a:pPr marL="0" indent="0">
+              <a:lnSpc>
+                <a:spcPct val="150000"/>
+              </a:lnSpc>
+              <a:buSzPct val="50000"/>
+              <a:buFont typeface="Arial" panose="020B0604020202020204" pitchFamily="34" charset="0"/>
+              <a:buNone/>
+            </a:pPr>
+            <a:endParaRPr lang="en-US" altLang="ko-KR" sz="1200" dirty="0">
+              <a:latin typeface="나눔스퀘어" panose="020B0600000101010101" pitchFamily="50" charset="-127"/>
+              <a:ea typeface="나눔스퀘어" panose="020B0600000101010101" pitchFamily="50" charset="-127"/>
+            </a:endParaRPr>
+          </a:p>
+          <a:p>
+            <a:pPr marL="722312" indent="-722312">
+              <a:lnSpc>
+                <a:spcPct val="150000"/>
+              </a:lnSpc>
+              <a:buSzPct val="50000"/>
+              <a:buFont typeface="Arial" panose="020B0604020202020204" pitchFamily="34" charset="0"/>
+              <a:buBlip>
+                <a:blip r:embed="rId3"/>
+              </a:buBlip>
+            </a:pPr>
+            <a:r>
+              <a:rPr lang="ko-KR" altLang="en-US" sz="1200" dirty="0">
+                <a:latin typeface="나눔스퀘어" panose="020B0600000101010101" pitchFamily="50" charset="-127"/>
+                <a:ea typeface="나눔스퀘어" panose="020B0600000101010101" pitchFamily="50" charset="-127"/>
+              </a:rPr>
+              <a:t>모니터링으로부터 전달 받은 데이터를 처리하여 표현 가능</a:t>
+            </a:r>
+            <a:r>
+              <a:rPr lang="en-US" altLang="ko-KR" sz="1200" dirty="0">
+                <a:latin typeface="나눔스퀘어" panose="020B0600000101010101" pitchFamily="50" charset="-127"/>
+                <a:ea typeface="나눔스퀘어" panose="020B0600000101010101" pitchFamily="50" charset="-127"/>
+              </a:rPr>
+              <a:t>…??? </a:t>
+            </a:r>
+            <a:r>
+              <a:rPr lang="ko-KR" altLang="en-US" sz="1200" dirty="0">
+                <a:latin typeface="나눔스퀘어" panose="020B0600000101010101" pitchFamily="50" charset="-127"/>
+                <a:ea typeface="나눔스퀘어" panose="020B0600000101010101" pitchFamily="50" charset="-127"/>
+              </a:rPr>
+              <a:t>지금 </a:t>
+            </a:r>
+            <a:r>
+              <a:rPr lang="en-US" altLang="ko-KR" sz="1200" dirty="0">
+                <a:latin typeface="나눔스퀘어" panose="020B0600000101010101" pitchFamily="50" charset="-127"/>
+                <a:ea typeface="나눔스퀘어" panose="020B0600000101010101" pitchFamily="50" charset="-127"/>
+              </a:rPr>
+              <a:t>timer</a:t>
+            </a:r>
+            <a:r>
+              <a:rPr lang="ko-KR" altLang="en-US" sz="1200" dirty="0">
+                <a:latin typeface="나눔스퀘어" panose="020B0600000101010101" pitchFamily="50" charset="-127"/>
+                <a:ea typeface="나눔스퀘어" panose="020B0600000101010101" pitchFamily="50" charset="-127"/>
+              </a:rPr>
+              <a:t>작동 </a:t>
+            </a:r>
+            <a:r>
+              <a:rPr lang="ko-KR" altLang="en-US" sz="1200" dirty="0" err="1">
+                <a:latin typeface="나눔스퀘어" panose="020B0600000101010101" pitchFamily="50" charset="-127"/>
+                <a:ea typeface="나눔스퀘어" panose="020B0600000101010101" pitchFamily="50" charset="-127"/>
+              </a:rPr>
+              <a:t>안하지</a:t>
+            </a:r>
+            <a:r>
+              <a:rPr lang="ko-KR" altLang="en-US" sz="1200" dirty="0">
+                <a:latin typeface="나눔스퀘어" panose="020B0600000101010101" pitchFamily="50" charset="-127"/>
+                <a:ea typeface="나눔스퀘어" panose="020B0600000101010101" pitchFamily="50" charset="-127"/>
+              </a:rPr>
+              <a:t> 않나</a:t>
+            </a:r>
+            <a:r>
+              <a:rPr lang="en-US" altLang="ko-KR" sz="1200" dirty="0">
+                <a:latin typeface="나눔스퀘어" panose="020B0600000101010101" pitchFamily="50" charset="-127"/>
+                <a:ea typeface="나눔스퀘어" panose="020B0600000101010101" pitchFamily="50" charset="-127"/>
+              </a:rPr>
+              <a:t>????</a:t>
+            </a:r>
+          </a:p>
+          <a:p>
+            <a:endParaRPr lang="ko-KR" altLang="en-US" dirty="0"/>
+          </a:p>
+        </p:txBody>
+      </p:sp>
+      <p:sp>
+        <p:nvSpPr>
+          <p:cNvPr id="4" name="슬라이드 번호 개체 틀 3"/>
+          <p:cNvSpPr>
+            <a:spLocks noGrp="1"/>
+          </p:cNvSpPr>
+          <p:nvPr>
+            <p:ph type="sldNum" sz="quarter" idx="10"/>
+          </p:nvPr>
+        </p:nvSpPr>
+        <p:spPr/>
+        <p:txBody>
+          <a:bodyPr/>
+          <a:lstStyle/>
+          <a:p>
+            <a:fld id="{231CB6DC-0120-4A0B-9EB4-AC0E3C50624C}" type="slidenum">
+              <a:rPr lang="ko-KR" altLang="en-US" smtClean="0"/>
+              <a:t>13</a:t>
+            </a:fld>
+            <a:endParaRPr lang="ko-KR" altLang="en-US"/>
+          </a:p>
+        </p:txBody>
+      </p:sp>
+    </p:spTree>
+    <p:extLst>
+      <p:ext uri="{BB962C8B-B14F-4D97-AF65-F5344CB8AC3E}">
+        <p14:creationId xmlns:p14="http://schemas.microsoft.com/office/powerpoint/2010/main" val="2620165127"/>
+      </p:ext>
+    </p:extLst>
+  </p:cSld>
+  <p:clrMapOvr>
+    <a:masterClrMapping/>
+  </p:clrMapOvr>
+</p:notes>
+</file>
+
+<file path=ppt/notesSlides/notesSlide2.xml><?xml version="1.0" encoding="utf-8"?>
+<p:notes xmlns:a="http://schemas.openxmlformats.org/drawingml/2006/main" xmlns:r="http://schemas.openxmlformats.org/officeDocument/2006/relationships" xmlns:p="http://schemas.openxmlformats.org/presentationml/2006/main">
+  <p:cSld>
+    <p:spTree>
+      <p:nvGrpSpPr>
+        <p:cNvPr id="1" name=""/>
+        <p:cNvGrpSpPr/>
+        <p:nvPr/>
+      </p:nvGrpSpPr>
+      <p:grpSpPr>
+        <a:xfrm>
+          <a:off x="0" y="0"/>
+          <a:ext cx="0" cy="0"/>
+          <a:chOff x="0" y="0"/>
+          <a:chExt cx="0" cy="0"/>
+        </a:xfrm>
+      </p:grpSpPr>
+      <p:sp>
+        <p:nvSpPr>
+          <p:cNvPr id="2" name="슬라이드 이미지 개체 틀 1"/>
+          <p:cNvSpPr>
+            <a:spLocks noGrp="1" noRot="1" noChangeAspect="1"/>
+          </p:cNvSpPr>
+          <p:nvPr>
+            <p:ph type="sldImg"/>
+          </p:nvPr>
+        </p:nvSpPr>
+        <p:spPr/>
+      </p:sp>
+      <p:sp>
+        <p:nvSpPr>
+          <p:cNvPr id="3" name="슬라이드 노트 개체 틀 2"/>
+          <p:cNvSpPr>
+            <a:spLocks noGrp="1"/>
+          </p:cNvSpPr>
+          <p:nvPr>
+            <p:ph type="body" idx="1"/>
+          </p:nvPr>
+        </p:nvSpPr>
+        <p:spPr/>
+        <p:txBody>
+          <a:bodyPr/>
+          <a:lstStyle/>
+          <a:p>
+            <a:endParaRPr lang="ko-KR" altLang="en-US" dirty="0"/>
+          </a:p>
+        </p:txBody>
+      </p:sp>
+      <p:sp>
+        <p:nvSpPr>
+          <p:cNvPr id="4" name="슬라이드 번호 개체 틀 3"/>
+          <p:cNvSpPr>
+            <a:spLocks noGrp="1"/>
+          </p:cNvSpPr>
+          <p:nvPr>
+            <p:ph type="sldNum" sz="quarter" idx="10"/>
+          </p:nvPr>
+        </p:nvSpPr>
+        <p:spPr/>
+        <p:txBody>
+          <a:bodyPr/>
+          <a:lstStyle/>
+          <a:p>
+            <a:fld id="{231CB6DC-0120-4A0B-9EB4-AC0E3C50624C}" type="slidenum">
+              <a:rPr lang="ko-KR" altLang="en-US" smtClean="0"/>
+              <a:t>15</a:t>
+            </a:fld>
+            <a:endParaRPr lang="ko-KR" altLang="en-US"/>
+          </a:p>
+        </p:txBody>
+      </p:sp>
+    </p:spTree>
+    <p:extLst>
+      <p:ext uri="{BB962C8B-B14F-4D97-AF65-F5344CB8AC3E}">
+        <p14:creationId xmlns:p14="http://schemas.microsoft.com/office/powerpoint/2010/main" val="1151865591"/>
+      </p:ext>
+    </p:extLst>
+  </p:cSld>
+  <p:clrMapOvr>
+    <a:masterClrMapping/>
+  </p:clrMapOvr>
+</p:notes>
 </file>
 
 <file path=ppt/slideLayouts/slideLayout1.xml><?xml version="1.0" encoding="utf-8"?>
@@ -3363,7 +4171,7 @@
         </p:blipFill>
         <p:spPr>
           <a:xfrm>
-            <a:off x="-88777" y="175170"/>
+            <a:off x="0" y="0"/>
             <a:ext cx="12192000" cy="6858000"/>
           </a:xfrm>
           <a:prstGeom prst="rect">
@@ -3775,7 +4583,7 @@
                 <a:ea typeface="나눔스퀘어" panose="020B0600000101010101" pitchFamily="50" charset="-127"/>
                 <a:sym typeface="NanumSquareR"/>
               </a:rPr>
-              <a:t>주차</a:t>
+              <a:t>주차 중간 데모</a:t>
             </a:r>
           </a:p>
           <a:p>
@@ -3836,7 +4644,7 @@
         </p:blipFill>
         <p:spPr>
           <a:xfrm>
-            <a:off x="-71021" y="0"/>
+            <a:off x="0" y="0"/>
             <a:ext cx="12192000" cy="6858000"/>
           </a:xfrm>
           <a:prstGeom prst="rect">
@@ -4825,57 +5633,19 @@
           <p:nvPr/>
         </p:nvPicPr>
         <p:blipFill>
-          <a:blip r:embed="rId2" cstate="print"/>
+          <a:blip r:embed="rId3" cstate="print"/>
           <a:stretch>
             <a:fillRect/>
           </a:stretch>
         </p:blipFill>
         <p:spPr>
           <a:xfrm>
-            <a:off x="0" y="-97133"/>
-            <a:ext cx="12192000" cy="6858000"/>
+            <a:off x="0" y="-97134"/>
+            <a:ext cx="12192000" cy="6955133"/>
           </a:xfrm>
           <a:prstGeom prst="rect">
             <a:avLst/>
           </a:prstGeom>
-        </p:spPr>
-      </p:pic>
-      <p:pic>
-        <p:nvPicPr>
-          <p:cNvPr id="10" name="그림 9">
-            <a:extLst>
-              <a:ext uri="{FF2B5EF4-FFF2-40B4-BE49-F238E27FC236}">
-                <a16:creationId xmlns:a16="http://schemas.microsoft.com/office/drawing/2014/main" id="{AAF3E26D-C8FC-4942-BE9E-80E4F260D62C}"/>
-              </a:ext>
-            </a:extLst>
-          </p:cNvPr>
-          <p:cNvPicPr>
-            <a:picLocks noChangeAspect="1"/>
-          </p:cNvPicPr>
-          <p:nvPr/>
-        </p:nvPicPr>
-        <p:blipFill>
-          <a:blip r:embed="rId3"/>
-          <a:stretch>
-            <a:fillRect/>
-          </a:stretch>
-        </p:blipFill>
-        <p:spPr>
-          <a:xfrm>
-            <a:off x="1737518" y="1919529"/>
-            <a:ext cx="2039162" cy="4191612"/>
-          </a:xfrm>
-          <a:prstGeom prst="rect">
-            <a:avLst/>
-          </a:prstGeom>
-          <a:ln w="12700">
-            <a:solidFill>
-              <a:schemeClr val="tx1">
-                <a:lumMod val="65000"/>
-                <a:lumOff val="35000"/>
-              </a:schemeClr>
-            </a:solidFill>
-          </a:ln>
         </p:spPr>
       </p:pic>
       <p:sp>
@@ -4973,10 +5743,10 @@
       </p:cxnSp>
       <p:pic>
         <p:nvPicPr>
-          <p:cNvPr id="2" name="그림 1">
-            <a:extLst>
-              <a:ext uri="{FF2B5EF4-FFF2-40B4-BE49-F238E27FC236}">
-                <a16:creationId xmlns:a16="http://schemas.microsoft.com/office/drawing/2014/main" id="{2A691879-ADAC-4655-9654-309BB3461DD8}"/>
+          <p:cNvPr id="5" name="그림 4">
+            <a:extLst>
+              <a:ext uri="{FF2B5EF4-FFF2-40B4-BE49-F238E27FC236}">
+                <a16:creationId xmlns:a16="http://schemas.microsoft.com/office/drawing/2014/main" id="{BE596081-F4B6-4F07-A238-6CF6D8B3B28E}"/>
               </a:ext>
             </a:extLst>
           </p:cNvPr>
@@ -4993,14 +5763,552 @@
         </p:blipFill>
         <p:spPr>
           <a:xfrm>
-            <a:off x="1737518" y="1919529"/>
-            <a:ext cx="2039162" cy="4191610"/>
+            <a:off x="3899604" y="1740111"/>
+            <a:ext cx="2213841" cy="4550673"/>
           </a:xfrm>
           <a:prstGeom prst="rect">
             <a:avLst/>
           </a:prstGeom>
+          <a:ln w="12700">
+            <a:solidFill>
+              <a:schemeClr val="bg2">
+                <a:lumMod val="50000"/>
+              </a:schemeClr>
+            </a:solidFill>
+          </a:ln>
         </p:spPr>
       </p:pic>
+      <p:pic>
+        <p:nvPicPr>
+          <p:cNvPr id="7" name="그림 6">
+            <a:extLst>
+              <a:ext uri="{FF2B5EF4-FFF2-40B4-BE49-F238E27FC236}">
+                <a16:creationId xmlns:a16="http://schemas.microsoft.com/office/drawing/2014/main" id="{09C60695-C3F8-4B97-8715-92E4F16E9E7F}"/>
+              </a:ext>
+            </a:extLst>
+          </p:cNvPr>
+          <p:cNvPicPr>
+            <a:picLocks noChangeAspect="1"/>
+          </p:cNvPicPr>
+          <p:nvPr/>
+        </p:nvPicPr>
+        <p:blipFill>
+          <a:blip r:embed="rId5"/>
+          <a:stretch>
+            <a:fillRect/>
+          </a:stretch>
+        </p:blipFill>
+        <p:spPr>
+          <a:xfrm>
+            <a:off x="7099212" y="1740123"/>
+            <a:ext cx="2213835" cy="4550661"/>
+          </a:xfrm>
+          <a:prstGeom prst="rect">
+            <a:avLst/>
+          </a:prstGeom>
+          <a:ln w="12700">
+            <a:solidFill>
+              <a:schemeClr val="bg2">
+                <a:lumMod val="50000"/>
+              </a:schemeClr>
+            </a:solidFill>
+          </a:ln>
+        </p:spPr>
+      </p:pic>
+      <p:pic>
+        <p:nvPicPr>
+          <p:cNvPr id="8" name="그림 7">
+            <a:extLst>
+              <a:ext uri="{FF2B5EF4-FFF2-40B4-BE49-F238E27FC236}">
+                <a16:creationId xmlns:a16="http://schemas.microsoft.com/office/drawing/2014/main" id="{94210871-8010-477C-BDEF-88B24F9DD0F0}"/>
+              </a:ext>
+            </a:extLst>
+          </p:cNvPr>
+          <p:cNvPicPr>
+            <a:picLocks noChangeAspect="1"/>
+          </p:cNvPicPr>
+          <p:nvPr/>
+        </p:nvPicPr>
+        <p:blipFill rotWithShape="1">
+          <a:blip r:embed="rId6"/>
+          <a:srcRect t="2523" b="53690"/>
+          <a:stretch/>
+        </p:blipFill>
+        <p:spPr>
+          <a:xfrm>
+            <a:off x="1065903" y="2273141"/>
+            <a:ext cx="2213835" cy="1992573"/>
+          </a:xfrm>
+          <a:prstGeom prst="rect">
+            <a:avLst/>
+          </a:prstGeom>
+          <a:ln w="12700">
+            <a:solidFill>
+              <a:schemeClr val="bg2">
+                <a:lumMod val="50000"/>
+              </a:schemeClr>
+            </a:solidFill>
+          </a:ln>
+        </p:spPr>
+      </p:pic>
+      <p:cxnSp>
+        <p:nvCxnSpPr>
+          <p:cNvPr id="16" name="직선 화살표 연결선 15">
+            <a:extLst>
+              <a:ext uri="{FF2B5EF4-FFF2-40B4-BE49-F238E27FC236}">
+                <a16:creationId xmlns:a16="http://schemas.microsoft.com/office/drawing/2014/main" id="{E6C2E9BA-0ABC-4325-BC98-0545B1179CD4}"/>
+              </a:ext>
+            </a:extLst>
+          </p:cNvPr>
+          <p:cNvCxnSpPr>
+            <a:endCxn id="8" idx="3"/>
+          </p:cNvCxnSpPr>
+          <p:nvPr/>
+        </p:nvCxnSpPr>
+        <p:spPr>
+          <a:xfrm flipH="1">
+            <a:off x="3279738" y="2893325"/>
+            <a:ext cx="933379" cy="376103"/>
+          </a:xfrm>
+          <a:prstGeom prst="straightConnector1">
+            <a:avLst/>
+          </a:prstGeom>
+          <a:ln w="38100">
+            <a:solidFill>
+              <a:schemeClr val="bg2">
+                <a:lumMod val="25000"/>
+              </a:schemeClr>
+            </a:solidFill>
+            <a:tailEnd type="triangle"/>
+          </a:ln>
+        </p:spPr>
+        <p:style>
+          <a:lnRef idx="3">
+            <a:schemeClr val="dk1"/>
+          </a:lnRef>
+          <a:fillRef idx="0">
+            <a:schemeClr val="dk1"/>
+          </a:fillRef>
+          <a:effectRef idx="2">
+            <a:schemeClr val="dk1"/>
+          </a:effectRef>
+          <a:fontRef idx="minor">
+            <a:schemeClr val="tx1"/>
+          </a:fontRef>
+        </p:style>
+      </p:cxnSp>
+      <p:cxnSp>
+        <p:nvCxnSpPr>
+          <p:cNvPr id="18" name="직선 화살표 연결선 17">
+            <a:extLst>
+              <a:ext uri="{FF2B5EF4-FFF2-40B4-BE49-F238E27FC236}">
+                <a16:creationId xmlns:a16="http://schemas.microsoft.com/office/drawing/2014/main" id="{48307C96-0FC1-4741-B096-E9048327D2C0}"/>
+              </a:ext>
+            </a:extLst>
+          </p:cNvPr>
+          <p:cNvCxnSpPr/>
+          <p:nvPr/>
+        </p:nvCxnSpPr>
+        <p:spPr>
+          <a:xfrm flipH="1">
+            <a:off x="9103057" y="4408227"/>
+            <a:ext cx="791570" cy="0"/>
+          </a:xfrm>
+          <a:prstGeom prst="straightConnector1">
+            <a:avLst/>
+          </a:prstGeom>
+          <a:ln w="38100">
+            <a:solidFill>
+              <a:schemeClr val="tx1">
+                <a:lumMod val="75000"/>
+                <a:lumOff val="25000"/>
+              </a:schemeClr>
+            </a:solidFill>
+            <a:tailEnd type="triangle"/>
+          </a:ln>
+        </p:spPr>
+        <p:style>
+          <a:lnRef idx="3">
+            <a:schemeClr val="dk1"/>
+          </a:lnRef>
+          <a:fillRef idx="0">
+            <a:schemeClr val="dk1"/>
+          </a:fillRef>
+          <a:effectRef idx="2">
+            <a:schemeClr val="dk1"/>
+          </a:effectRef>
+          <a:fontRef idx="minor">
+            <a:schemeClr val="tx1"/>
+          </a:fontRef>
+        </p:style>
+      </p:cxnSp>
+      <p:sp>
+        <p:nvSpPr>
+          <p:cNvPr id="19" name="TextBox 18">
+            <a:extLst>
+              <a:ext uri="{FF2B5EF4-FFF2-40B4-BE49-F238E27FC236}">
+                <a16:creationId xmlns:a16="http://schemas.microsoft.com/office/drawing/2014/main" id="{182259EF-2CB9-4FF0-B461-282C35076790}"/>
+              </a:ext>
+            </a:extLst>
+          </p:cNvPr>
+          <p:cNvSpPr txBox="1"/>
+          <p:nvPr/>
+        </p:nvSpPr>
+        <p:spPr>
+          <a:xfrm>
+            <a:off x="10003809" y="3916907"/>
+            <a:ext cx="2012219" cy="1446660"/>
+          </a:xfrm>
+          <a:prstGeom prst="rect">
+            <a:avLst/>
+          </a:prstGeom>
+          <a:noFill/>
+        </p:spPr>
+        <p:txBody>
+          <a:bodyPr wrap="square" rtlCol="0">
+            <a:spAutoFit/>
+          </a:bodyPr>
+          <a:lstStyle/>
+          <a:p>
+            <a:endParaRPr lang="ko-KR" altLang="en-US" dirty="0"/>
+          </a:p>
+        </p:txBody>
+      </p:sp>
+      <p:sp>
+        <p:nvSpPr>
+          <p:cNvPr id="20" name="TextBox 19">
+            <a:extLst>
+              <a:ext uri="{FF2B5EF4-FFF2-40B4-BE49-F238E27FC236}">
+                <a16:creationId xmlns:a16="http://schemas.microsoft.com/office/drawing/2014/main" id="{69D5209E-6731-469C-9879-EF616B3903A1}"/>
+              </a:ext>
+            </a:extLst>
+          </p:cNvPr>
+          <p:cNvSpPr txBox="1"/>
+          <p:nvPr/>
+        </p:nvSpPr>
+        <p:spPr>
+          <a:xfrm>
+            <a:off x="9917012" y="4223561"/>
+            <a:ext cx="1746913" cy="369332"/>
+          </a:xfrm>
+          <a:prstGeom prst="rect">
+            <a:avLst/>
+          </a:prstGeom>
+          <a:noFill/>
+        </p:spPr>
+        <p:txBody>
+          <a:bodyPr wrap="square" rtlCol="0">
+            <a:spAutoFit/>
+          </a:bodyPr>
+          <a:lstStyle/>
+          <a:p>
+            <a:r>
+              <a:rPr lang="ko-KR" altLang="en-US" dirty="0"/>
+              <a:t>클릭</a:t>
+            </a:r>
+          </a:p>
+        </p:txBody>
+      </p:sp>
+    </p:spTree>
+    <p:extLst>
+      <p:ext uri="{BB962C8B-B14F-4D97-AF65-F5344CB8AC3E}">
+        <p14:creationId xmlns:p14="http://schemas.microsoft.com/office/powerpoint/2010/main" val="4026115006"/>
+      </p:ext>
+    </p:extLst>
+  </p:cSld>
+  <p:clrMapOvr>
+    <a:masterClrMapping/>
+  </p:clrMapOvr>
+</p:sld>
+</file>
+
+<file path=ppt/slides/slide14.xml><?xml version="1.0" encoding="utf-8"?>
+<p:sld xmlns:a="http://schemas.openxmlformats.org/drawingml/2006/main" xmlns:r="http://schemas.openxmlformats.org/officeDocument/2006/relationships" xmlns:p="http://schemas.openxmlformats.org/presentationml/2006/main">
+  <p:cSld>
+    <p:spTree>
+      <p:nvGrpSpPr>
+        <p:cNvPr id="1" name=""/>
+        <p:cNvGrpSpPr/>
+        <p:nvPr/>
+      </p:nvGrpSpPr>
+      <p:grpSpPr>
+        <a:xfrm>
+          <a:off x="0" y="0"/>
+          <a:ext cx="0" cy="0"/>
+          <a:chOff x="0" y="0"/>
+          <a:chExt cx="0" cy="0"/>
+        </a:xfrm>
+      </p:grpSpPr>
+      <p:pic>
+        <p:nvPicPr>
+          <p:cNvPr id="4" name="그림 3" descr="배경.png">
+            <a:extLst>
+              <a:ext uri="{FF2B5EF4-FFF2-40B4-BE49-F238E27FC236}">
+                <a16:creationId xmlns:a16="http://schemas.microsoft.com/office/drawing/2014/main" id="{2F00640A-04D8-44EE-AEB5-B96AB20BCD44}"/>
+              </a:ext>
+            </a:extLst>
+          </p:cNvPr>
+          <p:cNvPicPr>
+            <a:picLocks noChangeAspect="1"/>
+          </p:cNvPicPr>
+          <p:nvPr/>
+        </p:nvPicPr>
+        <p:blipFill>
+          <a:blip r:embed="rId2" cstate="print"/>
+          <a:stretch>
+            <a:fillRect/>
+          </a:stretch>
+        </p:blipFill>
+        <p:spPr>
+          <a:xfrm>
+            <a:off x="1" y="0"/>
+            <a:ext cx="12192000" cy="6858000"/>
+          </a:xfrm>
+          <a:prstGeom prst="rect">
+            <a:avLst/>
+          </a:prstGeom>
+        </p:spPr>
+      </p:pic>
+      <p:cxnSp>
+        <p:nvCxnSpPr>
+          <p:cNvPr id="5" name="직선 연결선 4">
+            <a:extLst>
+              <a:ext uri="{FF2B5EF4-FFF2-40B4-BE49-F238E27FC236}">
+                <a16:creationId xmlns:a16="http://schemas.microsoft.com/office/drawing/2014/main" id="{290D60BB-7AD3-47BD-B1F2-9CEAF32875A3}"/>
+              </a:ext>
+            </a:extLst>
+          </p:cNvPr>
+          <p:cNvCxnSpPr>
+            <a:cxnSpLocks/>
+          </p:cNvCxnSpPr>
+          <p:nvPr/>
+        </p:nvCxnSpPr>
+        <p:spPr>
+          <a:xfrm>
+            <a:off x="1214482" y="4310010"/>
+            <a:ext cx="9763036" cy="0"/>
+          </a:xfrm>
+          <a:prstGeom prst="line">
+            <a:avLst/>
+          </a:prstGeom>
+          <a:ln w="12700">
+            <a:solidFill>
+              <a:srgbClr val="6BC7BF"/>
+            </a:solidFill>
+          </a:ln>
+          <a:effectLst/>
+        </p:spPr>
+        <p:style>
+          <a:lnRef idx="1">
+            <a:schemeClr val="accent1"/>
+          </a:lnRef>
+          <a:fillRef idx="0">
+            <a:schemeClr val="accent1"/>
+          </a:fillRef>
+          <a:effectRef idx="0">
+            <a:schemeClr val="accent1"/>
+          </a:effectRef>
+          <a:fontRef idx="minor">
+            <a:schemeClr val="tx1"/>
+          </a:fontRef>
+        </p:style>
+      </p:cxnSp>
+      <p:sp>
+        <p:nvSpPr>
+          <p:cNvPr id="7" name="개발 배경">
+            <a:extLst>
+              <a:ext uri="{FF2B5EF4-FFF2-40B4-BE49-F238E27FC236}">
+                <a16:creationId xmlns:a16="http://schemas.microsoft.com/office/drawing/2014/main" id="{7BCC61F2-9241-4C7E-891D-B602AF36CE71}"/>
+              </a:ext>
+            </a:extLst>
+          </p:cNvPr>
+          <p:cNvSpPr txBox="1">
+            <a:spLocks noGrp="1"/>
+          </p:cNvSpPr>
+          <p:nvPr>
+            <p:ph type="title"/>
+          </p:nvPr>
+        </p:nvSpPr>
+        <p:spPr>
+          <a:xfrm>
+            <a:off x="0" y="1627763"/>
+            <a:ext cx="12191999" cy="3602473"/>
+          </a:xfrm>
+          <a:prstGeom prst="rect">
+            <a:avLst/>
+          </a:prstGeom>
+        </p:spPr>
+        <p:txBody>
+          <a:bodyPr>
+            <a:normAutofit/>
+          </a:bodyPr>
+          <a:lstStyle/>
+          <a:p>
+            <a:pPr algn="ctr"/>
+            <a:r>
+              <a:rPr lang="ko-KR" altLang="en-US" sz="6000" dirty="0"/>
+              <a:t>중간 데모</a:t>
+            </a:r>
+            <a:endParaRPr sz="6000" dirty="0">
+              <a:latin typeface="나눔스퀘어" panose="020B0600000101010101" pitchFamily="50" charset="-127"/>
+              <a:ea typeface="나눔스퀘어" panose="020B0600000101010101" pitchFamily="50" charset="-127"/>
+            </a:endParaRPr>
+          </a:p>
+        </p:txBody>
+      </p:sp>
+    </p:spTree>
+    <p:extLst>
+      <p:ext uri="{BB962C8B-B14F-4D97-AF65-F5344CB8AC3E}">
+        <p14:creationId xmlns:p14="http://schemas.microsoft.com/office/powerpoint/2010/main" val="2820676713"/>
+      </p:ext>
+    </p:extLst>
+  </p:cSld>
+  <p:clrMapOvr>
+    <a:masterClrMapping/>
+  </p:clrMapOvr>
+</p:sld>
+</file>
+
+<file path=ppt/slides/slide15.xml><?xml version="1.0" encoding="utf-8"?>
+<p:sld xmlns:a="http://schemas.openxmlformats.org/drawingml/2006/main" xmlns:r="http://schemas.openxmlformats.org/officeDocument/2006/relationships" xmlns:p="http://schemas.openxmlformats.org/presentationml/2006/main">
+  <p:cSld>
+    <p:spTree>
+      <p:nvGrpSpPr>
+        <p:cNvPr id="1" name=""/>
+        <p:cNvGrpSpPr/>
+        <p:nvPr/>
+      </p:nvGrpSpPr>
+      <p:grpSpPr>
+        <a:xfrm>
+          <a:off x="0" y="0"/>
+          <a:ext cx="0" cy="0"/>
+          <a:chOff x="0" y="0"/>
+          <a:chExt cx="0" cy="0"/>
+        </a:xfrm>
+      </p:grpSpPr>
+      <p:pic>
+        <p:nvPicPr>
+          <p:cNvPr id="4" name="그림 3" descr="배경.png">
+            <a:extLst>
+              <a:ext uri="{FF2B5EF4-FFF2-40B4-BE49-F238E27FC236}">
+                <a16:creationId xmlns:a16="http://schemas.microsoft.com/office/drawing/2014/main" id="{2F00640A-04D8-44EE-AEB5-B96AB20BCD44}"/>
+              </a:ext>
+            </a:extLst>
+          </p:cNvPr>
+          <p:cNvPicPr>
+            <a:picLocks noChangeAspect="1"/>
+          </p:cNvPicPr>
+          <p:nvPr/>
+        </p:nvPicPr>
+        <p:blipFill>
+          <a:blip r:embed="rId3" cstate="print"/>
+          <a:stretch>
+            <a:fillRect/>
+          </a:stretch>
+        </p:blipFill>
+        <p:spPr>
+          <a:xfrm>
+            <a:off x="0" y="-156796"/>
+            <a:ext cx="12192000" cy="7171592"/>
+          </a:xfrm>
+          <a:prstGeom prst="rect">
+            <a:avLst/>
+          </a:prstGeom>
+        </p:spPr>
+      </p:pic>
+      <p:sp>
+        <p:nvSpPr>
+          <p:cNvPr id="6" name="TextBox 5">
+            <a:extLst>
+              <a:ext uri="{FF2B5EF4-FFF2-40B4-BE49-F238E27FC236}">
+                <a16:creationId xmlns:a16="http://schemas.microsoft.com/office/drawing/2014/main" id="{42A6955F-C97B-4E5D-AA79-0644E3710CD5}"/>
+              </a:ext>
+            </a:extLst>
+          </p:cNvPr>
+          <p:cNvSpPr txBox="1"/>
+          <p:nvPr/>
+        </p:nvSpPr>
+        <p:spPr>
+          <a:xfrm>
+            <a:off x="4702033" y="341922"/>
+            <a:ext cx="2787944" cy="830997"/>
+          </a:xfrm>
+          <a:prstGeom prst="rect">
+            <a:avLst/>
+          </a:prstGeom>
+          <a:noFill/>
+        </p:spPr>
+        <p:txBody>
+          <a:bodyPr wrap="none" rtlCol="0">
+            <a:spAutoFit/>
+          </a:bodyPr>
+          <a:lstStyle/>
+          <a:p>
+            <a:pPr algn="ctr"/>
+            <a:r>
+              <a:rPr lang="ko-KR" altLang="en-US" sz="4800" dirty="0">
+                <a:solidFill>
+                  <a:srgbClr val="6BC7BF"/>
+                </a:solidFill>
+                <a:latin typeface="Arial Narrow" pitchFamily="34" charset="0"/>
+                <a:ea typeface="나눔바른고딕" pitchFamily="50" charset="-127"/>
+              </a:rPr>
+              <a:t>중간 데모</a:t>
+            </a:r>
+            <a:endParaRPr lang="ko-KR" altLang="en-US" sz="4800" dirty="0">
+              <a:solidFill>
+                <a:srgbClr val="6BC7BF"/>
+              </a:solidFill>
+              <a:latin typeface="나눔바른고딕" pitchFamily="50" charset="-127"/>
+              <a:ea typeface="나눔바른고딕" pitchFamily="50" charset="-127"/>
+            </a:endParaRPr>
+          </a:p>
+        </p:txBody>
+      </p:sp>
+      <p:cxnSp>
+        <p:nvCxnSpPr>
+          <p:cNvPr id="12" name="직선 연결선 11">
+            <a:extLst>
+              <a:ext uri="{FF2B5EF4-FFF2-40B4-BE49-F238E27FC236}">
+                <a16:creationId xmlns:a16="http://schemas.microsoft.com/office/drawing/2014/main" id="{F80AC6B6-728E-4A64-9826-7F423A7BB79C}"/>
+              </a:ext>
+            </a:extLst>
+          </p:cNvPr>
+          <p:cNvCxnSpPr>
+            <a:cxnSpLocks/>
+          </p:cNvCxnSpPr>
+          <p:nvPr/>
+        </p:nvCxnSpPr>
+        <p:spPr>
+          <a:xfrm>
+            <a:off x="1065903" y="1172919"/>
+            <a:ext cx="10060193" cy="0"/>
+          </a:xfrm>
+          <a:prstGeom prst="line">
+            <a:avLst/>
+          </a:prstGeom>
+          <a:ln w="12700">
+            <a:solidFill>
+              <a:srgbClr val="6BC7BF"/>
+            </a:solidFill>
+          </a:ln>
+          <a:effectLst/>
+        </p:spPr>
+        <p:style>
+          <a:lnRef idx="1">
+            <a:schemeClr val="accent1"/>
+          </a:lnRef>
+          <a:fillRef idx="0">
+            <a:schemeClr val="accent1"/>
+          </a:fillRef>
+          <a:effectRef idx="0">
+            <a:schemeClr val="accent1"/>
+          </a:effectRef>
+          <a:fontRef idx="minor">
+            <a:schemeClr val="tx1"/>
+          </a:fontRef>
+        </p:style>
+      </p:cxnSp>
       <p:sp>
         <p:nvSpPr>
           <p:cNvPr id="9" name="다양한 스마트 헬스케어 제품 출시…">
@@ -5017,8 +6325,8 @@
         </p:nvSpPr>
         <p:spPr>
           <a:xfrm>
-            <a:off x="5514200" y="1954733"/>
-            <a:ext cx="4940281" cy="4121451"/>
+            <a:off x="3625858" y="1906170"/>
+            <a:ext cx="4940281" cy="4609908"/>
           </a:xfrm>
           <a:prstGeom prst="rect">
             <a:avLst/>
@@ -5200,7 +6508,7 @@
               <a:buSzPct val="50000"/>
               <a:buFont typeface="Arial" panose="020B0604020202020204" pitchFamily="34" charset="0"/>
               <a:buBlip>
-                <a:blip r:embed="rId5"/>
+                <a:blip r:embed="rId4"/>
               </a:buBlip>
             </a:pPr>
             <a:r>
@@ -5208,7 +6516,7 @@
                 <a:latin typeface="나눔스퀘어" panose="020B0600000101010101" pitchFamily="50" charset="-127"/>
                 <a:ea typeface="나눔스퀘어" panose="020B0600000101010101" pitchFamily="50" charset="-127"/>
               </a:rPr>
-              <a:t>상단에는 해당 주의 양치 점수를 출력</a:t>
+              <a:t>습관분석 탭에서 샘플 기록과 분석 메시지 확인</a:t>
             </a:r>
             <a:endParaRPr lang="en-US" altLang="ko-KR" sz="2400" dirty="0">
               <a:latin typeface="나눔스퀘어" panose="020B0600000101010101" pitchFamily="50" charset="-127"/>
@@ -5223,7 +6531,7 @@
               <a:buSzPct val="50000"/>
               <a:buFont typeface="Arial" panose="020B0604020202020204" pitchFamily="34" charset="0"/>
               <a:buBlip>
-                <a:blip r:embed="rId5"/>
+                <a:blip r:embed="rId4"/>
               </a:buBlip>
             </a:pPr>
             <a:r>
@@ -5231,7 +6539,7 @@
                 <a:latin typeface="나눔스퀘어" panose="020B0600000101010101" pitchFamily="50" charset="-127"/>
                 <a:ea typeface="나눔스퀘어" panose="020B0600000101010101" pitchFamily="50" charset="-127"/>
               </a:rPr>
-              <a:t>하단에는 일별 양치 시간과 점수 출력</a:t>
+              <a:t>캘린더 탭에서 샘플 기록에 맞게 하루 양치 횟수 보여줌</a:t>
             </a:r>
             <a:endParaRPr lang="en-US" altLang="ko-KR" sz="2400" dirty="0">
               <a:latin typeface="나눔스퀘어" panose="020B0600000101010101" pitchFamily="50" charset="-127"/>
@@ -5246,7 +6554,7 @@
               <a:buSzPct val="50000"/>
               <a:buFont typeface="Arial" panose="020B0604020202020204" pitchFamily="34" charset="0"/>
               <a:buBlip>
-                <a:blip r:embed="rId5"/>
+                <a:blip r:embed="rId4"/>
               </a:buBlip>
             </a:pPr>
             <a:r>
@@ -5254,8 +6562,24 @@
                 <a:latin typeface="나눔스퀘어" panose="020B0600000101010101" pitchFamily="50" charset="-127"/>
                 <a:ea typeface="나눔스퀘어" panose="020B0600000101010101" pitchFamily="50" charset="-127"/>
               </a:rPr>
-              <a:t>모니터링으로부터 전달 받은 데이터를 처리하여 표현</a:t>
-            </a:r>
+              <a:t>모니터링 탭에서 블루투스를 통해 전달 받는 치아 색칠되는 것 확인</a:t>
+            </a:r>
+            <a:endParaRPr lang="en-US" altLang="ko-KR" sz="2400" dirty="0">
+              <a:latin typeface="나눔스퀘어" panose="020B0600000101010101" pitchFamily="50" charset="-127"/>
+              <a:ea typeface="나눔스퀘어" panose="020B0600000101010101" pitchFamily="50" charset="-127"/>
+            </a:endParaRPr>
+          </a:p>
+          <a:p>
+            <a:pPr marL="722312" indent="-722312">
+              <a:lnSpc>
+                <a:spcPct val="150000"/>
+              </a:lnSpc>
+              <a:buSzPct val="50000"/>
+              <a:buFont typeface="Arial" panose="020B0604020202020204" pitchFamily="34" charset="0"/>
+              <a:buBlip>
+                <a:blip r:embed="rId4"/>
+              </a:buBlip>
+            </a:pPr>
             <a:endParaRPr lang="en-US" altLang="ko-KR" sz="2400" dirty="0">
               <a:latin typeface="나눔스퀘어" panose="020B0600000101010101" pitchFamily="50" charset="-127"/>
               <a:ea typeface="나눔스퀘어" panose="020B0600000101010101" pitchFamily="50" charset="-127"/>
@@ -5269,6 +6593,36 @@
             <a:extLst>
               <a:ext uri="{FF2B5EF4-FFF2-40B4-BE49-F238E27FC236}">
                 <a16:creationId xmlns:a16="http://schemas.microsoft.com/office/drawing/2014/main" id="{906E05E7-9C48-4BDD-ACC3-1EC3AA7679B0}"/>
+              </a:ext>
+            </a:extLst>
+          </p:cNvPr>
+          <p:cNvPicPr>
+            <a:picLocks noChangeAspect="1"/>
+          </p:cNvPicPr>
+          <p:nvPr/>
+        </p:nvPicPr>
+        <p:blipFill>
+          <a:blip r:embed="rId5" cstate="print"/>
+          <a:stretch>
+            <a:fillRect/>
+          </a:stretch>
+        </p:blipFill>
+        <p:spPr>
+          <a:xfrm>
+            <a:off x="3430785" y="2153887"/>
+            <a:ext cx="390145" cy="408433"/>
+          </a:xfrm>
+          <a:prstGeom prst="rect">
+            <a:avLst/>
+          </a:prstGeom>
+        </p:spPr>
+      </p:pic>
+      <p:pic>
+        <p:nvPicPr>
+          <p:cNvPr id="13" name="그림 12" descr="2.png">
+            <a:extLst>
+              <a:ext uri="{FF2B5EF4-FFF2-40B4-BE49-F238E27FC236}">
+                <a16:creationId xmlns:a16="http://schemas.microsoft.com/office/drawing/2014/main" id="{91F212E8-B327-47B4-8EA7-F7BBAE2140FB}"/>
               </a:ext>
             </a:extLst>
           </p:cNvPr>
@@ -5285,7 +6639,7 @@
         </p:blipFill>
         <p:spPr>
           <a:xfrm>
-            <a:off x="5547510" y="2141621"/>
+            <a:off x="3430784" y="3339070"/>
             <a:ext cx="390145" cy="408433"/>
           </a:xfrm>
           <a:prstGeom prst="rect">
@@ -5295,10 +6649,10 @@
       </p:pic>
       <p:pic>
         <p:nvPicPr>
-          <p:cNvPr id="13" name="그림 12" descr="2.png">
-            <a:extLst>
-              <a:ext uri="{FF2B5EF4-FFF2-40B4-BE49-F238E27FC236}">
-                <a16:creationId xmlns:a16="http://schemas.microsoft.com/office/drawing/2014/main" id="{91F212E8-B327-47B4-8EA7-F7BBAE2140FB}"/>
+          <p:cNvPr id="14" name="그림 13" descr="3.png">
+            <a:extLst>
+              <a:ext uri="{FF2B5EF4-FFF2-40B4-BE49-F238E27FC236}">
+                <a16:creationId xmlns:a16="http://schemas.microsoft.com/office/drawing/2014/main" id="{D2318336-E38F-47B6-AFC9-CCF8673F0246}"/>
               </a:ext>
             </a:extLst>
           </p:cNvPr>
@@ -5315,7 +6669,7 @@
         </p:blipFill>
         <p:spPr>
           <a:xfrm>
-            <a:off x="5593235" y="3331867"/>
+            <a:off x="3430784" y="4519141"/>
             <a:ext cx="390145" cy="408433"/>
           </a:xfrm>
           <a:prstGeom prst="rect">
@@ -5323,92 +6677,10 @@
           </a:prstGeom>
         </p:spPr>
       </p:pic>
-      <p:pic>
-        <p:nvPicPr>
-          <p:cNvPr id="14" name="그림 13" descr="3.png">
-            <a:extLst>
-              <a:ext uri="{FF2B5EF4-FFF2-40B4-BE49-F238E27FC236}">
-                <a16:creationId xmlns:a16="http://schemas.microsoft.com/office/drawing/2014/main" id="{D2318336-E38F-47B6-AFC9-CCF8673F0246}"/>
-              </a:ext>
-            </a:extLst>
-          </p:cNvPr>
-          <p:cNvPicPr>
-            <a:picLocks noChangeAspect="1"/>
-          </p:cNvPicPr>
-          <p:nvPr/>
-        </p:nvPicPr>
-        <p:blipFill>
-          <a:blip r:embed="rId8" cstate="print"/>
-          <a:stretch>
-            <a:fillRect/>
-          </a:stretch>
-        </p:blipFill>
-        <p:spPr>
-          <a:xfrm>
-            <a:off x="5514197" y="4704025"/>
-            <a:ext cx="390145" cy="408433"/>
-          </a:xfrm>
-          <a:prstGeom prst="rect">
-            <a:avLst/>
-          </a:prstGeom>
-        </p:spPr>
-      </p:pic>
-      <p:sp>
-        <p:nvSpPr>
-          <p:cNvPr id="3" name="TextBox 2">
-            <a:extLst>
-              <a:ext uri="{FF2B5EF4-FFF2-40B4-BE49-F238E27FC236}">
-                <a16:creationId xmlns:a16="http://schemas.microsoft.com/office/drawing/2014/main" id="{910C8CD8-CAD3-42B8-A186-64BFF2E0D383}"/>
-              </a:ext>
-            </a:extLst>
-          </p:cNvPr>
-          <p:cNvSpPr txBox="1"/>
-          <p:nvPr/>
-        </p:nvSpPr>
-        <p:spPr>
-          <a:xfrm>
-            <a:off x="522185" y="1127314"/>
-            <a:ext cx="5573815" cy="1015663"/>
-          </a:xfrm>
-          <a:prstGeom prst="rect">
-            <a:avLst/>
-          </a:prstGeom>
-          <a:noFill/>
-        </p:spPr>
-        <p:txBody>
-          <a:bodyPr wrap="square" rtlCol="0">
-            <a:spAutoFit/>
-          </a:bodyPr>
-          <a:lstStyle/>
-          <a:p>
-            <a:r>
-              <a:rPr lang="ko-KR" altLang="en-US" sz="3000" dirty="0"/>
-              <a:t>습관 분석 내용 </a:t>
-            </a:r>
-            <a:r>
-              <a:rPr lang="ko-KR" altLang="en-US" sz="3000" dirty="0" err="1"/>
-              <a:t>추가한거</a:t>
-            </a:r>
-            <a:r>
-              <a:rPr lang="ko-KR" altLang="en-US" sz="3000" dirty="0"/>
-              <a:t> 여기에 작성하면 </a:t>
-            </a:r>
-            <a:r>
-              <a:rPr lang="ko-KR" altLang="en-US" sz="3000" dirty="0" err="1"/>
-              <a:t>될듯</a:t>
-            </a:r>
-            <a:r>
-              <a:rPr lang="en-US" altLang="ko-KR" sz="3000" dirty="0"/>
-              <a:t>!</a:t>
-            </a:r>
-            <a:endParaRPr lang="ko-KR" altLang="en-US" sz="3000" dirty="0"/>
-          </a:p>
-        </p:txBody>
-      </p:sp>
     </p:spTree>
     <p:extLst>
       <p:ext uri="{BB962C8B-B14F-4D97-AF65-F5344CB8AC3E}">
-        <p14:creationId xmlns:p14="http://schemas.microsoft.com/office/powerpoint/2010/main" val="4026115006"/>
+        <p14:creationId xmlns:p14="http://schemas.microsoft.com/office/powerpoint/2010/main" val="830954308"/>
       </p:ext>
     </p:extLst>
   </p:cSld>
@@ -5418,7 +6690,7 @@
 </p:sld>
 </file>
 
-<file path=ppt/slides/slide14.xml><?xml version="1.0" encoding="utf-8"?>
+<file path=ppt/slides/slide16.xml><?xml version="1.0" encoding="utf-8"?>
 <p:sld xmlns:a="http://schemas.openxmlformats.org/drawingml/2006/main" xmlns:r="http://schemas.openxmlformats.org/officeDocument/2006/relationships" xmlns:p="http://schemas.openxmlformats.org/presentationml/2006/main">
   <p:cSld>
     <p:spTree>
@@ -5465,97 +6737,133 @@
           </a:prstGeom>
         </p:spPr>
       </p:pic>
-      <p:cxnSp>
-        <p:nvCxnSpPr>
-          <p:cNvPr id="5" name="직선 연결선 4">
-            <a:extLst>
-              <a:ext uri="{FF2B5EF4-FFF2-40B4-BE49-F238E27FC236}">
-                <a16:creationId xmlns:a16="http://schemas.microsoft.com/office/drawing/2014/main" id="{290D60BB-7AD3-47BD-B1F2-9CEAF32875A3}"/>
-              </a:ext>
-            </a:extLst>
-          </p:cNvPr>
-          <p:cNvCxnSpPr>
-            <a:cxnSpLocks/>
-          </p:cNvCxnSpPr>
-          <p:nvPr/>
-        </p:nvCxnSpPr>
-        <p:spPr>
-          <a:xfrm>
-            <a:off x="1214482" y="4310010"/>
-            <a:ext cx="9763036" cy="0"/>
-          </a:xfrm>
-          <a:prstGeom prst="line">
-            <a:avLst/>
-          </a:prstGeom>
-          <a:ln w="12700">
-            <a:solidFill>
-              <a:srgbClr val="6BC7BF"/>
-            </a:solidFill>
-          </a:ln>
-          <a:effectLst/>
-        </p:spPr>
-        <p:style>
-          <a:lnRef idx="1">
-            <a:schemeClr val="accent1"/>
-          </a:lnRef>
-          <a:fillRef idx="0">
-            <a:schemeClr val="accent1"/>
-          </a:fillRef>
-          <a:effectRef idx="0">
-            <a:schemeClr val="accent1"/>
-          </a:effectRef>
-          <a:fontRef idx="minor">
-            <a:schemeClr val="tx1"/>
-          </a:fontRef>
-        </p:style>
-      </p:cxnSp>
       <p:sp>
         <p:nvSpPr>
-          <p:cNvPr id="7" name="개발 배경">
-            <a:extLst>
-              <a:ext uri="{FF2B5EF4-FFF2-40B4-BE49-F238E27FC236}">
-                <a16:creationId xmlns:a16="http://schemas.microsoft.com/office/drawing/2014/main" id="{7BCC61F2-9241-4C7E-891D-B602AF36CE71}"/>
-              </a:ext>
-            </a:extLst>
-          </p:cNvPr>
-          <p:cNvSpPr txBox="1">
-            <a:spLocks noGrp="1"/>
-          </p:cNvSpPr>
-          <p:nvPr>
-            <p:ph type="title"/>
-          </p:nvPr>
+          <p:cNvPr id="3" name="TextBox 2">
+            <a:extLst>
+              <a:ext uri="{FF2B5EF4-FFF2-40B4-BE49-F238E27FC236}">
+                <a16:creationId xmlns:a16="http://schemas.microsoft.com/office/drawing/2014/main" id="{ED03AD73-8718-4A35-ADA0-49B8C0DF81DC}"/>
+              </a:ext>
+            </a:extLst>
+          </p:cNvPr>
+          <p:cNvSpPr txBox="1"/>
+          <p:nvPr/>
         </p:nvSpPr>
         <p:spPr>
           <a:xfrm>
-            <a:off x="0" y="1627763"/>
-            <a:ext cx="12191999" cy="3602473"/>
+            <a:off x="4368604" y="2644170"/>
+            <a:ext cx="3454792" cy="1569660"/>
           </a:xfrm>
           <a:prstGeom prst="rect">
             <a:avLst/>
           </a:prstGeom>
+          <a:noFill/>
         </p:spPr>
         <p:txBody>
-          <a:bodyPr>
-            <a:normAutofit/>
+          <a:bodyPr wrap="none" rtlCol="0">
+            <a:spAutoFit/>
           </a:bodyPr>
           <a:lstStyle/>
           <a:p>
             <a:pPr algn="ctr"/>
             <a:r>
-              <a:rPr lang="ko-KR" altLang="en-US" sz="4800" dirty="0" err="1"/>
-              <a:t>중간데모</a:t>
-            </a:r>
-            <a:endParaRPr sz="4800" dirty="0">
-              <a:latin typeface="나눔스퀘어" panose="020B0600000101010101" pitchFamily="50" charset="-127"/>
-              <a:ea typeface="나눔스퀘어" panose="020B0600000101010101" pitchFamily="50" charset="-127"/>
+              <a:rPr lang="ko-KR" altLang="en-US" sz="4800" spc="300" dirty="0">
+                <a:ln w="104775" cmpd="tri">
+                  <a:noFill/>
+                </a:ln>
+                <a:solidFill>
+                  <a:srgbClr val="94C3BB"/>
+                </a:solidFill>
+                <a:latin typeface="나눔스퀘어 ExtraBold" panose="020B0600000101010101" pitchFamily="50" charset="-127"/>
+                <a:ea typeface="나눔스퀘어 ExtraBold" panose="020B0600000101010101" pitchFamily="50" charset="-127"/>
+              </a:rPr>
+              <a:t>감사합니다</a:t>
+            </a:r>
+            <a:endParaRPr lang="en-US" altLang="ko-KR" sz="4800" spc="300" dirty="0">
+              <a:ln w="104775" cmpd="tri">
+                <a:noFill/>
+              </a:ln>
+              <a:solidFill>
+                <a:srgbClr val="94C3BB"/>
+              </a:solidFill>
+              <a:latin typeface="나눔스퀘어 ExtraBold" panose="020B0600000101010101" pitchFamily="50" charset="-127"/>
+              <a:ea typeface="나눔스퀘어 ExtraBold" panose="020B0600000101010101" pitchFamily="50" charset="-127"/>
+            </a:endParaRPr>
+          </a:p>
+          <a:p>
+            <a:pPr algn="ctr"/>
+            <a:r>
+              <a:rPr lang="en-US" altLang="ko-KR" sz="4800" spc="300" dirty="0">
+                <a:ln w="104775" cmpd="tri">
+                  <a:noFill/>
+                </a:ln>
+                <a:solidFill>
+                  <a:srgbClr val="94C3BB"/>
+                </a:solidFill>
+                <a:latin typeface="나눔스퀘어 ExtraBold" panose="020B0600000101010101" pitchFamily="50" charset="-127"/>
+                <a:ea typeface="나눔스퀘어 ExtraBold" panose="020B0600000101010101" pitchFamily="50" charset="-127"/>
+              </a:rPr>
+              <a:t>Q&amp;A</a:t>
+            </a:r>
+            <a:endParaRPr lang="ko-KR" altLang="en-US" sz="4800" spc="300" dirty="0">
+              <a:ln w="104775" cmpd="tri">
+                <a:noFill/>
+              </a:ln>
+              <a:solidFill>
+                <a:srgbClr val="94C3BB"/>
+              </a:solidFill>
+              <a:latin typeface="나눔스퀘어 ExtraBold" panose="020B0600000101010101" pitchFamily="50" charset="-127"/>
+              <a:ea typeface="나눔스퀘어 ExtraBold" panose="020B0600000101010101" pitchFamily="50" charset="-127"/>
             </a:endParaRPr>
           </a:p>
         </p:txBody>
       </p:sp>
+      <p:pic>
+        <p:nvPicPr>
+          <p:cNvPr id="5" name="Frame-4.png" descr="Frame-4.png">
+            <a:extLst>
+              <a:ext uri="{FF2B5EF4-FFF2-40B4-BE49-F238E27FC236}">
+                <a16:creationId xmlns:a16="http://schemas.microsoft.com/office/drawing/2014/main" id="{B3427D02-D294-49E9-93F0-1FD4CC25153B}"/>
+              </a:ext>
+            </a:extLst>
+          </p:cNvPr>
+          <p:cNvPicPr>
+            <a:picLocks noChangeAspect="1"/>
+          </p:cNvPicPr>
+          <p:nvPr/>
+        </p:nvPicPr>
+        <p:blipFill>
+          <a:blip r:embed="rId3">
+            <a:extLst/>
+          </a:blip>
+          <a:stretch>
+            <a:fillRect/>
+          </a:stretch>
+        </p:blipFill>
+        <p:spPr>
+          <a:xfrm>
+            <a:off x="8318697" y="2180870"/>
+            <a:ext cx="2496260" cy="2496260"/>
+          </a:xfrm>
+          <a:prstGeom prst="rect">
+            <a:avLst/>
+          </a:prstGeom>
+          <a:ln w="25400">
+            <a:miter lim="400000"/>
+          </a:ln>
+          <a:effectLst>
+            <a:outerShdw blurRad="355600" dist="177800" dir="5400000" rotWithShape="0">
+              <a:srgbClr val="000000">
+                <a:alpha val="70000"/>
+              </a:srgbClr>
+            </a:outerShdw>
+          </a:effectLst>
+        </p:spPr>
+      </p:pic>
     </p:spTree>
     <p:extLst>
       <p:ext uri="{BB962C8B-B14F-4D97-AF65-F5344CB8AC3E}">
-        <p14:creationId xmlns:p14="http://schemas.microsoft.com/office/powerpoint/2010/main" val="2820676713"/>
+        <p14:creationId xmlns:p14="http://schemas.microsoft.com/office/powerpoint/2010/main" val="1856756087"/>
       </p:ext>
     </p:extLst>
   </p:cSld>
@@ -5565,7 +6873,387 @@
 </p:sld>
 </file>
 
-<file path=ppt/slides/slide15.xml><?xml version="1.0" encoding="utf-8"?>
+<file path=ppt/slides/slide2.xml><?xml version="1.0" encoding="utf-8"?>
+<p:sld xmlns:a="http://schemas.openxmlformats.org/drawingml/2006/main" xmlns:r="http://schemas.openxmlformats.org/officeDocument/2006/relationships" xmlns:p="http://schemas.openxmlformats.org/presentationml/2006/main">
+  <p:cSld>
+    <p:bg>
+      <p:bgPr>
+        <a:solidFill>
+          <a:srgbClr val="6BC7BF"/>
+        </a:solidFill>
+        <a:effectLst/>
+      </p:bgPr>
+    </p:bg>
+    <p:spTree>
+      <p:nvGrpSpPr>
+        <p:cNvPr id="1" name=""/>
+        <p:cNvGrpSpPr/>
+        <p:nvPr/>
+      </p:nvGrpSpPr>
+      <p:grpSpPr>
+        <a:xfrm>
+          <a:off x="0" y="0"/>
+          <a:ext cx="0" cy="0"/>
+          <a:chOff x="0" y="0"/>
+          <a:chExt cx="0" cy="0"/>
+        </a:xfrm>
+      </p:grpSpPr>
+      <p:pic>
+        <p:nvPicPr>
+          <p:cNvPr id="5" name="그림 4">
+            <a:extLst>
+              <a:ext uri="{FF2B5EF4-FFF2-40B4-BE49-F238E27FC236}">
+                <a16:creationId xmlns:a16="http://schemas.microsoft.com/office/drawing/2014/main" id="{5E7AECD1-94F9-4513-B89B-3E9C597A1A94}"/>
+              </a:ext>
+            </a:extLst>
+          </p:cNvPr>
+          <p:cNvPicPr>
+            <a:picLocks noChangeAspect="1"/>
+          </p:cNvPicPr>
+          <p:nvPr/>
+        </p:nvPicPr>
+        <p:blipFill>
+          <a:blip r:embed="rId2"/>
+          <a:stretch>
+            <a:fillRect/>
+          </a:stretch>
+        </p:blipFill>
+        <p:spPr>
+          <a:xfrm>
+            <a:off x="0" y="0"/>
+            <a:ext cx="12192000" cy="6858000"/>
+          </a:xfrm>
+          <a:prstGeom prst="rect">
+            <a:avLst/>
+          </a:prstGeom>
+        </p:spPr>
+      </p:pic>
+      <p:pic>
+        <p:nvPicPr>
+          <p:cNvPr id="6" name="Picture 2">
+            <a:extLst>
+              <a:ext uri="{FF2B5EF4-FFF2-40B4-BE49-F238E27FC236}">
+                <a16:creationId xmlns:a16="http://schemas.microsoft.com/office/drawing/2014/main" id="{D4EC9FAD-F4C7-427B-9FA9-F52D35FE8BCD}"/>
+              </a:ext>
+            </a:extLst>
+          </p:cNvPr>
+          <p:cNvPicPr>
+            <a:picLocks noChangeAspect="1" noChangeArrowheads="1"/>
+          </p:cNvPicPr>
+          <p:nvPr/>
+        </p:nvPicPr>
+        <p:blipFill>
+          <a:blip r:embed="rId3" cstate="print"/>
+          <a:srcRect/>
+          <a:stretch>
+            <a:fillRect/>
+          </a:stretch>
+        </p:blipFill>
+        <p:spPr bwMode="auto">
+          <a:xfrm>
+            <a:off x="2855640" y="1463412"/>
+            <a:ext cx="6515100" cy="19050"/>
+          </a:xfrm>
+          <a:prstGeom prst="rect">
+            <a:avLst/>
+          </a:prstGeom>
+          <a:noFill/>
+          <a:ln w="9525">
+            <a:noFill/>
+            <a:miter lim="800000"/>
+            <a:headEnd/>
+            <a:tailEnd/>
+          </a:ln>
+        </p:spPr>
+      </p:pic>
+      <p:sp>
+        <p:nvSpPr>
+          <p:cNvPr id="7" name="TextBox 6">
+            <a:extLst>
+              <a:ext uri="{FF2B5EF4-FFF2-40B4-BE49-F238E27FC236}">
+                <a16:creationId xmlns:a16="http://schemas.microsoft.com/office/drawing/2014/main" id="{314A80FE-0C8F-40B3-AC4D-1DA282109BB9}"/>
+              </a:ext>
+            </a:extLst>
+          </p:cNvPr>
+          <p:cNvSpPr txBox="1"/>
+          <p:nvPr/>
+        </p:nvSpPr>
+        <p:spPr>
+          <a:xfrm>
+            <a:off x="3874600" y="692696"/>
+            <a:ext cx="4079963" cy="861774"/>
+          </a:xfrm>
+          <a:prstGeom prst="rect">
+            <a:avLst/>
+          </a:prstGeom>
+          <a:noFill/>
+        </p:spPr>
+        <p:txBody>
+          <a:bodyPr wrap="none" rtlCol="0">
+            <a:spAutoFit/>
+          </a:bodyPr>
+          <a:lstStyle/>
+          <a:p>
+            <a:r>
+              <a:rPr lang="en-US" altLang="ko-KR" sz="5000" dirty="0">
+                <a:solidFill>
+                  <a:srgbClr val="6BC7BF"/>
+                </a:solidFill>
+                <a:latin typeface="HY견고딕" panose="02030600000101010101" pitchFamily="18" charset="-127"/>
+                <a:ea typeface="HY견고딕" panose="02030600000101010101" pitchFamily="18" charset="-127"/>
+              </a:rPr>
+              <a:t>CONTENTS</a:t>
+            </a:r>
+            <a:endParaRPr lang="ko-KR" altLang="en-US" sz="5000" dirty="0">
+              <a:solidFill>
+                <a:srgbClr val="6BC7BF"/>
+              </a:solidFill>
+              <a:latin typeface="HY견고딕" panose="02030600000101010101" pitchFamily="18" charset="-127"/>
+              <a:ea typeface="HY견고딕" panose="02030600000101010101" pitchFamily="18" charset="-127"/>
+            </a:endParaRPr>
+          </a:p>
+        </p:txBody>
+      </p:sp>
+      <p:sp>
+        <p:nvSpPr>
+          <p:cNvPr id="8" name="직사각형 7">
+            <a:extLst>
+              <a:ext uri="{FF2B5EF4-FFF2-40B4-BE49-F238E27FC236}">
+                <a16:creationId xmlns:a16="http://schemas.microsoft.com/office/drawing/2014/main" id="{C3EEE79C-C3A5-4AC6-87F8-4B366BCFDC79}"/>
+              </a:ext>
+            </a:extLst>
+          </p:cNvPr>
+          <p:cNvSpPr/>
+          <p:nvPr/>
+        </p:nvSpPr>
+        <p:spPr>
+          <a:xfrm>
+            <a:off x="5052392" y="2116834"/>
+            <a:ext cx="4572000" cy="3046988"/>
+          </a:xfrm>
+          <a:prstGeom prst="rect">
+            <a:avLst/>
+          </a:prstGeom>
+        </p:spPr>
+        <p:txBody>
+          <a:bodyPr wrap="square">
+            <a:spAutoFit/>
+          </a:bodyPr>
+          <a:lstStyle/>
+          <a:p>
+            <a:endParaRPr lang="en-US" altLang="ko-KR" sz="2400" b="1" spc="-50" dirty="0">
+              <a:solidFill>
+                <a:srgbClr val="444444"/>
+              </a:solidFill>
+              <a:latin typeface="Arial Narrow" pitchFamily="34" charset="0"/>
+              <a:ea typeface="나눔고딕" pitchFamily="50" charset="-127"/>
+              <a:cs typeface="Verdana" pitchFamily="34" charset="0"/>
+            </a:endParaRPr>
+          </a:p>
+          <a:p>
+            <a:r>
+              <a:rPr lang="ko-KR" altLang="en-US" sz="2400" b="1" spc="-50" dirty="0">
+                <a:solidFill>
+                  <a:srgbClr val="444444"/>
+                </a:solidFill>
+                <a:latin typeface="Arial Narrow" pitchFamily="34" charset="0"/>
+                <a:ea typeface="나눔고딕" pitchFamily="50" charset="-127"/>
+                <a:cs typeface="Verdana" pitchFamily="34" charset="0"/>
+              </a:rPr>
+              <a:t>피드백 내용</a:t>
+            </a:r>
+            <a:endParaRPr lang="en-US" altLang="ko-KR" sz="2400" b="1" spc="-50" dirty="0">
+              <a:solidFill>
+                <a:srgbClr val="444444"/>
+              </a:solidFill>
+              <a:latin typeface="Arial Narrow" pitchFamily="34" charset="0"/>
+              <a:ea typeface="나눔고딕" pitchFamily="50" charset="-127"/>
+              <a:cs typeface="Verdana" pitchFamily="34" charset="0"/>
+            </a:endParaRPr>
+          </a:p>
+          <a:p>
+            <a:endParaRPr lang="en-US" altLang="ko-KR" sz="2400" b="1" spc="-50" dirty="0">
+              <a:solidFill>
+                <a:srgbClr val="444444"/>
+              </a:solidFill>
+              <a:latin typeface="Arial Narrow" pitchFamily="34" charset="0"/>
+              <a:ea typeface="나눔고딕" pitchFamily="50" charset="-127"/>
+              <a:cs typeface="Verdana" pitchFamily="34" charset="0"/>
+            </a:endParaRPr>
+          </a:p>
+          <a:p>
+            <a:endParaRPr lang="en-US" altLang="ko-KR" sz="2400" b="1" spc="-50" dirty="0">
+              <a:solidFill>
+                <a:srgbClr val="444444"/>
+              </a:solidFill>
+              <a:latin typeface="Arial Narrow" pitchFamily="34" charset="0"/>
+              <a:ea typeface="나눔고딕" pitchFamily="50" charset="-127"/>
+            </a:endParaRPr>
+          </a:p>
+          <a:p>
+            <a:r>
+              <a:rPr lang="ko-KR" altLang="en-US" sz="2400" b="1" spc="-50" dirty="0">
+                <a:solidFill>
+                  <a:srgbClr val="444444"/>
+                </a:solidFill>
+                <a:latin typeface="Arial Narrow" pitchFamily="34" charset="0"/>
+                <a:ea typeface="나눔고딕" pitchFamily="50" charset="-127"/>
+              </a:rPr>
+              <a:t>프로젝트 진행 상황</a:t>
+            </a:r>
+            <a:endParaRPr lang="en-US" altLang="ko-KR" sz="2400" b="1" spc="-50" dirty="0">
+              <a:solidFill>
+                <a:srgbClr val="444444"/>
+              </a:solidFill>
+              <a:latin typeface="Arial Narrow" pitchFamily="34" charset="0"/>
+              <a:ea typeface="나눔고딕" pitchFamily="50" charset="-127"/>
+            </a:endParaRPr>
+          </a:p>
+          <a:p>
+            <a:endParaRPr lang="en-US" altLang="ko-KR" sz="2400" b="1" spc="-50" dirty="0">
+              <a:solidFill>
+                <a:srgbClr val="444444"/>
+              </a:solidFill>
+              <a:latin typeface="Arial Narrow" pitchFamily="34" charset="0"/>
+              <a:ea typeface="나눔고딕" pitchFamily="50" charset="-127"/>
+            </a:endParaRPr>
+          </a:p>
+          <a:p>
+            <a:endParaRPr lang="en-US" altLang="ko-KR" sz="2400" b="1" spc="-50" dirty="0">
+              <a:solidFill>
+                <a:srgbClr val="444444"/>
+              </a:solidFill>
+              <a:latin typeface="Arial Narrow" pitchFamily="34" charset="0"/>
+              <a:ea typeface="나눔고딕" pitchFamily="50" charset="-127"/>
+            </a:endParaRPr>
+          </a:p>
+          <a:p>
+            <a:r>
+              <a:rPr lang="ko-KR" altLang="en-US" sz="2400" b="1" spc="-50" dirty="0">
+                <a:solidFill>
+                  <a:srgbClr val="444444"/>
+                </a:solidFill>
+                <a:latin typeface="Arial Narrow" pitchFamily="34" charset="0"/>
+                <a:ea typeface="나눔고딕" pitchFamily="50" charset="-127"/>
+                <a:cs typeface="Verdana" pitchFamily="34" charset="0"/>
+              </a:rPr>
+              <a:t>중간 데모</a:t>
+            </a:r>
+            <a:endParaRPr lang="en-US" altLang="ko-KR" sz="2400" b="1" spc="-50" dirty="0">
+              <a:solidFill>
+                <a:srgbClr val="444444"/>
+              </a:solidFill>
+              <a:latin typeface="Arial Narrow" pitchFamily="34" charset="0"/>
+              <a:ea typeface="나눔고딕" pitchFamily="50" charset="-127"/>
+              <a:cs typeface="Verdana" pitchFamily="34" charset="0"/>
+            </a:endParaRPr>
+          </a:p>
+        </p:txBody>
+      </p:sp>
+      <p:pic>
+        <p:nvPicPr>
+          <p:cNvPr id="9" name="그림 8" descr="1.png">
+            <a:extLst>
+              <a:ext uri="{FF2B5EF4-FFF2-40B4-BE49-F238E27FC236}">
+                <a16:creationId xmlns:a16="http://schemas.microsoft.com/office/drawing/2014/main" id="{FD878155-04AB-44E5-B361-4D133A7C71CD}"/>
+              </a:ext>
+            </a:extLst>
+          </p:cNvPr>
+          <p:cNvPicPr>
+            <a:picLocks noChangeAspect="1"/>
+          </p:cNvPicPr>
+          <p:nvPr/>
+        </p:nvPicPr>
+        <p:blipFill>
+          <a:blip r:embed="rId4" cstate="print"/>
+          <a:stretch>
+            <a:fillRect/>
+          </a:stretch>
+        </p:blipFill>
+        <p:spPr>
+          <a:xfrm>
+            <a:off x="4530251" y="2494682"/>
+            <a:ext cx="390145" cy="408433"/>
+          </a:xfrm>
+          <a:prstGeom prst="rect">
+            <a:avLst/>
+          </a:prstGeom>
+        </p:spPr>
+      </p:pic>
+      <p:pic>
+        <p:nvPicPr>
+          <p:cNvPr id="10" name="그림 9" descr="2.png">
+            <a:extLst>
+              <a:ext uri="{FF2B5EF4-FFF2-40B4-BE49-F238E27FC236}">
+                <a16:creationId xmlns:a16="http://schemas.microsoft.com/office/drawing/2014/main" id="{C170F17B-B05E-4BE3-94B7-05FFB9026FD2}"/>
+              </a:ext>
+            </a:extLst>
+          </p:cNvPr>
+          <p:cNvPicPr>
+            <a:picLocks noChangeAspect="1"/>
+          </p:cNvPicPr>
+          <p:nvPr/>
+        </p:nvPicPr>
+        <p:blipFill>
+          <a:blip r:embed="rId5" cstate="print"/>
+          <a:stretch>
+            <a:fillRect/>
+          </a:stretch>
+        </p:blipFill>
+        <p:spPr>
+          <a:xfrm>
+            <a:off x="4525985" y="3593585"/>
+            <a:ext cx="390145" cy="408433"/>
+          </a:xfrm>
+          <a:prstGeom prst="rect">
+            <a:avLst/>
+          </a:prstGeom>
+        </p:spPr>
+      </p:pic>
+      <p:pic>
+        <p:nvPicPr>
+          <p:cNvPr id="11" name="그림 10" descr="3.png">
+            <a:extLst>
+              <a:ext uri="{FF2B5EF4-FFF2-40B4-BE49-F238E27FC236}">
+                <a16:creationId xmlns:a16="http://schemas.microsoft.com/office/drawing/2014/main" id="{D91BC421-0DB6-4D3C-847B-51BA835B1166}"/>
+              </a:ext>
+            </a:extLst>
+          </p:cNvPr>
+          <p:cNvPicPr>
+            <a:picLocks noChangeAspect="1"/>
+          </p:cNvPicPr>
+          <p:nvPr/>
+        </p:nvPicPr>
+        <p:blipFill>
+          <a:blip r:embed="rId6" cstate="print"/>
+          <a:stretch>
+            <a:fillRect/>
+          </a:stretch>
+        </p:blipFill>
+        <p:spPr>
+          <a:xfrm>
+            <a:off x="4525986" y="4691124"/>
+            <a:ext cx="390145" cy="408433"/>
+          </a:xfrm>
+          <a:prstGeom prst="rect">
+            <a:avLst/>
+          </a:prstGeom>
+        </p:spPr>
+      </p:pic>
+    </p:spTree>
+    <p:extLst>
+      <p:ext uri="{BB962C8B-B14F-4D97-AF65-F5344CB8AC3E}">
+        <p14:creationId xmlns:p14="http://schemas.microsoft.com/office/powerpoint/2010/main" val="443686820"/>
+      </p:ext>
+    </p:extLst>
+  </p:cSld>
+  <p:clrMapOvr>
+    <a:masterClrMapping/>
+  </p:clrMapOvr>
+</p:sld>
+</file>
+
+<file path=ppt/slides/slide3.xml><?xml version="1.0" encoding="utf-8"?>
 <p:sld xmlns:a="http://schemas.openxmlformats.org/drawingml/2006/main" xmlns:r="http://schemas.openxmlformats.org/officeDocument/2006/relationships" xmlns:p="http://schemas.openxmlformats.org/presentationml/2006/main">
   <p:cSld>
     <p:spTree>
@@ -5604,7 +7292,7 @@
         </p:blipFill>
         <p:spPr>
           <a:xfrm>
-            <a:off x="0" y="-74756"/>
+            <a:off x="1" y="0"/>
             <a:ext cx="12192000" cy="6858000"/>
           </a:xfrm>
           <a:prstGeom prst="rect">
@@ -5612,61 +7300,12 @@
           </a:prstGeom>
         </p:spPr>
       </p:pic>
-      <p:sp>
-        <p:nvSpPr>
-          <p:cNvPr id="6" name="TextBox 5">
-            <a:extLst>
-              <a:ext uri="{FF2B5EF4-FFF2-40B4-BE49-F238E27FC236}">
-                <a16:creationId xmlns:a16="http://schemas.microsoft.com/office/drawing/2014/main" id="{42A6955F-C97B-4E5D-AA79-0644E3710CD5}"/>
-              </a:ext>
-            </a:extLst>
-          </p:cNvPr>
-          <p:cNvSpPr txBox="1"/>
-          <p:nvPr/>
-        </p:nvSpPr>
-        <p:spPr>
-          <a:xfrm>
-            <a:off x="4702033" y="341922"/>
-            <a:ext cx="2787944" cy="830997"/>
-          </a:xfrm>
-          <a:prstGeom prst="rect">
-            <a:avLst/>
-          </a:prstGeom>
-          <a:noFill/>
-        </p:spPr>
-        <p:txBody>
-          <a:bodyPr wrap="none" rtlCol="0">
-            <a:spAutoFit/>
-          </a:bodyPr>
-          <a:lstStyle/>
-          <a:p>
-            <a:pPr algn="ctr"/>
-            <a:r>
-              <a:rPr lang="ko-KR" altLang="en-US" sz="4800" dirty="0">
-                <a:solidFill>
-                  <a:srgbClr val="6BC7BF"/>
-                </a:solidFill>
-                <a:latin typeface="Arial Narrow" pitchFamily="34" charset="0"/>
-                <a:ea typeface="나눔바른고딕" pitchFamily="50" charset="-127"/>
-              </a:rPr>
-              <a:t>중간 데모</a:t>
-            </a:r>
-            <a:endParaRPr lang="ko-KR" altLang="en-US" sz="4800" dirty="0">
-              <a:solidFill>
-                <a:srgbClr val="6BC7BF"/>
-              </a:solidFill>
-              <a:latin typeface="나눔바른고딕" pitchFamily="50" charset="-127"/>
-              <a:ea typeface="나눔바른고딕" pitchFamily="50" charset="-127"/>
-            </a:endParaRPr>
-          </a:p>
-        </p:txBody>
-      </p:sp>
       <p:cxnSp>
         <p:nvCxnSpPr>
-          <p:cNvPr id="12" name="직선 연결선 11">
-            <a:extLst>
-              <a:ext uri="{FF2B5EF4-FFF2-40B4-BE49-F238E27FC236}">
-                <a16:creationId xmlns:a16="http://schemas.microsoft.com/office/drawing/2014/main" id="{F80AC6B6-728E-4A64-9826-7F423A7BB79C}"/>
+          <p:cNvPr id="5" name="직선 연결선 4">
+            <a:extLst>
+              <a:ext uri="{FF2B5EF4-FFF2-40B4-BE49-F238E27FC236}">
+                <a16:creationId xmlns:a16="http://schemas.microsoft.com/office/drawing/2014/main" id="{290D60BB-7AD3-47BD-B1F2-9CEAF32875A3}"/>
               </a:ext>
             </a:extLst>
           </p:cNvPr>
@@ -5677,8 +7316,8 @@
         </p:nvCxnSpPr>
         <p:spPr>
           <a:xfrm>
-            <a:off x="1065903" y="1172919"/>
-            <a:ext cx="10060193" cy="0"/>
+            <a:off x="1214482" y="4310010"/>
+            <a:ext cx="9763036" cy="0"/>
           </a:xfrm>
           <a:prstGeom prst="line">
             <a:avLst/>
@@ -5707,10 +7346,206 @@
       </p:cxnSp>
       <p:sp>
         <p:nvSpPr>
-          <p:cNvPr id="9" name="다양한 스마트 헬스케어 제품 출시…">
-            <a:extLst>
-              <a:ext uri="{FF2B5EF4-FFF2-40B4-BE49-F238E27FC236}">
-                <a16:creationId xmlns:a16="http://schemas.microsoft.com/office/drawing/2014/main" id="{C4163997-D359-41F1-850C-D012E8517DC1}"/>
+          <p:cNvPr id="7" name="개발 배경">
+            <a:extLst>
+              <a:ext uri="{FF2B5EF4-FFF2-40B4-BE49-F238E27FC236}">
+                <a16:creationId xmlns:a16="http://schemas.microsoft.com/office/drawing/2014/main" id="{7BCC61F2-9241-4C7E-891D-B602AF36CE71}"/>
+              </a:ext>
+            </a:extLst>
+          </p:cNvPr>
+          <p:cNvSpPr txBox="1">
+            <a:spLocks noGrp="1"/>
+          </p:cNvSpPr>
+          <p:nvPr>
+            <p:ph type="title"/>
+          </p:nvPr>
+        </p:nvSpPr>
+        <p:spPr>
+          <a:xfrm>
+            <a:off x="1" y="1627763"/>
+            <a:ext cx="12191999" cy="3602473"/>
+          </a:xfrm>
+          <a:prstGeom prst="rect">
+            <a:avLst/>
+          </a:prstGeom>
+        </p:spPr>
+        <p:txBody>
+          <a:bodyPr>
+            <a:normAutofit/>
+          </a:bodyPr>
+          <a:lstStyle/>
+          <a:p>
+            <a:pPr algn="ctr"/>
+            <a:r>
+              <a:rPr lang="ko-KR" altLang="en-US" sz="6000" dirty="0"/>
+              <a:t>피드백 내용</a:t>
+            </a:r>
+            <a:endParaRPr sz="6000" dirty="0">
+              <a:latin typeface="나눔스퀘어" panose="020B0600000101010101" pitchFamily="50" charset="-127"/>
+              <a:ea typeface="나눔스퀘어" panose="020B0600000101010101" pitchFamily="50" charset="-127"/>
+            </a:endParaRPr>
+          </a:p>
+        </p:txBody>
+      </p:sp>
+    </p:spTree>
+    <p:extLst>
+      <p:ext uri="{BB962C8B-B14F-4D97-AF65-F5344CB8AC3E}">
+        <p14:creationId xmlns:p14="http://schemas.microsoft.com/office/powerpoint/2010/main" val="3441584156"/>
+      </p:ext>
+    </p:extLst>
+  </p:cSld>
+  <p:clrMapOvr>
+    <a:masterClrMapping/>
+  </p:clrMapOvr>
+</p:sld>
+</file>
+
+<file path=ppt/slides/slide4.xml><?xml version="1.0" encoding="utf-8"?>
+<p:sld xmlns:a="http://schemas.openxmlformats.org/drawingml/2006/main" xmlns:r="http://schemas.openxmlformats.org/officeDocument/2006/relationships" xmlns:p="http://schemas.openxmlformats.org/presentationml/2006/main">
+  <p:cSld>
+    <p:spTree>
+      <p:nvGrpSpPr>
+        <p:cNvPr id="1" name=""/>
+        <p:cNvGrpSpPr/>
+        <p:nvPr/>
+      </p:nvGrpSpPr>
+      <p:grpSpPr>
+        <a:xfrm>
+          <a:off x="0" y="0"/>
+          <a:ext cx="0" cy="0"/>
+          <a:chOff x="0" y="0"/>
+          <a:chExt cx="0" cy="0"/>
+        </a:xfrm>
+      </p:grpSpPr>
+      <p:pic>
+        <p:nvPicPr>
+          <p:cNvPr id="4" name="그림 3" descr="배경.png">
+            <a:extLst>
+              <a:ext uri="{FF2B5EF4-FFF2-40B4-BE49-F238E27FC236}">
+                <a16:creationId xmlns:a16="http://schemas.microsoft.com/office/drawing/2014/main" id="{2F00640A-04D8-44EE-AEB5-B96AB20BCD44}"/>
+              </a:ext>
+            </a:extLst>
+          </p:cNvPr>
+          <p:cNvPicPr>
+            <a:picLocks noChangeAspect="1"/>
+          </p:cNvPicPr>
+          <p:nvPr/>
+        </p:nvPicPr>
+        <p:blipFill>
+          <a:blip r:embed="rId2" cstate="print"/>
+          <a:stretch>
+            <a:fillRect/>
+          </a:stretch>
+        </p:blipFill>
+        <p:spPr>
+          <a:xfrm>
+            <a:off x="0" y="728"/>
+            <a:ext cx="12192000" cy="6858000"/>
+          </a:xfrm>
+          <a:prstGeom prst="rect">
+            <a:avLst/>
+          </a:prstGeom>
+        </p:spPr>
+      </p:pic>
+      <p:sp>
+        <p:nvSpPr>
+          <p:cNvPr id="6" name="TextBox 5">
+            <a:extLst>
+              <a:ext uri="{FF2B5EF4-FFF2-40B4-BE49-F238E27FC236}">
+                <a16:creationId xmlns:a16="http://schemas.microsoft.com/office/drawing/2014/main" id="{42A6955F-C97B-4E5D-AA79-0644E3710CD5}"/>
+              </a:ext>
+            </a:extLst>
+          </p:cNvPr>
+          <p:cNvSpPr txBox="1"/>
+          <p:nvPr/>
+        </p:nvSpPr>
+        <p:spPr>
+          <a:xfrm>
+            <a:off x="4394250" y="341922"/>
+            <a:ext cx="3403497" cy="830997"/>
+          </a:xfrm>
+          <a:prstGeom prst="rect">
+            <a:avLst/>
+          </a:prstGeom>
+          <a:noFill/>
+        </p:spPr>
+        <p:txBody>
+          <a:bodyPr wrap="none" rtlCol="0">
+            <a:spAutoFit/>
+          </a:bodyPr>
+          <a:lstStyle/>
+          <a:p>
+            <a:pPr algn="ctr"/>
+            <a:r>
+              <a:rPr lang="ko-KR" altLang="en-US" sz="4800" dirty="0">
+                <a:solidFill>
+                  <a:srgbClr val="6BC7BF"/>
+                </a:solidFill>
+                <a:latin typeface="Arial Narrow" pitchFamily="34" charset="0"/>
+                <a:ea typeface="나눔바른고딕" pitchFamily="50" charset="-127"/>
+              </a:rPr>
+              <a:t>피드백 내용</a:t>
+            </a:r>
+            <a:endParaRPr lang="ko-KR" altLang="en-US" sz="4800" dirty="0">
+              <a:solidFill>
+                <a:srgbClr val="6BC7BF"/>
+              </a:solidFill>
+              <a:latin typeface="나눔바른고딕" pitchFamily="50" charset="-127"/>
+              <a:ea typeface="나눔바른고딕" pitchFamily="50" charset="-127"/>
+            </a:endParaRPr>
+          </a:p>
+        </p:txBody>
+      </p:sp>
+      <p:cxnSp>
+        <p:nvCxnSpPr>
+          <p:cNvPr id="12" name="직선 연결선 11">
+            <a:extLst>
+              <a:ext uri="{FF2B5EF4-FFF2-40B4-BE49-F238E27FC236}">
+                <a16:creationId xmlns:a16="http://schemas.microsoft.com/office/drawing/2014/main" id="{F80AC6B6-728E-4A64-9826-7F423A7BB79C}"/>
+              </a:ext>
+            </a:extLst>
+          </p:cNvPr>
+          <p:cNvCxnSpPr>
+            <a:cxnSpLocks/>
+          </p:cNvCxnSpPr>
+          <p:nvPr/>
+        </p:nvCxnSpPr>
+        <p:spPr>
+          <a:xfrm>
+            <a:off x="1065903" y="1172919"/>
+            <a:ext cx="10060193" cy="0"/>
+          </a:xfrm>
+          <a:prstGeom prst="line">
+            <a:avLst/>
+          </a:prstGeom>
+          <a:ln w="12700">
+            <a:solidFill>
+              <a:srgbClr val="6BC7BF"/>
+            </a:solidFill>
+          </a:ln>
+          <a:effectLst/>
+        </p:spPr>
+        <p:style>
+          <a:lnRef idx="1">
+            <a:schemeClr val="accent1"/>
+          </a:lnRef>
+          <a:fillRef idx="0">
+            <a:schemeClr val="accent1"/>
+          </a:fillRef>
+          <a:effectRef idx="0">
+            <a:schemeClr val="accent1"/>
+          </a:effectRef>
+          <a:fontRef idx="minor">
+            <a:schemeClr val="tx1"/>
+          </a:fontRef>
+        </p:style>
+      </p:cxnSp>
+      <p:sp>
+        <p:nvSpPr>
+          <p:cNvPr id="16" name="다양한 스마트 헬스케어 제품 출시…">
+            <a:extLst>
+              <a:ext uri="{FF2B5EF4-FFF2-40B4-BE49-F238E27FC236}">
+                <a16:creationId xmlns:a16="http://schemas.microsoft.com/office/drawing/2014/main" id="{41E72F1B-F8D1-4DAB-828A-0B72251BC4D4}"/>
               </a:ext>
             </a:extLst>
           </p:cNvPr>
@@ -5721,8 +7556,8 @@
         </p:nvSpPr>
         <p:spPr>
           <a:xfrm>
-            <a:off x="4306837" y="1906167"/>
-            <a:ext cx="4940281" cy="4121451"/>
+            <a:off x="1233996" y="1954733"/>
+            <a:ext cx="9060911" cy="4121451"/>
           </a:xfrm>
           <a:prstGeom prst="rect">
             <a:avLst/>
@@ -5908,71 +7743,134 @@
               </a:buBlip>
             </a:pPr>
             <a:r>
-              <a:rPr lang="ko-KR" altLang="en-US" sz="2400" dirty="0">
-                <a:latin typeface="나눔스퀘어" panose="020B0600000101010101" pitchFamily="50" charset="-127"/>
-                <a:ea typeface="나눔스퀘어" panose="020B0600000101010101" pitchFamily="50" charset="-127"/>
+              <a:rPr lang="ko-KR" altLang="en-US" sz="3200" dirty="0">
+                <a:latin typeface="나눔고딕" panose="020D0604000000000000" pitchFamily="50" charset="-127"/>
+                <a:ea typeface="나눔고딕" panose="020D0604000000000000" pitchFamily="50" charset="-127"/>
               </a:rPr>
-              <a:t>모니터링을 통해 치아 블루투스를 통해 색칠되는 거 확인</a:t>
-            </a:r>
-            <a:endParaRPr lang="en-US" altLang="ko-KR" sz="2400" dirty="0">
-              <a:latin typeface="나눔스퀘어" panose="020B0600000101010101" pitchFamily="50" charset="-127"/>
-              <a:ea typeface="나눔스퀘어" panose="020B0600000101010101" pitchFamily="50" charset="-127"/>
+              <a:t>작은 움직임 </a:t>
+            </a:r>
+            <a:r>
+              <a:rPr lang="en-US" altLang="ko-KR" sz="3200" dirty="0">
+                <a:latin typeface="나눔고딕" panose="020D0604000000000000" pitchFamily="50" charset="-127"/>
+                <a:ea typeface="나눔고딕" panose="020D0604000000000000" pitchFamily="50" charset="-127"/>
+              </a:rPr>
+              <a:t>(</a:t>
+            </a:r>
+            <a:r>
+              <a:rPr lang="ko-KR" altLang="en-US" sz="3200" dirty="0">
+                <a:latin typeface="나눔고딕" panose="020D0604000000000000" pitchFamily="50" charset="-127"/>
+                <a:ea typeface="나눔고딕" panose="020D0604000000000000" pitchFamily="50" charset="-127"/>
+              </a:rPr>
+              <a:t>전동 칫솔의 진동과 같은</a:t>
+            </a:r>
+            <a:r>
+              <a:rPr lang="en-US" altLang="ko-KR" sz="3200" dirty="0">
+                <a:latin typeface="나눔고딕" panose="020D0604000000000000" pitchFamily="50" charset="-127"/>
+                <a:ea typeface="나눔고딕" panose="020D0604000000000000" pitchFamily="50" charset="-127"/>
+              </a:rPr>
+              <a:t>)</a:t>
+            </a:r>
+            <a:r>
+              <a:rPr lang="ko-KR" altLang="en-US" sz="3200" dirty="0">
+                <a:latin typeface="나눔고딕" panose="020D0604000000000000" pitchFamily="50" charset="-127"/>
+                <a:ea typeface="나눔고딕" panose="020D0604000000000000" pitchFamily="50" charset="-127"/>
+              </a:rPr>
+              <a:t>에 움직이는 것인지 노이즈인지 판별불가</a:t>
+            </a:r>
+            <a:endParaRPr lang="en-US" altLang="ko-KR" sz="3200" dirty="0">
+              <a:latin typeface="나눔고딕" panose="020D0604000000000000" pitchFamily="50" charset="-127"/>
+              <a:ea typeface="나눔고딕" panose="020D0604000000000000" pitchFamily="50" charset="-127"/>
             </a:endParaRPr>
           </a:p>
           <a:p>
-            <a:pPr marL="722312" indent="-722312">
+            <a:pPr marL="0" indent="0">
               <a:lnSpc>
                 <a:spcPct val="150000"/>
               </a:lnSpc>
               <a:buSzPct val="50000"/>
-              <a:buFont typeface="Arial" panose="020B0604020202020204" pitchFamily="34" charset="0"/>
-              <a:buBlip>
-                <a:blip r:embed="rId3"/>
-              </a:buBlip>
+              <a:buNone/>
             </a:pPr>
-            <a:r>
-              <a:rPr lang="ko-KR" altLang="en-US" sz="2400" dirty="0">
-                <a:latin typeface="나눔스퀘어" panose="020B0600000101010101" pitchFamily="50" charset="-127"/>
-                <a:ea typeface="나눔스퀘어" panose="020B0600000101010101" pitchFamily="50" charset="-127"/>
-              </a:rPr>
-              <a:t>모니터링이 완료되면 습관분석에 추가된 내용 확인</a:t>
-            </a:r>
-            <a:endParaRPr lang="en-US" altLang="ko-KR" sz="2400" dirty="0">
-              <a:latin typeface="나눔스퀘어" panose="020B0600000101010101" pitchFamily="50" charset="-127"/>
-              <a:ea typeface="나눔스퀘어" panose="020B0600000101010101" pitchFamily="50" charset="-127"/>
+            <a:endParaRPr lang="en-US" altLang="ko-KR" sz="3200" dirty="0">
+              <a:latin typeface="나눔고딕" panose="020D0604000000000000" pitchFamily="50" charset="-127"/>
+              <a:ea typeface="나눔고딕" panose="020D0604000000000000" pitchFamily="50" charset="-127"/>
             </a:endParaRPr>
           </a:p>
           <a:p>
-            <a:pPr marL="722312" indent="-722312">
+            <a:pPr marL="0" indent="0">
               <a:lnSpc>
                 <a:spcPct val="150000"/>
               </a:lnSpc>
               <a:buSzPct val="50000"/>
-              <a:buFont typeface="Arial" panose="020B0604020202020204" pitchFamily="34" charset="0"/>
-              <a:buBlip>
-                <a:blip r:embed="rId3"/>
-              </a:buBlip>
+              <a:buNone/>
             </a:pPr>
             <a:r>
-              <a:rPr lang="ko-KR" altLang="en-US" sz="2400" dirty="0">
-                <a:latin typeface="나눔스퀘어" panose="020B0600000101010101" pitchFamily="50" charset="-127"/>
-                <a:ea typeface="나눔스퀘어" panose="020B0600000101010101" pitchFamily="50" charset="-127"/>
+              <a:rPr lang="en-US" altLang="ko-KR" sz="3200" dirty="0">
+                <a:latin typeface="나눔고딕" panose="020D0604000000000000" pitchFamily="50" charset="-127"/>
+                <a:ea typeface="나눔고딕" panose="020D0604000000000000" pitchFamily="50" charset="-127"/>
               </a:rPr>
-              <a:t>캘린더에 해당 모니터링 내용이 추가되었는지 확인</a:t>
-            </a:r>
-            <a:endParaRPr lang="en-US" altLang="ko-KR" sz="2400" dirty="0">
-              <a:latin typeface="나눔스퀘어" panose="020B0600000101010101" pitchFamily="50" charset="-127"/>
-              <a:ea typeface="나눔스퀘어" panose="020B0600000101010101" pitchFamily="50" charset="-127"/>
+              <a:t>	</a:t>
+            </a:r>
+            <a:r>
+              <a:rPr lang="ko-KR" altLang="en-US" sz="3200" dirty="0">
+                <a:latin typeface="나눔고딕" panose="020D0604000000000000" pitchFamily="50" charset="-127"/>
+                <a:ea typeface="나눔고딕" panose="020D0604000000000000" pitchFamily="50" charset="-127"/>
+              </a:rPr>
+              <a:t>해당 구현 단계에서 테스트 해 볼 수 없는 내용</a:t>
+            </a:r>
+            <a:endParaRPr lang="en-US" altLang="ko-KR" sz="3200" dirty="0">
+              <a:latin typeface="나눔고딕" panose="020D0604000000000000" pitchFamily="50" charset="-127"/>
+              <a:ea typeface="나눔고딕" panose="020D0604000000000000" pitchFamily="50" charset="-127"/>
+            </a:endParaRPr>
+          </a:p>
+          <a:p>
+            <a:pPr marL="0" indent="0">
+              <a:lnSpc>
+                <a:spcPct val="150000"/>
+              </a:lnSpc>
+              <a:buSzPct val="50000"/>
+              <a:buNone/>
+            </a:pPr>
+            <a:r>
+              <a:rPr lang="en-US" altLang="ko-KR" sz="3200" dirty="0">
+                <a:latin typeface="나눔고딕" panose="020D0604000000000000" pitchFamily="50" charset="-127"/>
+                <a:ea typeface="나눔고딕" panose="020D0604000000000000" pitchFamily="50" charset="-127"/>
+              </a:rPr>
+              <a:t>      </a:t>
+            </a:r>
+            <a:r>
+              <a:rPr lang="ko-KR" altLang="en-US" sz="3200" dirty="0">
+                <a:latin typeface="나눔고딕" panose="020D0604000000000000" pitchFamily="50" charset="-127"/>
+                <a:ea typeface="나눔고딕" panose="020D0604000000000000" pitchFamily="50" charset="-127"/>
+              </a:rPr>
+              <a:t>해당 단계의 </a:t>
+            </a:r>
+            <a:r>
+              <a:rPr lang="en-US" altLang="ko-KR" sz="3200" dirty="0">
+                <a:latin typeface="나눔고딕" panose="020D0604000000000000" pitchFamily="50" charset="-127"/>
+                <a:ea typeface="나눔고딕" panose="020D0604000000000000" pitchFamily="50" charset="-127"/>
+              </a:rPr>
+              <a:t>PPT</a:t>
+            </a:r>
+            <a:r>
+              <a:rPr lang="ko-KR" altLang="en-US" sz="3200" dirty="0">
+                <a:latin typeface="나눔고딕" panose="020D0604000000000000" pitchFamily="50" charset="-127"/>
+                <a:ea typeface="나눔고딕" panose="020D0604000000000000" pitchFamily="50" charset="-127"/>
+              </a:rPr>
+              <a:t>에 추가하여 답변할 예정</a:t>
+            </a:r>
+            <a:endParaRPr lang="en-US" altLang="ko-KR" sz="3200" dirty="0">
+              <a:latin typeface="나눔고딕" panose="020D0604000000000000" pitchFamily="50" charset="-127"/>
+              <a:ea typeface="나눔고딕" panose="020D0604000000000000" pitchFamily="50" charset="-127"/>
             </a:endParaRPr>
           </a:p>
         </p:txBody>
       </p:sp>
       <p:pic>
         <p:nvPicPr>
-          <p:cNvPr id="11" name="그림 10" descr="1.png">
-            <a:extLst>
-              <a:ext uri="{FF2B5EF4-FFF2-40B4-BE49-F238E27FC236}">
-                <a16:creationId xmlns:a16="http://schemas.microsoft.com/office/drawing/2014/main" id="{906E05E7-9C48-4BDD-ACC3-1EC3AA7679B0}"/>
+          <p:cNvPr id="7" name="그림 6" descr="1.png">
+            <a:extLst>
+              <a:ext uri="{FF2B5EF4-FFF2-40B4-BE49-F238E27FC236}">
+                <a16:creationId xmlns:a16="http://schemas.microsoft.com/office/drawing/2014/main" id="{D75A5159-F675-477E-8882-F4BF103E7E1B}"/>
               </a:ext>
             </a:extLst>
           </p:cNvPr>
@@ -5989,135 +7887,70 @@
         </p:blipFill>
         <p:spPr>
           <a:xfrm>
-            <a:off x="4306837" y="2154838"/>
-            <a:ext cx="390145" cy="408433"/>
+            <a:off x="1233996" y="2156654"/>
+            <a:ext cx="516800" cy="541025"/>
           </a:xfrm>
           <a:prstGeom prst="rect">
             <a:avLst/>
           </a:prstGeom>
         </p:spPr>
       </p:pic>
-      <p:pic>
-        <p:nvPicPr>
-          <p:cNvPr id="13" name="그림 12" descr="2.png">
-            <a:extLst>
-              <a:ext uri="{FF2B5EF4-FFF2-40B4-BE49-F238E27FC236}">
-                <a16:creationId xmlns:a16="http://schemas.microsoft.com/office/drawing/2014/main" id="{91F212E8-B327-47B4-8EA7-F7BBAE2140FB}"/>
-              </a:ext>
-            </a:extLst>
-          </p:cNvPr>
-          <p:cNvPicPr>
-            <a:picLocks noChangeAspect="1"/>
-          </p:cNvPicPr>
+      <p:sp>
+        <p:nvSpPr>
+          <p:cNvPr id="2" name="화살표: 오른쪽 1">
+            <a:extLst>
+              <a:ext uri="{FF2B5EF4-FFF2-40B4-BE49-F238E27FC236}">
+                <a16:creationId xmlns:a16="http://schemas.microsoft.com/office/drawing/2014/main" id="{B0834DD1-30FA-4E6F-A5F7-B3A65E069530}"/>
+              </a:ext>
+            </a:extLst>
+          </p:cNvPr>
+          <p:cNvSpPr/>
           <p:nvPr/>
-        </p:nvPicPr>
-        <p:blipFill>
-          <a:blip r:embed="rId5" cstate="print"/>
-          <a:stretch>
-            <a:fillRect/>
-          </a:stretch>
-        </p:blipFill>
-        <p:spPr>
-          <a:xfrm>
-            <a:off x="4252702" y="3354244"/>
-            <a:ext cx="390145" cy="408433"/>
-          </a:xfrm>
-          <a:prstGeom prst="rect">
+        </p:nvSpPr>
+        <p:spPr>
+          <a:xfrm>
+            <a:off x="1397876" y="4708634"/>
+            <a:ext cx="516800" cy="315252"/>
+          </a:xfrm>
+          <a:prstGeom prst="rightArrow">
             <a:avLst/>
           </a:prstGeom>
-        </p:spPr>
-      </p:pic>
-      <p:pic>
-        <p:nvPicPr>
-          <p:cNvPr id="14" name="그림 13" descr="3.png">
-            <a:extLst>
-              <a:ext uri="{FF2B5EF4-FFF2-40B4-BE49-F238E27FC236}">
-                <a16:creationId xmlns:a16="http://schemas.microsoft.com/office/drawing/2014/main" id="{D2318336-E38F-47B6-AFC9-CCF8673F0246}"/>
-              </a:ext>
-            </a:extLst>
-          </p:cNvPr>
-          <p:cNvPicPr>
-            <a:picLocks noChangeAspect="1"/>
-          </p:cNvPicPr>
-          <p:nvPr/>
-        </p:nvPicPr>
-        <p:blipFill>
-          <a:blip r:embed="rId6" cstate="print"/>
-          <a:stretch>
-            <a:fillRect/>
-          </a:stretch>
-        </p:blipFill>
-        <p:spPr>
-          <a:xfrm>
-            <a:off x="4306836" y="4633964"/>
-            <a:ext cx="390145" cy="408433"/>
-          </a:xfrm>
-          <a:prstGeom prst="rect">
-            <a:avLst/>
-          </a:prstGeom>
-        </p:spPr>
-      </p:pic>
-      <p:sp>
-        <p:nvSpPr>
-          <p:cNvPr id="5" name="TextBox 4">
-            <a:extLst>
-              <a:ext uri="{FF2B5EF4-FFF2-40B4-BE49-F238E27FC236}">
-                <a16:creationId xmlns:a16="http://schemas.microsoft.com/office/drawing/2014/main" id="{D798F4B0-26EE-46A9-AE7B-A75ACA1AE019}"/>
-              </a:ext>
-            </a:extLst>
-          </p:cNvPr>
-          <p:cNvSpPr txBox="1"/>
-          <p:nvPr/>
-        </p:nvSpPr>
-        <p:spPr>
-          <a:xfrm>
-            <a:off x="612558" y="1748901"/>
-            <a:ext cx="3266983" cy="1200329"/>
-          </a:xfrm>
-          <a:prstGeom prst="rect">
-            <a:avLst/>
-          </a:prstGeom>
-          <a:noFill/>
-        </p:spPr>
+          <a:solidFill>
+            <a:srgbClr val="6BC7BF"/>
+          </a:solidFill>
+          <a:ln>
+            <a:noFill/>
+          </a:ln>
+        </p:spPr>
+        <p:style>
+          <a:lnRef idx="2">
+            <a:schemeClr val="accent1">
+              <a:shade val="50000"/>
+            </a:schemeClr>
+          </a:lnRef>
+          <a:fillRef idx="1">
+            <a:schemeClr val="accent1"/>
+          </a:fillRef>
+          <a:effectRef idx="0">
+            <a:schemeClr val="accent1"/>
+          </a:effectRef>
+          <a:fontRef idx="minor">
+            <a:schemeClr val="lt1"/>
+          </a:fontRef>
+        </p:style>
         <p:txBody>
-          <a:bodyPr wrap="square" rtlCol="0">
-            <a:spAutoFit/>
-          </a:bodyPr>
+          <a:bodyPr rtlCol="0" anchor="ctr"/>
           <a:lstStyle/>
           <a:p>
-            <a:r>
-              <a:rPr lang="ko-KR" altLang="en-US" dirty="0"/>
-              <a:t>이정도의 플로우만 보면 </a:t>
-            </a:r>
-            <a:r>
-              <a:rPr lang="ko-KR" altLang="en-US" dirty="0" err="1"/>
-              <a:t>되구</a:t>
-            </a:r>
-            <a:endParaRPr lang="en-US" altLang="ko-KR" dirty="0"/>
-          </a:p>
-          <a:p>
-            <a:r>
-              <a:rPr lang="ko-KR" altLang="en-US" dirty="0"/>
-              <a:t>원하는 사항은 추가적으로 </a:t>
-            </a:r>
-            <a:r>
-              <a:rPr lang="ko-KR" altLang="en-US" dirty="0" err="1"/>
-              <a:t>작성하면됨</a:t>
-            </a:r>
-            <a:r>
-              <a:rPr lang="en-US" altLang="ko-KR" dirty="0"/>
-              <a:t>!</a:t>
-            </a:r>
-          </a:p>
-          <a:p>
-            <a:endParaRPr lang="ko-KR" altLang="en-US" dirty="0"/>
+            <a:pPr algn="ctr"/>
+            <a:endParaRPr lang="ko-KR" altLang="en-US"/>
           </a:p>
         </p:txBody>
       </p:sp>
     </p:spTree>
     <p:extLst>
       <p:ext uri="{BB962C8B-B14F-4D97-AF65-F5344CB8AC3E}">
-        <p14:creationId xmlns:p14="http://schemas.microsoft.com/office/powerpoint/2010/main" val="830954308"/>
+        <p14:creationId xmlns:p14="http://schemas.microsoft.com/office/powerpoint/2010/main" val="248201222"/>
       </p:ext>
     </p:extLst>
   </p:cSld>
@@ -6127,7 +7960,7 @@
 </p:sld>
 </file>
 
-<file path=ppt/slides/slide16.xml><?xml version="1.0" encoding="utf-8"?>
+<file path=ppt/slides/slide5.xml><?xml version="1.0" encoding="utf-8"?>
 <p:sld xmlns:a="http://schemas.openxmlformats.org/drawingml/2006/main" xmlns:r="http://schemas.openxmlformats.org/officeDocument/2006/relationships" xmlns:p="http://schemas.openxmlformats.org/presentationml/2006/main">
   <p:cSld>
     <p:spTree>
@@ -6174,133 +8007,97 @@
           </a:prstGeom>
         </p:spPr>
       </p:pic>
+      <p:cxnSp>
+        <p:nvCxnSpPr>
+          <p:cNvPr id="5" name="직선 연결선 4">
+            <a:extLst>
+              <a:ext uri="{FF2B5EF4-FFF2-40B4-BE49-F238E27FC236}">
+                <a16:creationId xmlns:a16="http://schemas.microsoft.com/office/drawing/2014/main" id="{290D60BB-7AD3-47BD-B1F2-9CEAF32875A3}"/>
+              </a:ext>
+            </a:extLst>
+          </p:cNvPr>
+          <p:cNvCxnSpPr>
+            <a:cxnSpLocks/>
+          </p:cNvCxnSpPr>
+          <p:nvPr/>
+        </p:nvCxnSpPr>
+        <p:spPr>
+          <a:xfrm>
+            <a:off x="1214482" y="4310010"/>
+            <a:ext cx="9763036" cy="0"/>
+          </a:xfrm>
+          <a:prstGeom prst="line">
+            <a:avLst/>
+          </a:prstGeom>
+          <a:ln w="12700">
+            <a:solidFill>
+              <a:srgbClr val="6BC7BF"/>
+            </a:solidFill>
+          </a:ln>
+          <a:effectLst/>
+        </p:spPr>
+        <p:style>
+          <a:lnRef idx="1">
+            <a:schemeClr val="accent1"/>
+          </a:lnRef>
+          <a:fillRef idx="0">
+            <a:schemeClr val="accent1"/>
+          </a:fillRef>
+          <a:effectRef idx="0">
+            <a:schemeClr val="accent1"/>
+          </a:effectRef>
+          <a:fontRef idx="minor">
+            <a:schemeClr val="tx1"/>
+          </a:fontRef>
+        </p:style>
+      </p:cxnSp>
       <p:sp>
         <p:nvSpPr>
-          <p:cNvPr id="3" name="TextBox 2">
-            <a:extLst>
-              <a:ext uri="{FF2B5EF4-FFF2-40B4-BE49-F238E27FC236}">
-                <a16:creationId xmlns:a16="http://schemas.microsoft.com/office/drawing/2014/main" id="{ED03AD73-8718-4A35-ADA0-49B8C0DF81DC}"/>
-              </a:ext>
-            </a:extLst>
-          </p:cNvPr>
-          <p:cNvSpPr txBox="1"/>
-          <p:nvPr/>
+          <p:cNvPr id="7" name="개발 배경">
+            <a:extLst>
+              <a:ext uri="{FF2B5EF4-FFF2-40B4-BE49-F238E27FC236}">
+                <a16:creationId xmlns:a16="http://schemas.microsoft.com/office/drawing/2014/main" id="{7BCC61F2-9241-4C7E-891D-B602AF36CE71}"/>
+              </a:ext>
+            </a:extLst>
+          </p:cNvPr>
+          <p:cNvSpPr txBox="1">
+            <a:spLocks noGrp="1"/>
+          </p:cNvSpPr>
+          <p:nvPr>
+            <p:ph type="title"/>
+          </p:nvPr>
         </p:nvSpPr>
         <p:spPr>
           <a:xfrm>
-            <a:off x="4368604" y="2644170"/>
-            <a:ext cx="3454792" cy="1569660"/>
+            <a:off x="0" y="1627763"/>
+            <a:ext cx="12191999" cy="3602473"/>
           </a:xfrm>
           <a:prstGeom prst="rect">
             <a:avLst/>
           </a:prstGeom>
-          <a:noFill/>
         </p:spPr>
         <p:txBody>
-          <a:bodyPr wrap="none" rtlCol="0">
-            <a:spAutoFit/>
+          <a:bodyPr>
+            <a:normAutofit/>
           </a:bodyPr>
           <a:lstStyle/>
           <a:p>
             <a:pPr algn="ctr"/>
             <a:r>
-              <a:rPr lang="ko-KR" altLang="en-US" sz="4800" spc="300" dirty="0">
-                <a:ln w="104775" cmpd="tri">
-                  <a:noFill/>
-                </a:ln>
-                <a:solidFill>
-                  <a:srgbClr val="94C3BB"/>
-                </a:solidFill>
-                <a:latin typeface="나눔스퀘어 ExtraBold" panose="020B0600000101010101" pitchFamily="50" charset="-127"/>
-                <a:ea typeface="나눔스퀘어 ExtraBold" panose="020B0600000101010101" pitchFamily="50" charset="-127"/>
-              </a:rPr>
-              <a:t>감사합니다</a:t>
-            </a:r>
-            <a:endParaRPr lang="en-US" altLang="ko-KR" sz="4800" spc="300" dirty="0">
-              <a:ln w="104775" cmpd="tri">
-                <a:noFill/>
-              </a:ln>
-              <a:solidFill>
-                <a:srgbClr val="94C3BB"/>
-              </a:solidFill>
-              <a:latin typeface="나눔스퀘어 ExtraBold" panose="020B0600000101010101" pitchFamily="50" charset="-127"/>
-              <a:ea typeface="나눔스퀘어 ExtraBold" panose="020B0600000101010101" pitchFamily="50" charset="-127"/>
-            </a:endParaRPr>
-          </a:p>
-          <a:p>
-            <a:pPr algn="ctr"/>
-            <a:r>
-              <a:rPr lang="en-US" altLang="ko-KR" sz="4800" spc="300" dirty="0">
-                <a:ln w="104775" cmpd="tri">
-                  <a:noFill/>
-                </a:ln>
-                <a:solidFill>
-                  <a:srgbClr val="94C3BB"/>
-                </a:solidFill>
-                <a:latin typeface="나눔스퀘어 ExtraBold" panose="020B0600000101010101" pitchFamily="50" charset="-127"/>
-                <a:ea typeface="나눔스퀘어 ExtraBold" panose="020B0600000101010101" pitchFamily="50" charset="-127"/>
-              </a:rPr>
-              <a:t>Q&amp;A</a:t>
-            </a:r>
-            <a:endParaRPr lang="ko-KR" altLang="en-US" sz="4800" spc="300" dirty="0">
-              <a:ln w="104775" cmpd="tri">
-                <a:noFill/>
-              </a:ln>
-              <a:solidFill>
-                <a:srgbClr val="94C3BB"/>
-              </a:solidFill>
-              <a:latin typeface="나눔스퀘어 ExtraBold" panose="020B0600000101010101" pitchFamily="50" charset="-127"/>
-              <a:ea typeface="나눔스퀘어 ExtraBold" panose="020B0600000101010101" pitchFamily="50" charset="-127"/>
+              <a:rPr lang="ko-KR" altLang="en-US" sz="6000" dirty="0"/>
+              <a:t>프로젝트 진행 상황</a:t>
+            </a:r>
+            <a:endParaRPr sz="6000" dirty="0">
+              <a:latin typeface="나눔스퀘어" panose="020B0600000101010101" pitchFamily="50" charset="-127"/>
+              <a:ea typeface="나눔스퀘어" panose="020B0600000101010101" pitchFamily="50" charset="-127"/>
             </a:endParaRPr>
           </a:p>
         </p:txBody>
       </p:sp>
-      <p:pic>
-        <p:nvPicPr>
-          <p:cNvPr id="5" name="Frame-4.png" descr="Frame-4.png">
-            <a:extLst>
-              <a:ext uri="{FF2B5EF4-FFF2-40B4-BE49-F238E27FC236}">
-                <a16:creationId xmlns:a16="http://schemas.microsoft.com/office/drawing/2014/main" id="{B3427D02-D294-49E9-93F0-1FD4CC25153B}"/>
-              </a:ext>
-            </a:extLst>
-          </p:cNvPr>
-          <p:cNvPicPr>
-            <a:picLocks noChangeAspect="1"/>
-          </p:cNvPicPr>
-          <p:nvPr/>
-        </p:nvPicPr>
-        <p:blipFill>
-          <a:blip r:embed="rId3">
-            <a:extLst/>
-          </a:blip>
-          <a:stretch>
-            <a:fillRect/>
-          </a:stretch>
-        </p:blipFill>
-        <p:spPr>
-          <a:xfrm>
-            <a:off x="8318697" y="2180870"/>
-            <a:ext cx="2496260" cy="2496260"/>
-          </a:xfrm>
-          <a:prstGeom prst="rect">
-            <a:avLst/>
-          </a:prstGeom>
-          <a:ln w="25400">
-            <a:miter lim="400000"/>
-          </a:ln>
-          <a:effectLst>
-            <a:outerShdw blurRad="355600" dist="177800" dir="5400000" rotWithShape="0">
-              <a:srgbClr val="000000">
-                <a:alpha val="70000"/>
-              </a:srgbClr>
-            </a:outerShdw>
-          </a:effectLst>
-        </p:spPr>
-      </p:pic>
     </p:spTree>
     <p:extLst>
       <p:ext uri="{BB962C8B-B14F-4D97-AF65-F5344CB8AC3E}">
-        <p14:creationId xmlns:p14="http://schemas.microsoft.com/office/powerpoint/2010/main" val="1856756087"/>
+        <p14:creationId xmlns:p14="http://schemas.microsoft.com/office/powerpoint/2010/main" val="2675355090"/>
       </p:ext>
     </p:extLst>
   </p:cSld>
@@ -6310,387 +8107,7 @@
 </p:sld>
 </file>
 
-<file path=ppt/slides/slide2.xml><?xml version="1.0" encoding="utf-8"?>
-<p:sld xmlns:a="http://schemas.openxmlformats.org/drawingml/2006/main" xmlns:r="http://schemas.openxmlformats.org/officeDocument/2006/relationships" xmlns:p="http://schemas.openxmlformats.org/presentationml/2006/main">
-  <p:cSld>
-    <p:bg>
-      <p:bgPr>
-        <a:solidFill>
-          <a:srgbClr val="6BC7BF"/>
-        </a:solidFill>
-        <a:effectLst/>
-      </p:bgPr>
-    </p:bg>
-    <p:spTree>
-      <p:nvGrpSpPr>
-        <p:cNvPr id="1" name=""/>
-        <p:cNvGrpSpPr/>
-        <p:nvPr/>
-      </p:nvGrpSpPr>
-      <p:grpSpPr>
-        <a:xfrm>
-          <a:off x="0" y="0"/>
-          <a:ext cx="0" cy="0"/>
-          <a:chOff x="0" y="0"/>
-          <a:chExt cx="0" cy="0"/>
-        </a:xfrm>
-      </p:grpSpPr>
-      <p:pic>
-        <p:nvPicPr>
-          <p:cNvPr id="5" name="그림 4">
-            <a:extLst>
-              <a:ext uri="{FF2B5EF4-FFF2-40B4-BE49-F238E27FC236}">
-                <a16:creationId xmlns:a16="http://schemas.microsoft.com/office/drawing/2014/main" id="{5E7AECD1-94F9-4513-B89B-3E9C597A1A94}"/>
-              </a:ext>
-            </a:extLst>
-          </p:cNvPr>
-          <p:cNvPicPr>
-            <a:picLocks noChangeAspect="1"/>
-          </p:cNvPicPr>
-          <p:nvPr/>
-        </p:nvPicPr>
-        <p:blipFill>
-          <a:blip r:embed="rId2"/>
-          <a:stretch>
-            <a:fillRect/>
-          </a:stretch>
-        </p:blipFill>
-        <p:spPr>
-          <a:xfrm>
-            <a:off x="0" y="0"/>
-            <a:ext cx="12192000" cy="6858000"/>
-          </a:xfrm>
-          <a:prstGeom prst="rect">
-            <a:avLst/>
-          </a:prstGeom>
-        </p:spPr>
-      </p:pic>
-      <p:pic>
-        <p:nvPicPr>
-          <p:cNvPr id="6" name="Picture 2">
-            <a:extLst>
-              <a:ext uri="{FF2B5EF4-FFF2-40B4-BE49-F238E27FC236}">
-                <a16:creationId xmlns:a16="http://schemas.microsoft.com/office/drawing/2014/main" id="{D4EC9FAD-F4C7-427B-9FA9-F52D35FE8BCD}"/>
-              </a:ext>
-            </a:extLst>
-          </p:cNvPr>
-          <p:cNvPicPr>
-            <a:picLocks noChangeAspect="1" noChangeArrowheads="1"/>
-          </p:cNvPicPr>
-          <p:nvPr/>
-        </p:nvPicPr>
-        <p:blipFill>
-          <a:blip r:embed="rId3" cstate="print"/>
-          <a:srcRect/>
-          <a:stretch>
-            <a:fillRect/>
-          </a:stretch>
-        </p:blipFill>
-        <p:spPr bwMode="auto">
-          <a:xfrm>
-            <a:off x="2855640" y="1463412"/>
-            <a:ext cx="6515100" cy="19050"/>
-          </a:xfrm>
-          <a:prstGeom prst="rect">
-            <a:avLst/>
-          </a:prstGeom>
-          <a:noFill/>
-          <a:ln w="9525">
-            <a:noFill/>
-            <a:miter lim="800000"/>
-            <a:headEnd/>
-            <a:tailEnd/>
-          </a:ln>
-        </p:spPr>
-      </p:pic>
-      <p:sp>
-        <p:nvSpPr>
-          <p:cNvPr id="7" name="TextBox 6">
-            <a:extLst>
-              <a:ext uri="{FF2B5EF4-FFF2-40B4-BE49-F238E27FC236}">
-                <a16:creationId xmlns:a16="http://schemas.microsoft.com/office/drawing/2014/main" id="{314A80FE-0C8F-40B3-AC4D-1DA282109BB9}"/>
-              </a:ext>
-            </a:extLst>
-          </p:cNvPr>
-          <p:cNvSpPr txBox="1"/>
-          <p:nvPr/>
-        </p:nvSpPr>
-        <p:spPr>
-          <a:xfrm>
-            <a:off x="3874600" y="692696"/>
-            <a:ext cx="4079963" cy="861774"/>
-          </a:xfrm>
-          <a:prstGeom prst="rect">
-            <a:avLst/>
-          </a:prstGeom>
-          <a:noFill/>
-        </p:spPr>
-        <p:txBody>
-          <a:bodyPr wrap="none" rtlCol="0">
-            <a:spAutoFit/>
-          </a:bodyPr>
-          <a:lstStyle/>
-          <a:p>
-            <a:r>
-              <a:rPr lang="en-US" altLang="ko-KR" sz="5000" dirty="0">
-                <a:solidFill>
-                  <a:srgbClr val="6BC7BF"/>
-                </a:solidFill>
-                <a:latin typeface="HY견고딕" panose="02030600000101010101" pitchFamily="18" charset="-127"/>
-                <a:ea typeface="HY견고딕" panose="02030600000101010101" pitchFamily="18" charset="-127"/>
-              </a:rPr>
-              <a:t>CONTENTS</a:t>
-            </a:r>
-            <a:endParaRPr lang="ko-KR" altLang="en-US" sz="5000" dirty="0">
-              <a:solidFill>
-                <a:srgbClr val="6BC7BF"/>
-              </a:solidFill>
-              <a:latin typeface="HY견고딕" panose="02030600000101010101" pitchFamily="18" charset="-127"/>
-              <a:ea typeface="HY견고딕" panose="02030600000101010101" pitchFamily="18" charset="-127"/>
-            </a:endParaRPr>
-          </a:p>
-        </p:txBody>
-      </p:sp>
-      <p:sp>
-        <p:nvSpPr>
-          <p:cNvPr id="8" name="직사각형 7">
-            <a:extLst>
-              <a:ext uri="{FF2B5EF4-FFF2-40B4-BE49-F238E27FC236}">
-                <a16:creationId xmlns:a16="http://schemas.microsoft.com/office/drawing/2014/main" id="{C3EEE79C-C3A5-4AC6-87F8-4B366BCFDC79}"/>
-              </a:ext>
-            </a:extLst>
-          </p:cNvPr>
-          <p:cNvSpPr/>
-          <p:nvPr/>
-        </p:nvSpPr>
-        <p:spPr>
-          <a:xfrm>
-            <a:off x="5052392" y="2116834"/>
-            <a:ext cx="4572000" cy="3046988"/>
-          </a:xfrm>
-          <a:prstGeom prst="rect">
-            <a:avLst/>
-          </a:prstGeom>
-        </p:spPr>
-        <p:txBody>
-          <a:bodyPr wrap="square">
-            <a:spAutoFit/>
-          </a:bodyPr>
-          <a:lstStyle/>
-          <a:p>
-            <a:endParaRPr lang="en-US" altLang="ko-KR" sz="2400" b="1" spc="-50" dirty="0">
-              <a:solidFill>
-                <a:srgbClr val="444444"/>
-              </a:solidFill>
-              <a:latin typeface="Arial Narrow" pitchFamily="34" charset="0"/>
-              <a:ea typeface="나눔고딕" pitchFamily="50" charset="-127"/>
-              <a:cs typeface="Verdana" pitchFamily="34" charset="0"/>
-            </a:endParaRPr>
-          </a:p>
-          <a:p>
-            <a:r>
-              <a:rPr lang="ko-KR" altLang="en-US" sz="2400" b="1" spc="-50" dirty="0">
-                <a:solidFill>
-                  <a:srgbClr val="444444"/>
-                </a:solidFill>
-                <a:latin typeface="Arial Narrow" pitchFamily="34" charset="0"/>
-                <a:ea typeface="나눔고딕" pitchFamily="50" charset="-127"/>
-                <a:cs typeface="Verdana" pitchFamily="34" charset="0"/>
-              </a:rPr>
-              <a:t>피드백 내용</a:t>
-            </a:r>
-            <a:endParaRPr lang="en-US" altLang="ko-KR" sz="2400" b="1" spc="-50" dirty="0">
-              <a:solidFill>
-                <a:srgbClr val="444444"/>
-              </a:solidFill>
-              <a:latin typeface="Arial Narrow" pitchFamily="34" charset="0"/>
-              <a:ea typeface="나눔고딕" pitchFamily="50" charset="-127"/>
-              <a:cs typeface="Verdana" pitchFamily="34" charset="0"/>
-            </a:endParaRPr>
-          </a:p>
-          <a:p>
-            <a:endParaRPr lang="en-US" altLang="ko-KR" sz="2400" b="1" spc="-50" dirty="0">
-              <a:solidFill>
-                <a:srgbClr val="444444"/>
-              </a:solidFill>
-              <a:latin typeface="Arial Narrow" pitchFamily="34" charset="0"/>
-              <a:ea typeface="나눔고딕" pitchFamily="50" charset="-127"/>
-              <a:cs typeface="Verdana" pitchFamily="34" charset="0"/>
-            </a:endParaRPr>
-          </a:p>
-          <a:p>
-            <a:endParaRPr lang="en-US" altLang="ko-KR" sz="2400" b="1" spc="-50" dirty="0">
-              <a:solidFill>
-                <a:srgbClr val="444444"/>
-              </a:solidFill>
-              <a:latin typeface="Arial Narrow" pitchFamily="34" charset="0"/>
-              <a:ea typeface="나눔고딕" pitchFamily="50" charset="-127"/>
-            </a:endParaRPr>
-          </a:p>
-          <a:p>
-            <a:r>
-              <a:rPr lang="ko-KR" altLang="en-US" sz="2400" b="1" spc="-50" dirty="0">
-                <a:solidFill>
-                  <a:srgbClr val="444444"/>
-                </a:solidFill>
-                <a:latin typeface="Arial Narrow" pitchFamily="34" charset="0"/>
-                <a:ea typeface="나눔고딕" pitchFamily="50" charset="-127"/>
-              </a:rPr>
-              <a:t>프로젝트 진행 상황</a:t>
-            </a:r>
-            <a:endParaRPr lang="en-US" altLang="ko-KR" sz="2400" b="1" spc="-50" dirty="0">
-              <a:solidFill>
-                <a:srgbClr val="444444"/>
-              </a:solidFill>
-              <a:latin typeface="Arial Narrow" pitchFamily="34" charset="0"/>
-              <a:ea typeface="나눔고딕" pitchFamily="50" charset="-127"/>
-            </a:endParaRPr>
-          </a:p>
-          <a:p>
-            <a:endParaRPr lang="en-US" altLang="ko-KR" sz="2400" b="1" spc="-50" dirty="0">
-              <a:solidFill>
-                <a:srgbClr val="444444"/>
-              </a:solidFill>
-              <a:latin typeface="Arial Narrow" pitchFamily="34" charset="0"/>
-              <a:ea typeface="나눔고딕" pitchFamily="50" charset="-127"/>
-            </a:endParaRPr>
-          </a:p>
-          <a:p>
-            <a:endParaRPr lang="en-US" altLang="ko-KR" sz="2400" b="1" spc="-50" dirty="0">
-              <a:solidFill>
-                <a:srgbClr val="444444"/>
-              </a:solidFill>
-              <a:latin typeface="Arial Narrow" pitchFamily="34" charset="0"/>
-              <a:ea typeface="나눔고딕" pitchFamily="50" charset="-127"/>
-            </a:endParaRPr>
-          </a:p>
-          <a:p>
-            <a:r>
-              <a:rPr lang="ko-KR" altLang="en-US" sz="2400" b="1" spc="-50" dirty="0">
-                <a:solidFill>
-                  <a:srgbClr val="444444"/>
-                </a:solidFill>
-                <a:latin typeface="Arial Narrow" pitchFamily="34" charset="0"/>
-                <a:ea typeface="나눔고딕" pitchFamily="50" charset="-127"/>
-                <a:cs typeface="Verdana" pitchFamily="34" charset="0"/>
-              </a:rPr>
-              <a:t>중간 데모</a:t>
-            </a:r>
-            <a:endParaRPr lang="en-US" altLang="ko-KR" sz="2400" b="1" spc="-50" dirty="0">
-              <a:solidFill>
-                <a:srgbClr val="444444"/>
-              </a:solidFill>
-              <a:latin typeface="Arial Narrow" pitchFamily="34" charset="0"/>
-              <a:ea typeface="나눔고딕" pitchFamily="50" charset="-127"/>
-              <a:cs typeface="Verdana" pitchFamily="34" charset="0"/>
-            </a:endParaRPr>
-          </a:p>
-        </p:txBody>
-      </p:sp>
-      <p:pic>
-        <p:nvPicPr>
-          <p:cNvPr id="9" name="그림 8" descr="1.png">
-            <a:extLst>
-              <a:ext uri="{FF2B5EF4-FFF2-40B4-BE49-F238E27FC236}">
-                <a16:creationId xmlns:a16="http://schemas.microsoft.com/office/drawing/2014/main" id="{FD878155-04AB-44E5-B361-4D133A7C71CD}"/>
-              </a:ext>
-            </a:extLst>
-          </p:cNvPr>
-          <p:cNvPicPr>
-            <a:picLocks noChangeAspect="1"/>
-          </p:cNvPicPr>
-          <p:nvPr/>
-        </p:nvPicPr>
-        <p:blipFill>
-          <a:blip r:embed="rId4" cstate="print"/>
-          <a:stretch>
-            <a:fillRect/>
-          </a:stretch>
-        </p:blipFill>
-        <p:spPr>
-          <a:xfrm>
-            <a:off x="4530251" y="2494682"/>
-            <a:ext cx="390145" cy="408433"/>
-          </a:xfrm>
-          <a:prstGeom prst="rect">
-            <a:avLst/>
-          </a:prstGeom>
-        </p:spPr>
-      </p:pic>
-      <p:pic>
-        <p:nvPicPr>
-          <p:cNvPr id="10" name="그림 9" descr="2.png">
-            <a:extLst>
-              <a:ext uri="{FF2B5EF4-FFF2-40B4-BE49-F238E27FC236}">
-                <a16:creationId xmlns:a16="http://schemas.microsoft.com/office/drawing/2014/main" id="{C170F17B-B05E-4BE3-94B7-05FFB9026FD2}"/>
-              </a:ext>
-            </a:extLst>
-          </p:cNvPr>
-          <p:cNvPicPr>
-            <a:picLocks noChangeAspect="1"/>
-          </p:cNvPicPr>
-          <p:nvPr/>
-        </p:nvPicPr>
-        <p:blipFill>
-          <a:blip r:embed="rId5" cstate="print"/>
-          <a:stretch>
-            <a:fillRect/>
-          </a:stretch>
-        </p:blipFill>
-        <p:spPr>
-          <a:xfrm>
-            <a:off x="4525985" y="3593585"/>
-            <a:ext cx="390145" cy="408433"/>
-          </a:xfrm>
-          <a:prstGeom prst="rect">
-            <a:avLst/>
-          </a:prstGeom>
-        </p:spPr>
-      </p:pic>
-      <p:pic>
-        <p:nvPicPr>
-          <p:cNvPr id="11" name="그림 10" descr="3.png">
-            <a:extLst>
-              <a:ext uri="{FF2B5EF4-FFF2-40B4-BE49-F238E27FC236}">
-                <a16:creationId xmlns:a16="http://schemas.microsoft.com/office/drawing/2014/main" id="{D91BC421-0DB6-4D3C-847B-51BA835B1166}"/>
-              </a:ext>
-            </a:extLst>
-          </p:cNvPr>
-          <p:cNvPicPr>
-            <a:picLocks noChangeAspect="1"/>
-          </p:cNvPicPr>
-          <p:nvPr/>
-        </p:nvPicPr>
-        <p:blipFill>
-          <a:blip r:embed="rId6" cstate="print"/>
-          <a:stretch>
-            <a:fillRect/>
-          </a:stretch>
-        </p:blipFill>
-        <p:spPr>
-          <a:xfrm>
-            <a:off x="4525986" y="4691124"/>
-            <a:ext cx="390145" cy="408433"/>
-          </a:xfrm>
-          <a:prstGeom prst="rect">
-            <a:avLst/>
-          </a:prstGeom>
-        </p:spPr>
-      </p:pic>
-    </p:spTree>
-    <p:extLst>
-      <p:ext uri="{BB962C8B-B14F-4D97-AF65-F5344CB8AC3E}">
-        <p14:creationId xmlns:p14="http://schemas.microsoft.com/office/powerpoint/2010/main" val="443686820"/>
-      </p:ext>
-    </p:extLst>
-  </p:cSld>
-  <p:clrMapOvr>
-    <a:masterClrMapping/>
-  </p:clrMapOvr>
-</p:sld>
-</file>
-
-<file path=ppt/slides/slide3.xml><?xml version="1.0" encoding="utf-8"?>
+<file path=ppt/slides/slide6.xml><?xml version="1.0" encoding="utf-8"?>
 <p:sld xmlns:a="http://schemas.openxmlformats.org/drawingml/2006/main" xmlns:r="http://schemas.openxmlformats.org/officeDocument/2006/relationships" xmlns:p="http://schemas.openxmlformats.org/presentationml/2006/main">
   <p:cSld>
     <p:spTree>
@@ -6737,12 +8154,61 @@
           </a:prstGeom>
         </p:spPr>
       </p:pic>
+      <p:sp>
+        <p:nvSpPr>
+          <p:cNvPr id="6" name="TextBox 5">
+            <a:extLst>
+              <a:ext uri="{FF2B5EF4-FFF2-40B4-BE49-F238E27FC236}">
+                <a16:creationId xmlns:a16="http://schemas.microsoft.com/office/drawing/2014/main" id="{42A6955F-C97B-4E5D-AA79-0644E3710CD5}"/>
+              </a:ext>
+            </a:extLst>
+          </p:cNvPr>
+          <p:cNvSpPr txBox="1"/>
+          <p:nvPr/>
+        </p:nvSpPr>
+        <p:spPr>
+          <a:xfrm>
+            <a:off x="4086476" y="341922"/>
+            <a:ext cx="4019049" cy="830997"/>
+          </a:xfrm>
+          <a:prstGeom prst="rect">
+            <a:avLst/>
+          </a:prstGeom>
+          <a:noFill/>
+        </p:spPr>
+        <p:txBody>
+          <a:bodyPr wrap="none" rtlCol="0">
+            <a:spAutoFit/>
+          </a:bodyPr>
+          <a:lstStyle/>
+          <a:p>
+            <a:pPr algn="ctr"/>
+            <a:r>
+              <a:rPr lang="ko-KR" altLang="en-US" sz="4800" dirty="0">
+                <a:solidFill>
+                  <a:srgbClr val="6BC7BF"/>
+                </a:solidFill>
+                <a:latin typeface="Arial Narrow" pitchFamily="34" charset="0"/>
+                <a:ea typeface="나눔바른고딕" pitchFamily="50" charset="-127"/>
+              </a:rPr>
+              <a:t>개발 진행사항</a:t>
+            </a:r>
+            <a:endParaRPr lang="ko-KR" altLang="en-US" sz="4800" dirty="0">
+              <a:solidFill>
+                <a:srgbClr val="6BC7BF"/>
+              </a:solidFill>
+              <a:latin typeface="나눔바른고딕" pitchFamily="50" charset="-127"/>
+              <a:ea typeface="나눔바른고딕" pitchFamily="50" charset="-127"/>
+            </a:endParaRPr>
+          </a:p>
+        </p:txBody>
+      </p:sp>
       <p:cxnSp>
         <p:nvCxnSpPr>
-          <p:cNvPr id="5" name="직선 연결선 4">
-            <a:extLst>
-              <a:ext uri="{FF2B5EF4-FFF2-40B4-BE49-F238E27FC236}">
-                <a16:creationId xmlns:a16="http://schemas.microsoft.com/office/drawing/2014/main" id="{290D60BB-7AD3-47BD-B1F2-9CEAF32875A3}"/>
+          <p:cNvPr id="12" name="직선 연결선 11">
+            <a:extLst>
+              <a:ext uri="{FF2B5EF4-FFF2-40B4-BE49-F238E27FC236}">
+                <a16:creationId xmlns:a16="http://schemas.microsoft.com/office/drawing/2014/main" id="{F80AC6B6-728E-4A64-9826-7F423A7BB79C}"/>
               </a:ext>
             </a:extLst>
           </p:cNvPr>
@@ -6753,8 +8219,8 @@
         </p:nvCxnSpPr>
         <p:spPr>
           <a:xfrm>
-            <a:off x="1214482" y="4310010"/>
-            <a:ext cx="9763036" cy="0"/>
+            <a:off x="1065903" y="1172919"/>
+            <a:ext cx="10060193" cy="0"/>
           </a:xfrm>
           <a:prstGeom prst="line">
             <a:avLst/>
@@ -6781,53 +8247,40 @@
           </a:fontRef>
         </p:style>
       </p:cxnSp>
-      <p:sp>
-        <p:nvSpPr>
-          <p:cNvPr id="7" name="개발 배경">
-            <a:extLst>
-              <a:ext uri="{FF2B5EF4-FFF2-40B4-BE49-F238E27FC236}">
-                <a16:creationId xmlns:a16="http://schemas.microsoft.com/office/drawing/2014/main" id="{7BCC61F2-9241-4C7E-891D-B602AF36CE71}"/>
-              </a:ext>
-            </a:extLst>
-          </p:cNvPr>
-          <p:cNvSpPr txBox="1">
-            <a:spLocks noGrp="1"/>
-          </p:cNvSpPr>
-          <p:nvPr>
-            <p:ph type="title"/>
-          </p:nvPr>
-        </p:nvSpPr>
-        <p:spPr>
-          <a:xfrm>
-            <a:off x="1" y="1627763"/>
-            <a:ext cx="12191999" cy="3602473"/>
+      <p:pic>
+        <p:nvPicPr>
+          <p:cNvPr id="7" name="그림 6">
+            <a:extLst>
+              <a:ext uri="{FF2B5EF4-FFF2-40B4-BE49-F238E27FC236}">
+                <a16:creationId xmlns:a16="http://schemas.microsoft.com/office/drawing/2014/main" id="{F2228DDE-DC4F-4B07-A283-307E22D31DEF}"/>
+              </a:ext>
+            </a:extLst>
+          </p:cNvPr>
+          <p:cNvPicPr>
+            <a:picLocks noChangeAspect="1"/>
+          </p:cNvPicPr>
+          <p:nvPr/>
+        </p:nvPicPr>
+        <p:blipFill>
+          <a:blip r:embed="rId3"/>
+          <a:stretch>
+            <a:fillRect/>
+          </a:stretch>
+        </p:blipFill>
+        <p:spPr>
+          <a:xfrm>
+            <a:off x="2575604" y="1450009"/>
+            <a:ext cx="7040791" cy="5066069"/>
           </a:xfrm>
           <a:prstGeom prst="rect">
             <a:avLst/>
           </a:prstGeom>
         </p:spPr>
-        <p:txBody>
-          <a:bodyPr>
-            <a:normAutofit/>
-          </a:bodyPr>
-          <a:lstStyle/>
-          <a:p>
-            <a:pPr algn="ctr"/>
-            <a:r>
-              <a:rPr lang="ko-KR" altLang="en-US" sz="6000" dirty="0"/>
-              <a:t>피드백 내용</a:t>
-            </a:r>
-            <a:endParaRPr sz="6000" dirty="0">
-              <a:latin typeface="나눔스퀘어" panose="020B0600000101010101" pitchFamily="50" charset="-127"/>
-              <a:ea typeface="나눔스퀘어" panose="020B0600000101010101" pitchFamily="50" charset="-127"/>
-            </a:endParaRPr>
-          </a:p>
-        </p:txBody>
-      </p:sp>
+      </p:pic>
     </p:spTree>
     <p:extLst>
       <p:ext uri="{BB962C8B-B14F-4D97-AF65-F5344CB8AC3E}">
-        <p14:creationId xmlns:p14="http://schemas.microsoft.com/office/powerpoint/2010/main" val="3441584156"/>
+        <p14:creationId xmlns:p14="http://schemas.microsoft.com/office/powerpoint/2010/main" val="621426112"/>
       </p:ext>
     </p:extLst>
   </p:cSld>
@@ -6837,7 +8290,7 @@
 </p:sld>
 </file>
 
-<file path=ppt/slides/slide4.xml><?xml version="1.0" encoding="utf-8"?>
+<file path=ppt/slides/slide7.xml><?xml version="1.0" encoding="utf-8"?>
 <p:sld xmlns:a="http://schemas.openxmlformats.org/drawingml/2006/main" xmlns:r="http://schemas.openxmlformats.org/officeDocument/2006/relationships" xmlns:p="http://schemas.openxmlformats.org/presentationml/2006/main">
   <p:cSld>
     <p:spTree>
@@ -6876,7 +8329,7 @@
         </p:blipFill>
         <p:spPr>
           <a:xfrm>
-            <a:off x="79900" y="0"/>
+            <a:off x="1" y="0"/>
             <a:ext cx="12192000" cy="6858000"/>
           </a:xfrm>
           <a:prstGeom prst="rect">
@@ -6884,61 +8337,12 @@
           </a:prstGeom>
         </p:spPr>
       </p:pic>
-      <p:sp>
-        <p:nvSpPr>
-          <p:cNvPr id="6" name="TextBox 5">
-            <a:extLst>
-              <a:ext uri="{FF2B5EF4-FFF2-40B4-BE49-F238E27FC236}">
-                <a16:creationId xmlns:a16="http://schemas.microsoft.com/office/drawing/2014/main" id="{42A6955F-C97B-4E5D-AA79-0644E3710CD5}"/>
-              </a:ext>
-            </a:extLst>
-          </p:cNvPr>
-          <p:cNvSpPr txBox="1"/>
-          <p:nvPr/>
-        </p:nvSpPr>
-        <p:spPr>
-          <a:xfrm>
-            <a:off x="4394250" y="341922"/>
-            <a:ext cx="3403497" cy="830997"/>
-          </a:xfrm>
-          <a:prstGeom prst="rect">
-            <a:avLst/>
-          </a:prstGeom>
-          <a:noFill/>
-        </p:spPr>
-        <p:txBody>
-          <a:bodyPr wrap="none" rtlCol="0">
-            <a:spAutoFit/>
-          </a:bodyPr>
-          <a:lstStyle/>
-          <a:p>
-            <a:pPr algn="ctr"/>
-            <a:r>
-              <a:rPr lang="ko-KR" altLang="en-US" sz="4800" dirty="0">
-                <a:solidFill>
-                  <a:srgbClr val="6BC7BF"/>
-                </a:solidFill>
-                <a:latin typeface="Arial Narrow" pitchFamily="34" charset="0"/>
-                <a:ea typeface="나눔바른고딕" pitchFamily="50" charset="-127"/>
-              </a:rPr>
-              <a:t>피드백 내용</a:t>
-            </a:r>
-            <a:endParaRPr lang="ko-KR" altLang="en-US" sz="4800" dirty="0">
-              <a:solidFill>
-                <a:srgbClr val="6BC7BF"/>
-              </a:solidFill>
-              <a:latin typeface="나눔바른고딕" pitchFamily="50" charset="-127"/>
-              <a:ea typeface="나눔바른고딕" pitchFamily="50" charset="-127"/>
-            </a:endParaRPr>
-          </a:p>
-        </p:txBody>
-      </p:sp>
       <p:cxnSp>
         <p:nvCxnSpPr>
-          <p:cNvPr id="12" name="직선 연결선 11">
-            <a:extLst>
-              <a:ext uri="{FF2B5EF4-FFF2-40B4-BE49-F238E27FC236}">
-                <a16:creationId xmlns:a16="http://schemas.microsoft.com/office/drawing/2014/main" id="{F80AC6B6-728E-4A64-9826-7F423A7BB79C}"/>
+          <p:cNvPr id="5" name="직선 연결선 4">
+            <a:extLst>
+              <a:ext uri="{FF2B5EF4-FFF2-40B4-BE49-F238E27FC236}">
+                <a16:creationId xmlns:a16="http://schemas.microsoft.com/office/drawing/2014/main" id="{290D60BB-7AD3-47BD-B1F2-9CEAF32875A3}"/>
               </a:ext>
             </a:extLst>
           </p:cNvPr>
@@ -6949,8 +8353,8 @@
         </p:nvCxnSpPr>
         <p:spPr>
           <a:xfrm>
-            <a:off x="1065903" y="1172919"/>
-            <a:ext cx="10060193" cy="0"/>
+            <a:off x="1214482" y="4310010"/>
+            <a:ext cx="9763036" cy="0"/>
           </a:xfrm>
           <a:prstGeom prst="line">
             <a:avLst/>
@@ -6979,10 +8383,209 @@
       </p:cxnSp>
       <p:sp>
         <p:nvSpPr>
-          <p:cNvPr id="16" name="다양한 스마트 헬스케어 제품 출시…">
-            <a:extLst>
-              <a:ext uri="{FF2B5EF4-FFF2-40B4-BE49-F238E27FC236}">
-                <a16:creationId xmlns:a16="http://schemas.microsoft.com/office/drawing/2014/main" id="{41E72F1B-F8D1-4DAB-828A-0B72251BC4D4}"/>
+          <p:cNvPr id="7" name="개발 배경">
+            <a:extLst>
+              <a:ext uri="{FF2B5EF4-FFF2-40B4-BE49-F238E27FC236}">
+                <a16:creationId xmlns:a16="http://schemas.microsoft.com/office/drawing/2014/main" id="{7BCC61F2-9241-4C7E-891D-B602AF36CE71}"/>
+              </a:ext>
+            </a:extLst>
+          </p:cNvPr>
+          <p:cNvSpPr txBox="1">
+            <a:spLocks noGrp="1"/>
+          </p:cNvSpPr>
+          <p:nvPr>
+            <p:ph type="title"/>
+          </p:nvPr>
+        </p:nvSpPr>
+        <p:spPr>
+          <a:xfrm>
+            <a:off x="0" y="1627763"/>
+            <a:ext cx="12191999" cy="3602473"/>
+          </a:xfrm>
+          <a:prstGeom prst="rect">
+            <a:avLst/>
+          </a:prstGeom>
+        </p:spPr>
+        <p:txBody>
+          <a:bodyPr>
+            <a:normAutofit/>
+          </a:bodyPr>
+          <a:lstStyle/>
+          <a:p>
+            <a:pPr algn="ctr"/>
+            <a:r>
+              <a:rPr lang="ko-KR" altLang="en-US" sz="4800" dirty="0">
+                <a:latin typeface="나눔스퀘어" panose="020B0600000101010101" pitchFamily="50" charset="-127"/>
+                <a:ea typeface="나눔스퀘어" panose="020B0600000101010101" pitchFamily="50" charset="-127"/>
+              </a:rPr>
+              <a:t>블루투스 기능 구현</a:t>
+            </a:r>
+            <a:endParaRPr sz="4800" dirty="0">
+              <a:latin typeface="나눔스퀘어" panose="020B0600000101010101" pitchFamily="50" charset="-127"/>
+              <a:ea typeface="나눔스퀘어" panose="020B0600000101010101" pitchFamily="50" charset="-127"/>
+            </a:endParaRPr>
+          </a:p>
+        </p:txBody>
+      </p:sp>
+    </p:spTree>
+    <p:extLst>
+      <p:ext uri="{BB962C8B-B14F-4D97-AF65-F5344CB8AC3E}">
+        <p14:creationId xmlns:p14="http://schemas.microsoft.com/office/powerpoint/2010/main" val="136933586"/>
+      </p:ext>
+    </p:extLst>
+  </p:cSld>
+  <p:clrMapOvr>
+    <a:masterClrMapping/>
+  </p:clrMapOvr>
+</p:sld>
+</file>
+
+<file path=ppt/slides/slide8.xml><?xml version="1.0" encoding="utf-8"?>
+<p:sld xmlns:a="http://schemas.openxmlformats.org/drawingml/2006/main" xmlns:r="http://schemas.openxmlformats.org/officeDocument/2006/relationships" xmlns:p="http://schemas.openxmlformats.org/presentationml/2006/main">
+  <p:cSld>
+    <p:spTree>
+      <p:nvGrpSpPr>
+        <p:cNvPr id="1" name=""/>
+        <p:cNvGrpSpPr/>
+        <p:nvPr/>
+      </p:nvGrpSpPr>
+      <p:grpSpPr>
+        <a:xfrm>
+          <a:off x="0" y="0"/>
+          <a:ext cx="0" cy="0"/>
+          <a:chOff x="0" y="0"/>
+          <a:chExt cx="0" cy="0"/>
+        </a:xfrm>
+      </p:grpSpPr>
+      <p:pic>
+        <p:nvPicPr>
+          <p:cNvPr id="4" name="그림 3" descr="배경.png">
+            <a:extLst>
+              <a:ext uri="{FF2B5EF4-FFF2-40B4-BE49-F238E27FC236}">
+                <a16:creationId xmlns:a16="http://schemas.microsoft.com/office/drawing/2014/main" id="{2F00640A-04D8-44EE-AEB5-B96AB20BCD44}"/>
+              </a:ext>
+            </a:extLst>
+          </p:cNvPr>
+          <p:cNvPicPr>
+            <a:picLocks noChangeAspect="1"/>
+          </p:cNvPicPr>
+          <p:nvPr/>
+        </p:nvPicPr>
+        <p:blipFill>
+          <a:blip r:embed="rId2" cstate="print"/>
+          <a:stretch>
+            <a:fillRect/>
+          </a:stretch>
+        </p:blipFill>
+        <p:spPr>
+          <a:xfrm>
+            <a:off x="0" y="0"/>
+            <a:ext cx="12192000" cy="6858000"/>
+          </a:xfrm>
+          <a:prstGeom prst="rect">
+            <a:avLst/>
+          </a:prstGeom>
+        </p:spPr>
+      </p:pic>
+      <p:sp>
+        <p:nvSpPr>
+          <p:cNvPr id="6" name="TextBox 5">
+            <a:extLst>
+              <a:ext uri="{FF2B5EF4-FFF2-40B4-BE49-F238E27FC236}">
+                <a16:creationId xmlns:a16="http://schemas.microsoft.com/office/drawing/2014/main" id="{42A6955F-C97B-4E5D-AA79-0644E3710CD5}"/>
+              </a:ext>
+            </a:extLst>
+          </p:cNvPr>
+          <p:cNvSpPr txBox="1"/>
+          <p:nvPr/>
+        </p:nvSpPr>
+        <p:spPr>
+          <a:xfrm>
+            <a:off x="4086479" y="341922"/>
+            <a:ext cx="4019049" cy="830997"/>
+          </a:xfrm>
+          <a:prstGeom prst="rect">
+            <a:avLst/>
+          </a:prstGeom>
+          <a:noFill/>
+        </p:spPr>
+        <p:txBody>
+          <a:bodyPr wrap="none" rtlCol="0">
+            <a:spAutoFit/>
+          </a:bodyPr>
+          <a:lstStyle/>
+          <a:p>
+            <a:pPr algn="ctr"/>
+            <a:r>
+              <a:rPr lang="ko-KR" altLang="en-US" sz="4800" dirty="0">
+                <a:solidFill>
+                  <a:srgbClr val="6BC7BF"/>
+                </a:solidFill>
+                <a:latin typeface="Arial Narrow" pitchFamily="34" charset="0"/>
+                <a:ea typeface="나눔바른고딕" pitchFamily="50" charset="-127"/>
+              </a:rPr>
+              <a:t>블루투스 모듈</a:t>
+            </a:r>
+            <a:endParaRPr lang="ko-KR" altLang="en-US" sz="4800" dirty="0">
+              <a:solidFill>
+                <a:srgbClr val="6BC7BF"/>
+              </a:solidFill>
+              <a:latin typeface="나눔바른고딕" pitchFamily="50" charset="-127"/>
+              <a:ea typeface="나눔바른고딕" pitchFamily="50" charset="-127"/>
+            </a:endParaRPr>
+          </a:p>
+        </p:txBody>
+      </p:sp>
+      <p:cxnSp>
+        <p:nvCxnSpPr>
+          <p:cNvPr id="12" name="직선 연결선 11">
+            <a:extLst>
+              <a:ext uri="{FF2B5EF4-FFF2-40B4-BE49-F238E27FC236}">
+                <a16:creationId xmlns:a16="http://schemas.microsoft.com/office/drawing/2014/main" id="{F80AC6B6-728E-4A64-9826-7F423A7BB79C}"/>
+              </a:ext>
+            </a:extLst>
+          </p:cNvPr>
+          <p:cNvCxnSpPr>
+            <a:cxnSpLocks/>
+          </p:cNvCxnSpPr>
+          <p:nvPr/>
+        </p:nvCxnSpPr>
+        <p:spPr>
+          <a:xfrm>
+            <a:off x="1065903" y="1172919"/>
+            <a:ext cx="10060193" cy="0"/>
+          </a:xfrm>
+          <a:prstGeom prst="line">
+            <a:avLst/>
+          </a:prstGeom>
+          <a:ln w="12700">
+            <a:solidFill>
+              <a:srgbClr val="6BC7BF"/>
+            </a:solidFill>
+          </a:ln>
+          <a:effectLst/>
+        </p:spPr>
+        <p:style>
+          <a:lnRef idx="1">
+            <a:schemeClr val="accent1"/>
+          </a:lnRef>
+          <a:fillRef idx="0">
+            <a:schemeClr val="accent1"/>
+          </a:fillRef>
+          <a:effectRef idx="0">
+            <a:schemeClr val="accent1"/>
+          </a:effectRef>
+          <a:fontRef idx="minor">
+            <a:schemeClr val="tx1"/>
+          </a:fontRef>
+        </p:style>
+      </p:cxnSp>
+      <p:sp>
+        <p:nvSpPr>
+          <p:cNvPr id="7" name="다양한 스마트 헬스케어 제품 출시…">
+            <a:extLst>
+              <a:ext uri="{FF2B5EF4-FFF2-40B4-BE49-F238E27FC236}">
+                <a16:creationId xmlns:a16="http://schemas.microsoft.com/office/drawing/2014/main" id="{399E04D2-224C-4A20-97DC-3F40E236C3D1}"/>
               </a:ext>
             </a:extLst>
           </p:cNvPr>
@@ -6993,8 +8596,8 @@
         </p:nvSpPr>
         <p:spPr>
           <a:xfrm>
-            <a:off x="1233996" y="1954733"/>
-            <a:ext cx="9060911" cy="4121451"/>
+            <a:off x="5252312" y="2481464"/>
+            <a:ext cx="6106300" cy="2741386"/>
           </a:xfrm>
           <a:prstGeom prst="rect">
             <a:avLst/>
@@ -7174,1046 +8777,6 @@
                 <a:spcPct val="150000"/>
               </a:lnSpc>
               <a:buSzPct val="50000"/>
-              <a:buFont typeface="Arial" panose="020B0604020202020204" pitchFamily="34" charset="0"/>
-              <a:buBlip>
-                <a:blip r:embed="rId3"/>
-              </a:buBlip>
-            </a:pPr>
-            <a:r>
-              <a:rPr lang="ko-KR" altLang="en-US" sz="3200" dirty="0">
-                <a:latin typeface="나눔고딕" panose="020D0604000000000000" pitchFamily="50" charset="-127"/>
-                <a:ea typeface="나눔고딕" panose="020D0604000000000000" pitchFamily="50" charset="-127"/>
-              </a:rPr>
-              <a:t>작은 움직임 </a:t>
-            </a:r>
-            <a:r>
-              <a:rPr lang="en-US" altLang="ko-KR" sz="3200" dirty="0">
-                <a:latin typeface="나눔고딕" panose="020D0604000000000000" pitchFamily="50" charset="-127"/>
-                <a:ea typeface="나눔고딕" panose="020D0604000000000000" pitchFamily="50" charset="-127"/>
-              </a:rPr>
-              <a:t>(</a:t>
-            </a:r>
-            <a:r>
-              <a:rPr lang="ko-KR" altLang="en-US" sz="3200" dirty="0">
-                <a:latin typeface="나눔고딕" panose="020D0604000000000000" pitchFamily="50" charset="-127"/>
-                <a:ea typeface="나눔고딕" panose="020D0604000000000000" pitchFamily="50" charset="-127"/>
-              </a:rPr>
-              <a:t>전동 칫솔의 진동과 같은</a:t>
-            </a:r>
-            <a:r>
-              <a:rPr lang="en-US" altLang="ko-KR" sz="3200" dirty="0">
-                <a:latin typeface="나눔고딕" panose="020D0604000000000000" pitchFamily="50" charset="-127"/>
-                <a:ea typeface="나눔고딕" panose="020D0604000000000000" pitchFamily="50" charset="-127"/>
-              </a:rPr>
-              <a:t>)</a:t>
-            </a:r>
-            <a:r>
-              <a:rPr lang="ko-KR" altLang="en-US" sz="3200" dirty="0">
-                <a:latin typeface="나눔고딕" panose="020D0604000000000000" pitchFamily="50" charset="-127"/>
-                <a:ea typeface="나눔고딕" panose="020D0604000000000000" pitchFamily="50" charset="-127"/>
-              </a:rPr>
-              <a:t>에 움직이는 것인지 노이즈인지 판별불가</a:t>
-            </a:r>
-            <a:endParaRPr lang="en-US" altLang="ko-KR" sz="3200" dirty="0">
-              <a:latin typeface="나눔고딕" panose="020D0604000000000000" pitchFamily="50" charset="-127"/>
-              <a:ea typeface="나눔고딕" panose="020D0604000000000000" pitchFamily="50" charset="-127"/>
-            </a:endParaRPr>
-          </a:p>
-          <a:p>
-            <a:pPr marL="0" indent="0">
-              <a:lnSpc>
-                <a:spcPct val="150000"/>
-              </a:lnSpc>
-              <a:buSzPct val="50000"/>
-              <a:buNone/>
-            </a:pPr>
-            <a:endParaRPr lang="en-US" altLang="ko-KR" sz="3200" dirty="0">
-              <a:latin typeface="나눔고딕" panose="020D0604000000000000" pitchFamily="50" charset="-127"/>
-              <a:ea typeface="나눔고딕" panose="020D0604000000000000" pitchFamily="50" charset="-127"/>
-            </a:endParaRPr>
-          </a:p>
-          <a:p>
-            <a:pPr marL="0" indent="0">
-              <a:lnSpc>
-                <a:spcPct val="150000"/>
-              </a:lnSpc>
-              <a:buSzPct val="50000"/>
-              <a:buNone/>
-            </a:pPr>
-            <a:r>
-              <a:rPr lang="en-US" altLang="ko-KR" sz="3200" dirty="0">
-                <a:latin typeface="나눔고딕" panose="020D0604000000000000" pitchFamily="50" charset="-127"/>
-                <a:ea typeface="나눔고딕" panose="020D0604000000000000" pitchFamily="50" charset="-127"/>
-              </a:rPr>
-              <a:t>	</a:t>
-            </a:r>
-            <a:r>
-              <a:rPr lang="ko-KR" altLang="en-US" sz="3200" dirty="0">
-                <a:latin typeface="나눔고딕" panose="020D0604000000000000" pitchFamily="50" charset="-127"/>
-                <a:ea typeface="나눔고딕" panose="020D0604000000000000" pitchFamily="50" charset="-127"/>
-              </a:rPr>
-              <a:t>해당 구현 단계에서 테스트 해 볼 수 없는 내용</a:t>
-            </a:r>
-            <a:endParaRPr lang="en-US" altLang="ko-KR" sz="3200" dirty="0">
-              <a:latin typeface="나눔고딕" panose="020D0604000000000000" pitchFamily="50" charset="-127"/>
-              <a:ea typeface="나눔고딕" panose="020D0604000000000000" pitchFamily="50" charset="-127"/>
-            </a:endParaRPr>
-          </a:p>
-          <a:p>
-            <a:pPr marL="0" indent="0">
-              <a:lnSpc>
-                <a:spcPct val="150000"/>
-              </a:lnSpc>
-              <a:buSzPct val="50000"/>
-              <a:buNone/>
-            </a:pPr>
-            <a:r>
-              <a:rPr lang="en-US" altLang="ko-KR" sz="3200" dirty="0">
-                <a:latin typeface="나눔고딕" panose="020D0604000000000000" pitchFamily="50" charset="-127"/>
-                <a:ea typeface="나눔고딕" panose="020D0604000000000000" pitchFamily="50" charset="-127"/>
-              </a:rPr>
-              <a:t>      </a:t>
-            </a:r>
-            <a:r>
-              <a:rPr lang="ko-KR" altLang="en-US" sz="3200" dirty="0">
-                <a:latin typeface="나눔고딕" panose="020D0604000000000000" pitchFamily="50" charset="-127"/>
-                <a:ea typeface="나눔고딕" panose="020D0604000000000000" pitchFamily="50" charset="-127"/>
-              </a:rPr>
-              <a:t>해당 단계의 </a:t>
-            </a:r>
-            <a:r>
-              <a:rPr lang="en-US" altLang="ko-KR" sz="3200" dirty="0">
-                <a:latin typeface="나눔고딕" panose="020D0604000000000000" pitchFamily="50" charset="-127"/>
-                <a:ea typeface="나눔고딕" panose="020D0604000000000000" pitchFamily="50" charset="-127"/>
-              </a:rPr>
-              <a:t>PPT</a:t>
-            </a:r>
-            <a:r>
-              <a:rPr lang="ko-KR" altLang="en-US" sz="3200" dirty="0">
-                <a:latin typeface="나눔고딕" panose="020D0604000000000000" pitchFamily="50" charset="-127"/>
-                <a:ea typeface="나눔고딕" panose="020D0604000000000000" pitchFamily="50" charset="-127"/>
-              </a:rPr>
-              <a:t>에 추가하여 답변할 예정</a:t>
-            </a:r>
-            <a:endParaRPr lang="en-US" altLang="ko-KR" sz="3200" dirty="0">
-              <a:latin typeface="나눔고딕" panose="020D0604000000000000" pitchFamily="50" charset="-127"/>
-              <a:ea typeface="나눔고딕" panose="020D0604000000000000" pitchFamily="50" charset="-127"/>
-            </a:endParaRPr>
-          </a:p>
-        </p:txBody>
-      </p:sp>
-      <p:pic>
-        <p:nvPicPr>
-          <p:cNvPr id="7" name="그림 6" descr="1.png">
-            <a:extLst>
-              <a:ext uri="{FF2B5EF4-FFF2-40B4-BE49-F238E27FC236}">
-                <a16:creationId xmlns:a16="http://schemas.microsoft.com/office/drawing/2014/main" id="{D75A5159-F675-477E-8882-F4BF103E7E1B}"/>
-              </a:ext>
-            </a:extLst>
-          </p:cNvPr>
-          <p:cNvPicPr>
-            <a:picLocks noChangeAspect="1"/>
-          </p:cNvPicPr>
-          <p:nvPr/>
-        </p:nvPicPr>
-        <p:blipFill>
-          <a:blip r:embed="rId4" cstate="print"/>
-          <a:stretch>
-            <a:fillRect/>
-          </a:stretch>
-        </p:blipFill>
-        <p:spPr>
-          <a:xfrm>
-            <a:off x="1233996" y="2156654"/>
-            <a:ext cx="516800" cy="541025"/>
-          </a:xfrm>
-          <a:prstGeom prst="rect">
-            <a:avLst/>
-          </a:prstGeom>
-        </p:spPr>
-      </p:pic>
-      <p:sp>
-        <p:nvSpPr>
-          <p:cNvPr id="2" name="화살표: 오른쪽 1">
-            <a:extLst>
-              <a:ext uri="{FF2B5EF4-FFF2-40B4-BE49-F238E27FC236}">
-                <a16:creationId xmlns:a16="http://schemas.microsoft.com/office/drawing/2014/main" id="{B0834DD1-30FA-4E6F-A5F7-B3A65E069530}"/>
-              </a:ext>
-            </a:extLst>
-          </p:cNvPr>
-          <p:cNvSpPr/>
-          <p:nvPr/>
-        </p:nvSpPr>
-        <p:spPr>
-          <a:xfrm>
-            <a:off x="1397876" y="4708634"/>
-            <a:ext cx="516800" cy="315252"/>
-          </a:xfrm>
-          <a:prstGeom prst="rightArrow">
-            <a:avLst/>
-          </a:prstGeom>
-          <a:solidFill>
-            <a:srgbClr val="6BC7BF"/>
-          </a:solidFill>
-          <a:ln>
-            <a:noFill/>
-          </a:ln>
-        </p:spPr>
-        <p:style>
-          <a:lnRef idx="2">
-            <a:schemeClr val="accent1">
-              <a:shade val="50000"/>
-            </a:schemeClr>
-          </a:lnRef>
-          <a:fillRef idx="1">
-            <a:schemeClr val="accent1"/>
-          </a:fillRef>
-          <a:effectRef idx="0">
-            <a:schemeClr val="accent1"/>
-          </a:effectRef>
-          <a:fontRef idx="minor">
-            <a:schemeClr val="lt1"/>
-          </a:fontRef>
-        </p:style>
-        <p:txBody>
-          <a:bodyPr rtlCol="0" anchor="ctr"/>
-          <a:lstStyle/>
-          <a:p>
-            <a:pPr algn="ctr"/>
-            <a:endParaRPr lang="ko-KR" altLang="en-US"/>
-          </a:p>
-        </p:txBody>
-      </p:sp>
-    </p:spTree>
-    <p:extLst>
-      <p:ext uri="{BB962C8B-B14F-4D97-AF65-F5344CB8AC3E}">
-        <p14:creationId xmlns:p14="http://schemas.microsoft.com/office/powerpoint/2010/main" val="248201222"/>
-      </p:ext>
-    </p:extLst>
-  </p:cSld>
-  <p:clrMapOvr>
-    <a:masterClrMapping/>
-  </p:clrMapOvr>
-</p:sld>
-</file>
-
-<file path=ppt/slides/slide5.xml><?xml version="1.0" encoding="utf-8"?>
-<p:sld xmlns:a="http://schemas.openxmlformats.org/drawingml/2006/main" xmlns:r="http://schemas.openxmlformats.org/officeDocument/2006/relationships" xmlns:p="http://schemas.openxmlformats.org/presentationml/2006/main">
-  <p:cSld>
-    <p:spTree>
-      <p:nvGrpSpPr>
-        <p:cNvPr id="1" name=""/>
-        <p:cNvGrpSpPr/>
-        <p:nvPr/>
-      </p:nvGrpSpPr>
-      <p:grpSpPr>
-        <a:xfrm>
-          <a:off x="0" y="0"/>
-          <a:ext cx="0" cy="0"/>
-          <a:chOff x="0" y="0"/>
-          <a:chExt cx="0" cy="0"/>
-        </a:xfrm>
-      </p:grpSpPr>
-      <p:pic>
-        <p:nvPicPr>
-          <p:cNvPr id="4" name="그림 3" descr="배경.png">
-            <a:extLst>
-              <a:ext uri="{FF2B5EF4-FFF2-40B4-BE49-F238E27FC236}">
-                <a16:creationId xmlns:a16="http://schemas.microsoft.com/office/drawing/2014/main" id="{2F00640A-04D8-44EE-AEB5-B96AB20BCD44}"/>
-              </a:ext>
-            </a:extLst>
-          </p:cNvPr>
-          <p:cNvPicPr>
-            <a:picLocks noChangeAspect="1"/>
-          </p:cNvPicPr>
-          <p:nvPr/>
-        </p:nvPicPr>
-        <p:blipFill>
-          <a:blip r:embed="rId2" cstate="print"/>
-          <a:stretch>
-            <a:fillRect/>
-          </a:stretch>
-        </p:blipFill>
-        <p:spPr>
-          <a:xfrm>
-            <a:off x="1" y="0"/>
-            <a:ext cx="12192000" cy="6858000"/>
-          </a:xfrm>
-          <a:prstGeom prst="rect">
-            <a:avLst/>
-          </a:prstGeom>
-        </p:spPr>
-      </p:pic>
-      <p:cxnSp>
-        <p:nvCxnSpPr>
-          <p:cNvPr id="5" name="직선 연결선 4">
-            <a:extLst>
-              <a:ext uri="{FF2B5EF4-FFF2-40B4-BE49-F238E27FC236}">
-                <a16:creationId xmlns:a16="http://schemas.microsoft.com/office/drawing/2014/main" id="{290D60BB-7AD3-47BD-B1F2-9CEAF32875A3}"/>
-              </a:ext>
-            </a:extLst>
-          </p:cNvPr>
-          <p:cNvCxnSpPr>
-            <a:cxnSpLocks/>
-          </p:cNvCxnSpPr>
-          <p:nvPr/>
-        </p:nvCxnSpPr>
-        <p:spPr>
-          <a:xfrm>
-            <a:off x="1214482" y="4310010"/>
-            <a:ext cx="9763036" cy="0"/>
-          </a:xfrm>
-          <a:prstGeom prst="line">
-            <a:avLst/>
-          </a:prstGeom>
-          <a:ln w="12700">
-            <a:solidFill>
-              <a:srgbClr val="6BC7BF"/>
-            </a:solidFill>
-          </a:ln>
-          <a:effectLst/>
-        </p:spPr>
-        <p:style>
-          <a:lnRef idx="1">
-            <a:schemeClr val="accent1"/>
-          </a:lnRef>
-          <a:fillRef idx="0">
-            <a:schemeClr val="accent1"/>
-          </a:fillRef>
-          <a:effectRef idx="0">
-            <a:schemeClr val="accent1"/>
-          </a:effectRef>
-          <a:fontRef idx="minor">
-            <a:schemeClr val="tx1"/>
-          </a:fontRef>
-        </p:style>
-      </p:cxnSp>
-      <p:sp>
-        <p:nvSpPr>
-          <p:cNvPr id="7" name="개발 배경">
-            <a:extLst>
-              <a:ext uri="{FF2B5EF4-FFF2-40B4-BE49-F238E27FC236}">
-                <a16:creationId xmlns:a16="http://schemas.microsoft.com/office/drawing/2014/main" id="{7BCC61F2-9241-4C7E-891D-B602AF36CE71}"/>
-              </a:ext>
-            </a:extLst>
-          </p:cNvPr>
-          <p:cNvSpPr txBox="1">
-            <a:spLocks noGrp="1"/>
-          </p:cNvSpPr>
-          <p:nvPr>
-            <p:ph type="title"/>
-          </p:nvPr>
-        </p:nvSpPr>
-        <p:spPr>
-          <a:xfrm>
-            <a:off x="0" y="1627763"/>
-            <a:ext cx="12191999" cy="3602473"/>
-          </a:xfrm>
-          <a:prstGeom prst="rect">
-            <a:avLst/>
-          </a:prstGeom>
-        </p:spPr>
-        <p:txBody>
-          <a:bodyPr>
-            <a:normAutofit/>
-          </a:bodyPr>
-          <a:lstStyle/>
-          <a:p>
-            <a:pPr algn="ctr"/>
-            <a:r>
-              <a:rPr lang="ko-KR" altLang="en-US" sz="6000" dirty="0"/>
-              <a:t>프로젝트 진행 상황</a:t>
-            </a:r>
-            <a:endParaRPr sz="6000" dirty="0">
-              <a:latin typeface="나눔스퀘어" panose="020B0600000101010101" pitchFamily="50" charset="-127"/>
-              <a:ea typeface="나눔스퀘어" panose="020B0600000101010101" pitchFamily="50" charset="-127"/>
-            </a:endParaRPr>
-          </a:p>
-        </p:txBody>
-      </p:sp>
-    </p:spTree>
-    <p:extLst>
-      <p:ext uri="{BB962C8B-B14F-4D97-AF65-F5344CB8AC3E}">
-        <p14:creationId xmlns:p14="http://schemas.microsoft.com/office/powerpoint/2010/main" val="2675355090"/>
-      </p:ext>
-    </p:extLst>
-  </p:cSld>
-  <p:clrMapOvr>
-    <a:masterClrMapping/>
-  </p:clrMapOvr>
-</p:sld>
-</file>
-
-<file path=ppt/slides/slide6.xml><?xml version="1.0" encoding="utf-8"?>
-<p:sld xmlns:a="http://schemas.openxmlformats.org/drawingml/2006/main" xmlns:r="http://schemas.openxmlformats.org/officeDocument/2006/relationships" xmlns:p="http://schemas.openxmlformats.org/presentationml/2006/main">
-  <p:cSld>
-    <p:spTree>
-      <p:nvGrpSpPr>
-        <p:cNvPr id="1" name=""/>
-        <p:cNvGrpSpPr/>
-        <p:nvPr/>
-      </p:nvGrpSpPr>
-      <p:grpSpPr>
-        <a:xfrm>
-          <a:off x="0" y="0"/>
-          <a:ext cx="0" cy="0"/>
-          <a:chOff x="0" y="0"/>
-          <a:chExt cx="0" cy="0"/>
-        </a:xfrm>
-      </p:grpSpPr>
-      <p:pic>
-        <p:nvPicPr>
-          <p:cNvPr id="4" name="그림 3" descr="배경.png">
-            <a:extLst>
-              <a:ext uri="{FF2B5EF4-FFF2-40B4-BE49-F238E27FC236}">
-                <a16:creationId xmlns:a16="http://schemas.microsoft.com/office/drawing/2014/main" id="{2F00640A-04D8-44EE-AEB5-B96AB20BCD44}"/>
-              </a:ext>
-            </a:extLst>
-          </p:cNvPr>
-          <p:cNvPicPr>
-            <a:picLocks noChangeAspect="1"/>
-          </p:cNvPicPr>
-          <p:nvPr/>
-        </p:nvPicPr>
-        <p:blipFill>
-          <a:blip r:embed="rId2" cstate="print"/>
-          <a:stretch>
-            <a:fillRect/>
-          </a:stretch>
-        </p:blipFill>
-        <p:spPr>
-          <a:xfrm>
-            <a:off x="1" y="0"/>
-            <a:ext cx="12192000" cy="6858000"/>
-          </a:xfrm>
-          <a:prstGeom prst="rect">
-            <a:avLst/>
-          </a:prstGeom>
-        </p:spPr>
-      </p:pic>
-      <p:sp>
-        <p:nvSpPr>
-          <p:cNvPr id="6" name="TextBox 5">
-            <a:extLst>
-              <a:ext uri="{FF2B5EF4-FFF2-40B4-BE49-F238E27FC236}">
-                <a16:creationId xmlns:a16="http://schemas.microsoft.com/office/drawing/2014/main" id="{42A6955F-C97B-4E5D-AA79-0644E3710CD5}"/>
-              </a:ext>
-            </a:extLst>
-          </p:cNvPr>
-          <p:cNvSpPr txBox="1"/>
-          <p:nvPr/>
-        </p:nvSpPr>
-        <p:spPr>
-          <a:xfrm>
-            <a:off x="4086476" y="341922"/>
-            <a:ext cx="4019049" cy="830997"/>
-          </a:xfrm>
-          <a:prstGeom prst="rect">
-            <a:avLst/>
-          </a:prstGeom>
-          <a:noFill/>
-        </p:spPr>
-        <p:txBody>
-          <a:bodyPr wrap="none" rtlCol="0">
-            <a:spAutoFit/>
-          </a:bodyPr>
-          <a:lstStyle/>
-          <a:p>
-            <a:pPr algn="ctr"/>
-            <a:r>
-              <a:rPr lang="ko-KR" altLang="en-US" sz="4800" dirty="0">
-                <a:solidFill>
-                  <a:srgbClr val="6BC7BF"/>
-                </a:solidFill>
-                <a:latin typeface="Arial Narrow" pitchFamily="34" charset="0"/>
-                <a:ea typeface="나눔바른고딕" pitchFamily="50" charset="-127"/>
-              </a:rPr>
-              <a:t>개발 진행사항</a:t>
-            </a:r>
-            <a:endParaRPr lang="ko-KR" altLang="en-US" sz="4800" dirty="0">
-              <a:solidFill>
-                <a:srgbClr val="6BC7BF"/>
-              </a:solidFill>
-              <a:latin typeface="나눔바른고딕" pitchFamily="50" charset="-127"/>
-              <a:ea typeface="나눔바른고딕" pitchFamily="50" charset="-127"/>
-            </a:endParaRPr>
-          </a:p>
-        </p:txBody>
-      </p:sp>
-      <p:cxnSp>
-        <p:nvCxnSpPr>
-          <p:cNvPr id="12" name="직선 연결선 11">
-            <a:extLst>
-              <a:ext uri="{FF2B5EF4-FFF2-40B4-BE49-F238E27FC236}">
-                <a16:creationId xmlns:a16="http://schemas.microsoft.com/office/drawing/2014/main" id="{F80AC6B6-728E-4A64-9826-7F423A7BB79C}"/>
-              </a:ext>
-            </a:extLst>
-          </p:cNvPr>
-          <p:cNvCxnSpPr>
-            <a:cxnSpLocks/>
-          </p:cNvCxnSpPr>
-          <p:nvPr/>
-        </p:nvCxnSpPr>
-        <p:spPr>
-          <a:xfrm>
-            <a:off x="1065903" y="1172919"/>
-            <a:ext cx="10060193" cy="0"/>
-          </a:xfrm>
-          <a:prstGeom prst="line">
-            <a:avLst/>
-          </a:prstGeom>
-          <a:ln w="12700">
-            <a:solidFill>
-              <a:srgbClr val="6BC7BF"/>
-            </a:solidFill>
-          </a:ln>
-          <a:effectLst/>
-        </p:spPr>
-        <p:style>
-          <a:lnRef idx="1">
-            <a:schemeClr val="accent1"/>
-          </a:lnRef>
-          <a:fillRef idx="0">
-            <a:schemeClr val="accent1"/>
-          </a:fillRef>
-          <a:effectRef idx="0">
-            <a:schemeClr val="accent1"/>
-          </a:effectRef>
-          <a:fontRef idx="minor">
-            <a:schemeClr val="tx1"/>
-          </a:fontRef>
-        </p:style>
-      </p:cxnSp>
-      <p:pic>
-        <p:nvPicPr>
-          <p:cNvPr id="7" name="그림 6">
-            <a:extLst>
-              <a:ext uri="{FF2B5EF4-FFF2-40B4-BE49-F238E27FC236}">
-                <a16:creationId xmlns:a16="http://schemas.microsoft.com/office/drawing/2014/main" id="{F2228DDE-DC4F-4B07-A283-307E22D31DEF}"/>
-              </a:ext>
-            </a:extLst>
-          </p:cNvPr>
-          <p:cNvPicPr>
-            <a:picLocks noChangeAspect="1"/>
-          </p:cNvPicPr>
-          <p:nvPr/>
-        </p:nvPicPr>
-        <p:blipFill>
-          <a:blip r:embed="rId3"/>
-          <a:stretch>
-            <a:fillRect/>
-          </a:stretch>
-        </p:blipFill>
-        <p:spPr>
-          <a:xfrm>
-            <a:off x="2575604" y="1450009"/>
-            <a:ext cx="7040791" cy="5066069"/>
-          </a:xfrm>
-          <a:prstGeom prst="rect">
-            <a:avLst/>
-          </a:prstGeom>
-        </p:spPr>
-      </p:pic>
-    </p:spTree>
-    <p:extLst>
-      <p:ext uri="{BB962C8B-B14F-4D97-AF65-F5344CB8AC3E}">
-        <p14:creationId xmlns:p14="http://schemas.microsoft.com/office/powerpoint/2010/main" val="621426112"/>
-      </p:ext>
-    </p:extLst>
-  </p:cSld>
-  <p:clrMapOvr>
-    <a:masterClrMapping/>
-  </p:clrMapOvr>
-</p:sld>
-</file>
-
-<file path=ppt/slides/slide7.xml><?xml version="1.0" encoding="utf-8"?>
-<p:sld xmlns:a="http://schemas.openxmlformats.org/drawingml/2006/main" xmlns:r="http://schemas.openxmlformats.org/officeDocument/2006/relationships" xmlns:p="http://schemas.openxmlformats.org/presentationml/2006/main">
-  <p:cSld>
-    <p:spTree>
-      <p:nvGrpSpPr>
-        <p:cNvPr id="1" name=""/>
-        <p:cNvGrpSpPr/>
-        <p:nvPr/>
-      </p:nvGrpSpPr>
-      <p:grpSpPr>
-        <a:xfrm>
-          <a:off x="0" y="0"/>
-          <a:ext cx="0" cy="0"/>
-          <a:chOff x="0" y="0"/>
-          <a:chExt cx="0" cy="0"/>
-        </a:xfrm>
-      </p:grpSpPr>
-      <p:pic>
-        <p:nvPicPr>
-          <p:cNvPr id="4" name="그림 3" descr="배경.png">
-            <a:extLst>
-              <a:ext uri="{FF2B5EF4-FFF2-40B4-BE49-F238E27FC236}">
-                <a16:creationId xmlns:a16="http://schemas.microsoft.com/office/drawing/2014/main" id="{2F00640A-04D8-44EE-AEB5-B96AB20BCD44}"/>
-              </a:ext>
-            </a:extLst>
-          </p:cNvPr>
-          <p:cNvPicPr>
-            <a:picLocks noChangeAspect="1"/>
-          </p:cNvPicPr>
-          <p:nvPr/>
-        </p:nvPicPr>
-        <p:blipFill>
-          <a:blip r:embed="rId2" cstate="print"/>
-          <a:stretch>
-            <a:fillRect/>
-          </a:stretch>
-        </p:blipFill>
-        <p:spPr>
-          <a:xfrm>
-            <a:off x="1" y="0"/>
-            <a:ext cx="12192000" cy="6858000"/>
-          </a:xfrm>
-          <a:prstGeom prst="rect">
-            <a:avLst/>
-          </a:prstGeom>
-        </p:spPr>
-      </p:pic>
-      <p:cxnSp>
-        <p:nvCxnSpPr>
-          <p:cNvPr id="5" name="직선 연결선 4">
-            <a:extLst>
-              <a:ext uri="{FF2B5EF4-FFF2-40B4-BE49-F238E27FC236}">
-                <a16:creationId xmlns:a16="http://schemas.microsoft.com/office/drawing/2014/main" id="{290D60BB-7AD3-47BD-B1F2-9CEAF32875A3}"/>
-              </a:ext>
-            </a:extLst>
-          </p:cNvPr>
-          <p:cNvCxnSpPr>
-            <a:cxnSpLocks/>
-          </p:cNvCxnSpPr>
-          <p:nvPr/>
-        </p:nvCxnSpPr>
-        <p:spPr>
-          <a:xfrm>
-            <a:off x="1214482" y="4310010"/>
-            <a:ext cx="9763036" cy="0"/>
-          </a:xfrm>
-          <a:prstGeom prst="line">
-            <a:avLst/>
-          </a:prstGeom>
-          <a:ln w="12700">
-            <a:solidFill>
-              <a:srgbClr val="6BC7BF"/>
-            </a:solidFill>
-          </a:ln>
-          <a:effectLst/>
-        </p:spPr>
-        <p:style>
-          <a:lnRef idx="1">
-            <a:schemeClr val="accent1"/>
-          </a:lnRef>
-          <a:fillRef idx="0">
-            <a:schemeClr val="accent1"/>
-          </a:fillRef>
-          <a:effectRef idx="0">
-            <a:schemeClr val="accent1"/>
-          </a:effectRef>
-          <a:fontRef idx="minor">
-            <a:schemeClr val="tx1"/>
-          </a:fontRef>
-        </p:style>
-      </p:cxnSp>
-      <p:sp>
-        <p:nvSpPr>
-          <p:cNvPr id="7" name="개발 배경">
-            <a:extLst>
-              <a:ext uri="{FF2B5EF4-FFF2-40B4-BE49-F238E27FC236}">
-                <a16:creationId xmlns:a16="http://schemas.microsoft.com/office/drawing/2014/main" id="{7BCC61F2-9241-4C7E-891D-B602AF36CE71}"/>
-              </a:ext>
-            </a:extLst>
-          </p:cNvPr>
-          <p:cNvSpPr txBox="1">
-            <a:spLocks noGrp="1"/>
-          </p:cNvSpPr>
-          <p:nvPr>
-            <p:ph type="title"/>
-          </p:nvPr>
-        </p:nvSpPr>
-        <p:spPr>
-          <a:xfrm>
-            <a:off x="0" y="1627763"/>
-            <a:ext cx="12191999" cy="3602473"/>
-          </a:xfrm>
-          <a:prstGeom prst="rect">
-            <a:avLst/>
-          </a:prstGeom>
-        </p:spPr>
-        <p:txBody>
-          <a:bodyPr>
-            <a:normAutofit/>
-          </a:bodyPr>
-          <a:lstStyle/>
-          <a:p>
-            <a:pPr algn="ctr"/>
-            <a:r>
-              <a:rPr lang="ko-KR" altLang="en-US" sz="4800" dirty="0">
-                <a:latin typeface="나눔스퀘어" panose="020B0600000101010101" pitchFamily="50" charset="-127"/>
-                <a:ea typeface="나눔스퀘어" panose="020B0600000101010101" pitchFamily="50" charset="-127"/>
-              </a:rPr>
-              <a:t>블루투스 기능 구현</a:t>
-            </a:r>
-            <a:endParaRPr sz="4800" dirty="0">
-              <a:latin typeface="나눔스퀘어" panose="020B0600000101010101" pitchFamily="50" charset="-127"/>
-              <a:ea typeface="나눔스퀘어" panose="020B0600000101010101" pitchFamily="50" charset="-127"/>
-            </a:endParaRPr>
-          </a:p>
-        </p:txBody>
-      </p:sp>
-    </p:spTree>
-    <p:extLst>
-      <p:ext uri="{BB962C8B-B14F-4D97-AF65-F5344CB8AC3E}">
-        <p14:creationId xmlns:p14="http://schemas.microsoft.com/office/powerpoint/2010/main" val="136933586"/>
-      </p:ext>
-    </p:extLst>
-  </p:cSld>
-  <p:clrMapOvr>
-    <a:masterClrMapping/>
-  </p:clrMapOvr>
-</p:sld>
-</file>
-
-<file path=ppt/slides/slide8.xml><?xml version="1.0" encoding="utf-8"?>
-<p:sld xmlns:a="http://schemas.openxmlformats.org/drawingml/2006/main" xmlns:r="http://schemas.openxmlformats.org/officeDocument/2006/relationships" xmlns:p="http://schemas.openxmlformats.org/presentationml/2006/main">
-  <p:cSld>
-    <p:spTree>
-      <p:nvGrpSpPr>
-        <p:cNvPr id="1" name=""/>
-        <p:cNvGrpSpPr/>
-        <p:nvPr/>
-      </p:nvGrpSpPr>
-      <p:grpSpPr>
-        <a:xfrm>
-          <a:off x="0" y="0"/>
-          <a:ext cx="0" cy="0"/>
-          <a:chOff x="0" y="0"/>
-          <a:chExt cx="0" cy="0"/>
-        </a:xfrm>
-      </p:grpSpPr>
-      <p:pic>
-        <p:nvPicPr>
-          <p:cNvPr id="4" name="그림 3" descr="배경.png">
-            <a:extLst>
-              <a:ext uri="{FF2B5EF4-FFF2-40B4-BE49-F238E27FC236}">
-                <a16:creationId xmlns:a16="http://schemas.microsoft.com/office/drawing/2014/main" id="{2F00640A-04D8-44EE-AEB5-B96AB20BCD44}"/>
-              </a:ext>
-            </a:extLst>
-          </p:cNvPr>
-          <p:cNvPicPr>
-            <a:picLocks noChangeAspect="1"/>
-          </p:cNvPicPr>
-          <p:nvPr/>
-        </p:nvPicPr>
-        <p:blipFill>
-          <a:blip r:embed="rId2" cstate="print"/>
-          <a:stretch>
-            <a:fillRect/>
-          </a:stretch>
-        </p:blipFill>
-        <p:spPr>
-          <a:xfrm>
-            <a:off x="-71021" y="0"/>
-            <a:ext cx="12192000" cy="6858000"/>
-          </a:xfrm>
-          <a:prstGeom prst="rect">
-            <a:avLst/>
-          </a:prstGeom>
-        </p:spPr>
-      </p:pic>
-      <p:sp>
-        <p:nvSpPr>
-          <p:cNvPr id="6" name="TextBox 5">
-            <a:extLst>
-              <a:ext uri="{FF2B5EF4-FFF2-40B4-BE49-F238E27FC236}">
-                <a16:creationId xmlns:a16="http://schemas.microsoft.com/office/drawing/2014/main" id="{42A6955F-C97B-4E5D-AA79-0644E3710CD5}"/>
-              </a:ext>
-            </a:extLst>
-          </p:cNvPr>
-          <p:cNvSpPr txBox="1"/>
-          <p:nvPr/>
-        </p:nvSpPr>
-        <p:spPr>
-          <a:xfrm>
-            <a:off x="4086479" y="341922"/>
-            <a:ext cx="4019049" cy="830997"/>
-          </a:xfrm>
-          <a:prstGeom prst="rect">
-            <a:avLst/>
-          </a:prstGeom>
-          <a:noFill/>
-        </p:spPr>
-        <p:txBody>
-          <a:bodyPr wrap="none" rtlCol="0">
-            <a:spAutoFit/>
-          </a:bodyPr>
-          <a:lstStyle/>
-          <a:p>
-            <a:pPr algn="ctr"/>
-            <a:r>
-              <a:rPr lang="ko-KR" altLang="en-US" sz="4800" dirty="0">
-                <a:solidFill>
-                  <a:srgbClr val="6BC7BF"/>
-                </a:solidFill>
-                <a:latin typeface="Arial Narrow" pitchFamily="34" charset="0"/>
-                <a:ea typeface="나눔바른고딕" pitchFamily="50" charset="-127"/>
-              </a:rPr>
-              <a:t>블루투스 모듈</a:t>
-            </a:r>
-            <a:endParaRPr lang="ko-KR" altLang="en-US" sz="4800" dirty="0">
-              <a:solidFill>
-                <a:srgbClr val="6BC7BF"/>
-              </a:solidFill>
-              <a:latin typeface="나눔바른고딕" pitchFamily="50" charset="-127"/>
-              <a:ea typeface="나눔바른고딕" pitchFamily="50" charset="-127"/>
-            </a:endParaRPr>
-          </a:p>
-        </p:txBody>
-      </p:sp>
-      <p:cxnSp>
-        <p:nvCxnSpPr>
-          <p:cNvPr id="12" name="직선 연결선 11">
-            <a:extLst>
-              <a:ext uri="{FF2B5EF4-FFF2-40B4-BE49-F238E27FC236}">
-                <a16:creationId xmlns:a16="http://schemas.microsoft.com/office/drawing/2014/main" id="{F80AC6B6-728E-4A64-9826-7F423A7BB79C}"/>
-              </a:ext>
-            </a:extLst>
-          </p:cNvPr>
-          <p:cNvCxnSpPr>
-            <a:cxnSpLocks/>
-          </p:cNvCxnSpPr>
-          <p:nvPr/>
-        </p:nvCxnSpPr>
-        <p:spPr>
-          <a:xfrm>
-            <a:off x="1065903" y="1172919"/>
-            <a:ext cx="10060193" cy="0"/>
-          </a:xfrm>
-          <a:prstGeom prst="line">
-            <a:avLst/>
-          </a:prstGeom>
-          <a:ln w="12700">
-            <a:solidFill>
-              <a:srgbClr val="6BC7BF"/>
-            </a:solidFill>
-          </a:ln>
-          <a:effectLst/>
-        </p:spPr>
-        <p:style>
-          <a:lnRef idx="1">
-            <a:schemeClr val="accent1"/>
-          </a:lnRef>
-          <a:fillRef idx="0">
-            <a:schemeClr val="accent1"/>
-          </a:fillRef>
-          <a:effectRef idx="0">
-            <a:schemeClr val="accent1"/>
-          </a:effectRef>
-          <a:fontRef idx="minor">
-            <a:schemeClr val="tx1"/>
-          </a:fontRef>
-        </p:style>
-      </p:cxnSp>
-      <p:sp>
-        <p:nvSpPr>
-          <p:cNvPr id="7" name="다양한 스마트 헬스케어 제품 출시…">
-            <a:extLst>
-              <a:ext uri="{FF2B5EF4-FFF2-40B4-BE49-F238E27FC236}">
-                <a16:creationId xmlns:a16="http://schemas.microsoft.com/office/drawing/2014/main" id="{399E04D2-224C-4A20-97DC-3F40E236C3D1}"/>
-              </a:ext>
-            </a:extLst>
-          </p:cNvPr>
-          <p:cNvSpPr txBox="1">
-            <a:spLocks/>
-          </p:cNvSpPr>
-          <p:nvPr/>
-        </p:nvSpPr>
-        <p:spPr>
-          <a:xfrm>
-            <a:off x="5252312" y="2481464"/>
-            <a:ext cx="6106300" cy="2741386"/>
-          </a:xfrm>
-          <a:prstGeom prst="rect">
-            <a:avLst/>
-          </a:prstGeom>
-        </p:spPr>
-        <p:txBody>
-          <a:bodyPr vert="horz" lIns="91440" tIns="45720" rIns="91440" bIns="45720" rtlCol="0">
-            <a:normAutofit/>
-          </a:bodyPr>
-          <a:lstStyle>
-            <a:lvl1pPr marL="228600" indent="-228600" algn="l" defTabSz="914400" rtl="0" eaLnBrk="1" latinLnBrk="1" hangingPunct="1">
-              <a:lnSpc>
-                <a:spcPct val="90000"/>
-              </a:lnSpc>
-              <a:spcBef>
-                <a:spcPts val="1000"/>
-              </a:spcBef>
-              <a:buFont typeface="Arial" panose="020B0604020202020204" pitchFamily="34" charset="0"/>
-              <a:buChar char="•"/>
-              <a:defRPr sz="2800" kern="1200">
-                <a:solidFill>
-                  <a:schemeClr val="tx1"/>
-                </a:solidFill>
-                <a:latin typeface="+mn-lt"/>
-                <a:ea typeface="+mn-ea"/>
-                <a:cs typeface="+mn-cs"/>
-              </a:defRPr>
-            </a:lvl1pPr>
-            <a:lvl2pPr marL="685800" indent="-228600" algn="l" defTabSz="914400" rtl="0" eaLnBrk="1" latinLnBrk="1" hangingPunct="1">
-              <a:lnSpc>
-                <a:spcPct val="90000"/>
-              </a:lnSpc>
-              <a:spcBef>
-                <a:spcPts val="500"/>
-              </a:spcBef>
-              <a:buFont typeface="Arial" panose="020B0604020202020204" pitchFamily="34" charset="0"/>
-              <a:buChar char="•"/>
-              <a:defRPr sz="2400" kern="1200">
-                <a:solidFill>
-                  <a:schemeClr val="tx1"/>
-                </a:solidFill>
-                <a:latin typeface="+mn-lt"/>
-                <a:ea typeface="+mn-ea"/>
-                <a:cs typeface="+mn-cs"/>
-              </a:defRPr>
-            </a:lvl2pPr>
-            <a:lvl3pPr marL="1143000" indent="-228600" algn="l" defTabSz="914400" rtl="0" eaLnBrk="1" latinLnBrk="1" hangingPunct="1">
-              <a:lnSpc>
-                <a:spcPct val="90000"/>
-              </a:lnSpc>
-              <a:spcBef>
-                <a:spcPts val="500"/>
-              </a:spcBef>
-              <a:buFont typeface="Arial" panose="020B0604020202020204" pitchFamily="34" charset="0"/>
-              <a:buChar char="•"/>
-              <a:defRPr sz="2000" kern="1200">
-                <a:solidFill>
-                  <a:schemeClr val="tx1"/>
-                </a:solidFill>
-                <a:latin typeface="+mn-lt"/>
-                <a:ea typeface="+mn-ea"/>
-                <a:cs typeface="+mn-cs"/>
-              </a:defRPr>
-            </a:lvl3pPr>
-            <a:lvl4pPr marL="1600200" indent="-228600" algn="l" defTabSz="914400" rtl="0" eaLnBrk="1" latinLnBrk="1" hangingPunct="1">
-              <a:lnSpc>
-                <a:spcPct val="90000"/>
-              </a:lnSpc>
-              <a:spcBef>
-                <a:spcPts val="500"/>
-              </a:spcBef>
-              <a:buFont typeface="Arial" panose="020B0604020202020204" pitchFamily="34" charset="0"/>
-              <a:buChar char="•"/>
-              <a:defRPr sz="1800" kern="1200">
-                <a:solidFill>
-                  <a:schemeClr val="tx1"/>
-                </a:solidFill>
-                <a:latin typeface="+mn-lt"/>
-                <a:ea typeface="+mn-ea"/>
-                <a:cs typeface="+mn-cs"/>
-              </a:defRPr>
-            </a:lvl4pPr>
-            <a:lvl5pPr marL="2057400" indent="-228600" algn="l" defTabSz="914400" rtl="0" eaLnBrk="1" latinLnBrk="1" hangingPunct="1">
-              <a:lnSpc>
-                <a:spcPct val="90000"/>
-              </a:lnSpc>
-              <a:spcBef>
-                <a:spcPts val="500"/>
-              </a:spcBef>
-              <a:buFont typeface="Arial" panose="020B0604020202020204" pitchFamily="34" charset="0"/>
-              <a:buChar char="•"/>
-              <a:defRPr sz="1800" kern="1200">
-                <a:solidFill>
-                  <a:schemeClr val="tx1"/>
-                </a:solidFill>
-                <a:latin typeface="+mn-lt"/>
-                <a:ea typeface="+mn-ea"/>
-                <a:cs typeface="+mn-cs"/>
-              </a:defRPr>
-            </a:lvl5pPr>
-            <a:lvl6pPr marL="2514600" indent="-228600" algn="l" defTabSz="914400" rtl="0" eaLnBrk="1" latinLnBrk="1" hangingPunct="1">
-              <a:lnSpc>
-                <a:spcPct val="90000"/>
-              </a:lnSpc>
-              <a:spcBef>
-                <a:spcPts val="500"/>
-              </a:spcBef>
-              <a:buFont typeface="Arial" panose="020B0604020202020204" pitchFamily="34" charset="0"/>
-              <a:buChar char="•"/>
-              <a:defRPr sz="1800" kern="1200">
-                <a:solidFill>
-                  <a:schemeClr val="tx1"/>
-                </a:solidFill>
-                <a:latin typeface="+mn-lt"/>
-                <a:ea typeface="+mn-ea"/>
-                <a:cs typeface="+mn-cs"/>
-              </a:defRPr>
-            </a:lvl6pPr>
-            <a:lvl7pPr marL="2971800" indent="-228600" algn="l" defTabSz="914400" rtl="0" eaLnBrk="1" latinLnBrk="1" hangingPunct="1">
-              <a:lnSpc>
-                <a:spcPct val="90000"/>
-              </a:lnSpc>
-              <a:spcBef>
-                <a:spcPts val="500"/>
-              </a:spcBef>
-              <a:buFont typeface="Arial" panose="020B0604020202020204" pitchFamily="34" charset="0"/>
-              <a:buChar char="•"/>
-              <a:defRPr sz="1800" kern="1200">
-                <a:solidFill>
-                  <a:schemeClr val="tx1"/>
-                </a:solidFill>
-                <a:latin typeface="+mn-lt"/>
-                <a:ea typeface="+mn-ea"/>
-                <a:cs typeface="+mn-cs"/>
-              </a:defRPr>
-            </a:lvl7pPr>
-            <a:lvl8pPr marL="3429000" indent="-228600" algn="l" defTabSz="914400" rtl="0" eaLnBrk="1" latinLnBrk="1" hangingPunct="1">
-              <a:lnSpc>
-                <a:spcPct val="90000"/>
-              </a:lnSpc>
-              <a:spcBef>
-                <a:spcPts val="500"/>
-              </a:spcBef>
-              <a:buFont typeface="Arial" panose="020B0604020202020204" pitchFamily="34" charset="0"/>
-              <a:buChar char="•"/>
-              <a:defRPr sz="1800" kern="1200">
-                <a:solidFill>
-                  <a:schemeClr val="tx1"/>
-                </a:solidFill>
-                <a:latin typeface="+mn-lt"/>
-                <a:ea typeface="+mn-ea"/>
-                <a:cs typeface="+mn-cs"/>
-              </a:defRPr>
-            </a:lvl8pPr>
-            <a:lvl9pPr marL="3886200" indent="-228600" algn="l" defTabSz="914400" rtl="0" eaLnBrk="1" latinLnBrk="1" hangingPunct="1">
-              <a:lnSpc>
-                <a:spcPct val="90000"/>
-              </a:lnSpc>
-              <a:spcBef>
-                <a:spcPts val="500"/>
-              </a:spcBef>
-              <a:buFont typeface="Arial" panose="020B0604020202020204" pitchFamily="34" charset="0"/>
-              <a:buChar char="•"/>
-              <a:defRPr sz="1800" kern="1200">
-                <a:solidFill>
-                  <a:schemeClr val="tx1"/>
-                </a:solidFill>
-                <a:latin typeface="+mn-lt"/>
-                <a:ea typeface="+mn-ea"/>
-                <a:cs typeface="+mn-cs"/>
-              </a:defRPr>
-            </a:lvl9pPr>
-          </a:lstStyle>
-          <a:p>
-            <a:pPr marL="722312" indent="-722312">
-              <a:lnSpc>
-                <a:spcPct val="150000"/>
-              </a:lnSpc>
-              <a:buSzPct val="50000"/>
               <a:buBlip>
                 <a:blip r:embed="rId3">
                   <a:extLst/>
@@ -8478,7 +9041,7 @@
         </p:blipFill>
         <p:spPr>
           <a:xfrm>
-            <a:off x="-71021" y="0"/>
+            <a:off x="0" y="0"/>
             <a:ext cx="12192000" cy="6858000"/>
           </a:xfrm>
           <a:prstGeom prst="rect">
@@ -9436,4 +9999,299 @@
     </a:ext>
   </a:extLst>
 </a:theme>
+</file>
+
+<file path=ppt/theme/theme2.xml><?xml version="1.0" encoding="utf-8"?>
+<a:theme xmlns:a="http://schemas.openxmlformats.org/drawingml/2006/main" name="Office 테마">
+  <a:themeElements>
+    <a:clrScheme name="Office">
+      <a:dk1>
+        <a:sysClr val="windowText" lastClr="000000"/>
+      </a:dk1>
+      <a:lt1>
+        <a:sysClr val="window" lastClr="FFFFFF"/>
+      </a:lt1>
+      <a:dk2>
+        <a:srgbClr val="44546A"/>
+      </a:dk2>
+      <a:lt2>
+        <a:srgbClr val="E7E6E6"/>
+      </a:lt2>
+      <a:accent1>
+        <a:srgbClr val="4472C4"/>
+      </a:accent1>
+      <a:accent2>
+        <a:srgbClr val="ED7D31"/>
+      </a:accent2>
+      <a:accent3>
+        <a:srgbClr val="A5A5A5"/>
+      </a:accent3>
+      <a:accent4>
+        <a:srgbClr val="FFC000"/>
+      </a:accent4>
+      <a:accent5>
+        <a:srgbClr val="5B9BD5"/>
+      </a:accent5>
+      <a:accent6>
+        <a:srgbClr val="70AD47"/>
+      </a:accent6>
+      <a:hlink>
+        <a:srgbClr val="0563C1"/>
+      </a:hlink>
+      <a:folHlink>
+        <a:srgbClr val="954F72"/>
+      </a:folHlink>
+    </a:clrScheme>
+    <a:fontScheme name="Office">
+      <a:majorFont>
+        <a:latin typeface="맑은 고딕" panose="020F0302020204030204"/>
+        <a:ea typeface=""/>
+        <a:cs typeface=""/>
+        <a:font script="Jpan" typeface="游ゴシック Light"/>
+        <a:font script="Hang" typeface="맑은 고딕"/>
+        <a:font script="Hans" typeface="等线 Light"/>
+        <a:font script="Hant" typeface="新細明體"/>
+        <a:font script="Arab" typeface="Times New Roman"/>
+        <a:font script="Hebr" typeface="Times New Roman"/>
+        <a:font script="Thai" typeface="Angsana New"/>
+        <a:font script="Ethi" typeface="Nyala"/>
+        <a:font script="Beng" typeface="Vrinda"/>
+        <a:font script="Gujr" typeface="Shruti"/>
+        <a:font script="Khmr" typeface="MoolBoran"/>
+        <a:font script="Knda" typeface="Tunga"/>
+        <a:font script="Guru" typeface="Raavi"/>
+        <a:font script="Cans" typeface="Euphemia"/>
+        <a:font script="Cher" typeface="Plantagenet Cherokee"/>
+        <a:font script="Yiii" typeface="Microsoft Yi Baiti"/>
+        <a:font script="Tibt" typeface="Microsoft Himalaya"/>
+        <a:font script="Thaa" typeface="MV Boli"/>
+        <a:font script="Deva" typeface="Mangal"/>
+        <a:font script="Telu" typeface="Gautami"/>
+        <a:font script="Taml" typeface="Latha"/>
+        <a:font script="Syrc" typeface="Estrangelo Edessa"/>
+        <a:font script="Orya" typeface="Kalinga"/>
+        <a:font script="Mlym" typeface="Kartika"/>
+        <a:font script="Laoo" typeface="DokChampa"/>
+        <a:font script="Sinh" typeface="Iskoola Pota"/>
+        <a:font script="Mong" typeface="Mongolian Baiti"/>
+        <a:font script="Viet" typeface="Times New Roman"/>
+        <a:font script="Uigh" typeface="Microsoft Uighur"/>
+        <a:font script="Geor" typeface="Sylfaen"/>
+        <a:font script="Armn" typeface="Arial"/>
+        <a:font script="Bugi" typeface="Leelawadee UI"/>
+        <a:font script="Bopo" typeface="Microsoft JhengHei"/>
+        <a:font script="Java" typeface="Javanese Text"/>
+        <a:font script="Lisu" typeface="Segoe UI"/>
+        <a:font script="Mymr" typeface="Myanmar Text"/>
+        <a:font script="Nkoo" typeface="Ebrima"/>
+        <a:font script="Olck" typeface="Nirmala UI"/>
+        <a:font script="Osma" typeface="Ebrima"/>
+        <a:font script="Phag" typeface="Phagspa"/>
+        <a:font script="Syrn" typeface="Estrangelo Edessa"/>
+        <a:font script="Syrj" typeface="Estrangelo Edessa"/>
+        <a:font script="Syre" typeface="Estrangelo Edessa"/>
+        <a:font script="Sora" typeface="Nirmala UI"/>
+        <a:font script="Tale" typeface="Microsoft Tai Le"/>
+        <a:font script="Talu" typeface="Microsoft New Tai Lue"/>
+        <a:font script="Tfng" typeface="Ebrima"/>
+      </a:majorFont>
+      <a:minorFont>
+        <a:latin typeface="맑은 고딕" panose="020F0502020204030204"/>
+        <a:ea typeface=""/>
+        <a:cs typeface=""/>
+        <a:font script="Jpan" typeface="游ゴシック"/>
+        <a:font script="Hang" typeface="맑은 고딕"/>
+        <a:font script="Hans" typeface="等线"/>
+        <a:font script="Hant" typeface="新細明體"/>
+        <a:font script="Arab" typeface="Arial"/>
+        <a:font script="Hebr" typeface="Arial"/>
+        <a:font script="Thai" typeface="Cordia New"/>
+        <a:font script="Ethi" typeface="Nyala"/>
+        <a:font script="Beng" typeface="Vrinda"/>
+        <a:font script="Gujr" typeface="Shruti"/>
+        <a:font script="Khmr" typeface="DaunPenh"/>
+        <a:font script="Knda" typeface="Tunga"/>
+        <a:font script="Guru" typeface="Raavi"/>
+        <a:font script="Cans" typeface="Euphemia"/>
+        <a:font script="Cher" typeface="Plantagenet Cherokee"/>
+        <a:font script="Yiii" typeface="Microsoft Yi Baiti"/>
+        <a:font script="Tibt" typeface="Microsoft Himalaya"/>
+        <a:font script="Thaa" typeface="MV Boli"/>
+        <a:font script="Deva" typeface="Mangal"/>
+        <a:font script="Telu" typeface="Gautami"/>
+        <a:font script="Taml" typeface="Latha"/>
+        <a:font script="Syrc" typeface="Estrangelo Edessa"/>
+        <a:font script="Orya" typeface="Kalinga"/>
+        <a:font script="Mlym" typeface="Kartika"/>
+        <a:font script="Laoo" typeface="DokChampa"/>
+        <a:font script="Sinh" typeface="Iskoola Pota"/>
+        <a:font script="Mong" typeface="Mongolian Baiti"/>
+        <a:font script="Viet" typeface="Arial"/>
+        <a:font script="Uigh" typeface="Microsoft Uighur"/>
+        <a:font script="Geor" typeface="Sylfaen"/>
+        <a:font script="Armn" typeface="Arial"/>
+        <a:font script="Bugi" typeface="Leelawadee UI"/>
+        <a:font script="Bopo" typeface="Microsoft JhengHei"/>
+        <a:font script="Java" typeface="Javanese Text"/>
+        <a:font script="Lisu" typeface="Segoe UI"/>
+        <a:font script="Mymr" typeface="Myanmar Text"/>
+        <a:font script="Nkoo" typeface="Ebrima"/>
+        <a:font script="Olck" typeface="Nirmala UI"/>
+        <a:font script="Osma" typeface="Ebrima"/>
+        <a:font script="Phag" typeface="Phagspa"/>
+        <a:font script="Syrn" typeface="Estrangelo Edessa"/>
+        <a:font script="Syrj" typeface="Estrangelo Edessa"/>
+        <a:font script="Syre" typeface="Estrangelo Edessa"/>
+        <a:font script="Sora" typeface="Nirmala UI"/>
+        <a:font script="Tale" typeface="Microsoft Tai Le"/>
+        <a:font script="Talu" typeface="Microsoft New Tai Lue"/>
+        <a:font script="Tfng" typeface="Ebrima"/>
+      </a:minorFont>
+    </a:fontScheme>
+    <a:fmtScheme name="Office">
+      <a:fillStyleLst>
+        <a:solidFill>
+          <a:schemeClr val="phClr"/>
+        </a:solidFill>
+        <a:gradFill rotWithShape="1">
+          <a:gsLst>
+            <a:gs pos="0">
+              <a:schemeClr val="phClr">
+                <a:lumMod val="110000"/>
+                <a:satMod val="105000"/>
+                <a:tint val="67000"/>
+              </a:schemeClr>
+            </a:gs>
+            <a:gs pos="50000">
+              <a:schemeClr val="phClr">
+                <a:lumMod val="105000"/>
+                <a:satMod val="103000"/>
+                <a:tint val="73000"/>
+              </a:schemeClr>
+            </a:gs>
+            <a:gs pos="100000">
+              <a:schemeClr val="phClr">
+                <a:lumMod val="105000"/>
+                <a:satMod val="109000"/>
+                <a:tint val="81000"/>
+              </a:schemeClr>
+            </a:gs>
+          </a:gsLst>
+          <a:lin ang="5400000" scaled="0"/>
+        </a:gradFill>
+        <a:gradFill rotWithShape="1">
+          <a:gsLst>
+            <a:gs pos="0">
+              <a:schemeClr val="phClr">
+                <a:satMod val="103000"/>
+                <a:lumMod val="102000"/>
+                <a:tint val="94000"/>
+              </a:schemeClr>
+            </a:gs>
+            <a:gs pos="50000">
+              <a:schemeClr val="phClr">
+                <a:satMod val="110000"/>
+                <a:lumMod val="100000"/>
+                <a:shade val="100000"/>
+              </a:schemeClr>
+            </a:gs>
+            <a:gs pos="100000">
+              <a:schemeClr val="phClr">
+                <a:lumMod val="99000"/>
+                <a:satMod val="120000"/>
+                <a:shade val="78000"/>
+              </a:schemeClr>
+            </a:gs>
+          </a:gsLst>
+          <a:lin ang="5400000" scaled="0"/>
+        </a:gradFill>
+      </a:fillStyleLst>
+      <a:lnStyleLst>
+        <a:ln w="6350" cap="flat" cmpd="sng" algn="ctr">
+          <a:solidFill>
+            <a:schemeClr val="phClr"/>
+          </a:solidFill>
+          <a:prstDash val="solid"/>
+          <a:miter lim="800000"/>
+        </a:ln>
+        <a:ln w="12700" cap="flat" cmpd="sng" algn="ctr">
+          <a:solidFill>
+            <a:schemeClr val="phClr"/>
+          </a:solidFill>
+          <a:prstDash val="solid"/>
+          <a:miter lim="800000"/>
+        </a:ln>
+        <a:ln w="19050" cap="flat" cmpd="sng" algn="ctr">
+          <a:solidFill>
+            <a:schemeClr val="phClr"/>
+          </a:solidFill>
+          <a:prstDash val="solid"/>
+          <a:miter lim="800000"/>
+        </a:ln>
+      </a:lnStyleLst>
+      <a:effectStyleLst>
+        <a:effectStyle>
+          <a:effectLst/>
+        </a:effectStyle>
+        <a:effectStyle>
+          <a:effectLst/>
+        </a:effectStyle>
+        <a:effectStyle>
+          <a:effectLst>
+            <a:outerShdw blurRad="57150" dist="19050" dir="5400000" algn="ctr" rotWithShape="0">
+              <a:srgbClr val="000000">
+                <a:alpha val="63000"/>
+              </a:srgbClr>
+            </a:outerShdw>
+          </a:effectLst>
+        </a:effectStyle>
+      </a:effectStyleLst>
+      <a:bgFillStyleLst>
+        <a:solidFill>
+          <a:schemeClr val="phClr"/>
+        </a:solidFill>
+        <a:solidFill>
+          <a:schemeClr val="phClr">
+            <a:tint val="95000"/>
+            <a:satMod val="170000"/>
+          </a:schemeClr>
+        </a:solidFill>
+        <a:gradFill rotWithShape="1">
+          <a:gsLst>
+            <a:gs pos="0">
+              <a:schemeClr val="phClr">
+                <a:tint val="93000"/>
+                <a:satMod val="150000"/>
+                <a:shade val="98000"/>
+                <a:lumMod val="102000"/>
+              </a:schemeClr>
+            </a:gs>
+            <a:gs pos="50000">
+              <a:schemeClr val="phClr">
+                <a:tint val="98000"/>
+                <a:satMod val="130000"/>
+                <a:shade val="90000"/>
+                <a:lumMod val="103000"/>
+              </a:schemeClr>
+            </a:gs>
+            <a:gs pos="100000">
+              <a:schemeClr val="phClr">
+                <a:shade val="63000"/>
+                <a:satMod val="120000"/>
+              </a:schemeClr>
+            </a:gs>
+          </a:gsLst>
+          <a:lin ang="5400000" scaled="0"/>
+        </a:gradFill>
+      </a:bgFillStyleLst>
+    </a:fmtScheme>
+  </a:themeElements>
+  <a:objectDefaults/>
+  <a:extraClrSchemeLst/>
+  <a:extLst>
+    <a:ext uri="{05A4C25C-085E-4340-85A3-A5531E510DB2}">
+      <thm15:themeFamily xmlns:thm15="http://schemas.microsoft.com/office/thememl/2012/main" name="Office Theme" id="{62F939B6-93AF-4DB8-9C6B-D6C7DFDC589F}" vid="{4A3C46E8-61CC-4603-A589-7422A47A8E4A}"/>
+    </a:ext>
+  </a:extLst>
+</a:theme>
 </file>
--- a/PPT/캡스톤디자인_9주차_중간데모_발표자료_5조.pptx
+++ b/PPT/캡스톤디자인_9주차_중간데모_발표자료_5조.pptx
@@ -523,6 +523,174 @@
           <a:bodyPr/>
           <a:lstStyle/>
           <a:p>
+            <a:endParaRPr lang="ko-KR" altLang="en-US" dirty="0"/>
+          </a:p>
+        </p:txBody>
+      </p:sp>
+      <p:sp>
+        <p:nvSpPr>
+          <p:cNvPr id="4" name="슬라이드 번호 개체 틀 3"/>
+          <p:cNvSpPr>
+            <a:spLocks noGrp="1"/>
+          </p:cNvSpPr>
+          <p:nvPr>
+            <p:ph type="sldNum" sz="quarter" idx="10"/>
+          </p:nvPr>
+        </p:nvSpPr>
+        <p:spPr/>
+        <p:txBody>
+          <a:bodyPr/>
+          <a:lstStyle/>
+          <a:p>
+            <a:fld id="{231CB6DC-0120-4A0B-9EB4-AC0E3C50624C}" type="slidenum">
+              <a:rPr lang="ko-KR" altLang="en-US" smtClean="0"/>
+              <a:t>1</a:t>
+            </a:fld>
+            <a:endParaRPr lang="ko-KR" altLang="en-US"/>
+          </a:p>
+        </p:txBody>
+      </p:sp>
+    </p:spTree>
+    <p:extLst>
+      <p:ext uri="{BB962C8B-B14F-4D97-AF65-F5344CB8AC3E}">
+        <p14:creationId xmlns:p14="http://schemas.microsoft.com/office/powerpoint/2010/main" val="1305111410"/>
+      </p:ext>
+    </p:extLst>
+  </p:cSld>
+  <p:clrMapOvr>
+    <a:masterClrMapping/>
+  </p:clrMapOvr>
+</p:notes>
+</file>
+
+<file path=ppt/notesSlides/notesSlide2.xml><?xml version="1.0" encoding="utf-8"?>
+<p:notes xmlns:a="http://schemas.openxmlformats.org/drawingml/2006/main" xmlns:r="http://schemas.openxmlformats.org/officeDocument/2006/relationships" xmlns:p="http://schemas.openxmlformats.org/presentationml/2006/main">
+  <p:cSld>
+    <p:spTree>
+      <p:nvGrpSpPr>
+        <p:cNvPr id="1" name=""/>
+        <p:cNvGrpSpPr/>
+        <p:nvPr/>
+      </p:nvGrpSpPr>
+      <p:grpSpPr>
+        <a:xfrm>
+          <a:off x="0" y="0"/>
+          <a:ext cx="0" cy="0"/>
+          <a:chOff x="0" y="0"/>
+          <a:chExt cx="0" cy="0"/>
+        </a:xfrm>
+      </p:grpSpPr>
+      <p:sp>
+        <p:nvSpPr>
+          <p:cNvPr id="2" name="슬라이드 이미지 개체 틀 1"/>
+          <p:cNvSpPr>
+            <a:spLocks noGrp="1" noRot="1" noChangeAspect="1"/>
+          </p:cNvSpPr>
+          <p:nvPr>
+            <p:ph type="sldImg"/>
+          </p:nvPr>
+        </p:nvSpPr>
+        <p:spPr/>
+      </p:sp>
+      <p:sp>
+        <p:nvSpPr>
+          <p:cNvPr id="3" name="슬라이드 노트 개체 틀 2"/>
+          <p:cNvSpPr>
+            <a:spLocks noGrp="1"/>
+          </p:cNvSpPr>
+          <p:nvPr>
+            <p:ph type="body" idx="1"/>
+          </p:nvPr>
+        </p:nvSpPr>
+        <p:spPr/>
+        <p:txBody>
+          <a:bodyPr/>
+          <a:lstStyle/>
+          <a:p>
+            <a:endParaRPr lang="ko-KR" altLang="en-US" dirty="0"/>
+          </a:p>
+        </p:txBody>
+      </p:sp>
+      <p:sp>
+        <p:nvSpPr>
+          <p:cNvPr id="4" name="슬라이드 번호 개체 틀 3"/>
+          <p:cNvSpPr>
+            <a:spLocks noGrp="1"/>
+          </p:cNvSpPr>
+          <p:nvPr>
+            <p:ph type="sldNum" sz="quarter" idx="10"/>
+          </p:nvPr>
+        </p:nvSpPr>
+        <p:spPr/>
+        <p:txBody>
+          <a:bodyPr/>
+          <a:lstStyle/>
+          <a:p>
+            <a:fld id="{231CB6DC-0120-4A0B-9EB4-AC0E3C50624C}" type="slidenum">
+              <a:rPr lang="ko-KR" altLang="en-US" smtClean="0"/>
+              <a:t>3</a:t>
+            </a:fld>
+            <a:endParaRPr lang="ko-KR" altLang="en-US"/>
+          </a:p>
+        </p:txBody>
+      </p:sp>
+    </p:spTree>
+    <p:extLst>
+      <p:ext uri="{BB962C8B-B14F-4D97-AF65-F5344CB8AC3E}">
+        <p14:creationId xmlns:p14="http://schemas.microsoft.com/office/powerpoint/2010/main" val="2622823067"/>
+      </p:ext>
+    </p:extLst>
+  </p:cSld>
+  <p:clrMapOvr>
+    <a:masterClrMapping/>
+  </p:clrMapOvr>
+</p:notes>
+</file>
+
+<file path=ppt/notesSlides/notesSlide3.xml><?xml version="1.0" encoding="utf-8"?>
+<p:notes xmlns:a="http://schemas.openxmlformats.org/drawingml/2006/main" xmlns:r="http://schemas.openxmlformats.org/officeDocument/2006/relationships" xmlns:p="http://schemas.openxmlformats.org/presentationml/2006/main">
+  <p:cSld>
+    <p:spTree>
+      <p:nvGrpSpPr>
+        <p:cNvPr id="1" name=""/>
+        <p:cNvGrpSpPr/>
+        <p:nvPr/>
+      </p:nvGrpSpPr>
+      <p:grpSpPr>
+        <a:xfrm>
+          <a:off x="0" y="0"/>
+          <a:ext cx="0" cy="0"/>
+          <a:chOff x="0" y="0"/>
+          <a:chExt cx="0" cy="0"/>
+        </a:xfrm>
+      </p:grpSpPr>
+      <p:sp>
+        <p:nvSpPr>
+          <p:cNvPr id="2" name="슬라이드 이미지 개체 틀 1"/>
+          <p:cNvSpPr>
+            <a:spLocks noGrp="1" noRot="1" noChangeAspect="1"/>
+          </p:cNvSpPr>
+          <p:nvPr>
+            <p:ph type="sldImg"/>
+          </p:nvPr>
+        </p:nvSpPr>
+        <p:spPr/>
+      </p:sp>
+      <p:sp>
+        <p:nvSpPr>
+          <p:cNvPr id="3" name="슬라이드 노트 개체 틀 2"/>
+          <p:cNvSpPr>
+            <a:spLocks noGrp="1"/>
+          </p:cNvSpPr>
+          <p:nvPr>
+            <p:ph type="body" idx="1"/>
+          </p:nvPr>
+        </p:nvSpPr>
+        <p:spPr/>
+        <p:txBody>
+          <a:bodyPr/>
+          <a:lstStyle/>
+          <a:p>
             <a:pPr marL="722312" indent="-722312">
               <a:lnSpc>
                 <a:spcPct val="150000"/>
@@ -851,7 +1019,7 @@
 </p:notes>
 </file>
 
-<file path=ppt/notesSlides/notesSlide2.xml><?xml version="1.0" encoding="utf-8"?>
+<file path=ppt/notesSlides/notesSlide4.xml><?xml version="1.0" encoding="utf-8"?>
 <p:notes xmlns:a="http://schemas.openxmlformats.org/drawingml/2006/main" xmlns:r="http://schemas.openxmlformats.org/officeDocument/2006/relationships" xmlns:p="http://schemas.openxmlformats.org/presentationml/2006/main">
   <p:cSld>
     <p:spTree>
@@ -4164,14 +4332,14 @@
           <p:nvPr/>
         </p:nvPicPr>
         <p:blipFill>
-          <a:blip r:embed="rId2"/>
+          <a:blip r:embed="rId3"/>
           <a:stretch>
             <a:fillRect/>
           </a:stretch>
         </p:blipFill>
         <p:spPr>
           <a:xfrm>
-            <a:off x="0" y="0"/>
+            <a:off x="0" y="-2"/>
             <a:ext cx="12192000" cy="6858000"/>
           </a:xfrm>
           <a:prstGeom prst="rect">
@@ -4246,7 +4414,7 @@
           <p:nvPr/>
         </p:nvPicPr>
         <p:blipFill>
-          <a:blip r:embed="rId3">
+          <a:blip r:embed="rId4">
             <a:extLst/>
           </a:blip>
           <a:stretch>
@@ -4666,8 +4834,8 @@
         </p:nvSpPr>
         <p:spPr>
           <a:xfrm>
-            <a:off x="3022086" y="341922"/>
-            <a:ext cx="6147837" cy="830997"/>
+            <a:off x="3332267" y="341922"/>
+            <a:ext cx="5527475" cy="830997"/>
           </a:xfrm>
           <a:prstGeom prst="rect">
             <a:avLst/>
@@ -4686,18 +4854,11 @@
                 <a:solidFill>
                   <a:srgbClr val="6BC7BF"/>
                 </a:solidFill>
-                <a:latin typeface="Arial Narrow" pitchFamily="34" charset="0"/>
-                <a:ea typeface="나눔바른고딕" pitchFamily="50" charset="-127"/>
+                <a:latin typeface="나눔스퀘어" panose="020B0600000101010101" pitchFamily="50" charset="-127"/>
+                <a:ea typeface="나눔스퀘어" panose="020B0600000101010101" pitchFamily="50" charset="-127"/>
               </a:rPr>
               <a:t>블루투스 모듈 테스트</a:t>
             </a:r>
-            <a:endParaRPr lang="ko-KR" altLang="en-US" sz="4800" dirty="0">
-              <a:solidFill>
-                <a:srgbClr val="6BC7BF"/>
-              </a:solidFill>
-              <a:latin typeface="나눔바른고딕" pitchFamily="50" charset="-127"/>
-              <a:ea typeface="나눔바른고딕" pitchFamily="50" charset="-127"/>
-            </a:endParaRPr>
           </a:p>
         </p:txBody>
       </p:sp>
@@ -5332,8 +5493,8 @@
         </p:nvSpPr>
         <p:spPr>
           <a:xfrm>
-            <a:off x="3022086" y="341922"/>
-            <a:ext cx="6147837" cy="830997"/>
+            <a:off x="3332267" y="341922"/>
+            <a:ext cx="5527475" cy="830997"/>
           </a:xfrm>
           <a:prstGeom prst="rect">
             <a:avLst/>
@@ -5352,18 +5513,11 @@
                 <a:solidFill>
                   <a:srgbClr val="6BC7BF"/>
                 </a:solidFill>
-                <a:latin typeface="Arial Narrow" pitchFamily="34" charset="0"/>
-                <a:ea typeface="나눔바른고딕" pitchFamily="50" charset="-127"/>
+                <a:latin typeface="나눔스퀘어" panose="020B0600000101010101" pitchFamily="50" charset="-127"/>
+                <a:ea typeface="나눔스퀘어" panose="020B0600000101010101" pitchFamily="50" charset="-127"/>
               </a:rPr>
               <a:t>블루투스 모듈 테스트</a:t>
             </a:r>
-            <a:endParaRPr lang="ko-KR" altLang="en-US" sz="4800" dirty="0">
-              <a:solidFill>
-                <a:srgbClr val="6BC7BF"/>
-              </a:solidFill>
-              <a:latin typeface="나눔바른고딕" pitchFamily="50" charset="-127"/>
-              <a:ea typeface="나눔바른고딕" pitchFamily="50" charset="-127"/>
-            </a:endParaRPr>
           </a:p>
         </p:txBody>
       </p:sp>
@@ -5578,7 +5732,10 @@
           <a:p>
             <a:pPr algn="ctr"/>
             <a:r>
-              <a:rPr lang="ko-KR" altLang="en-US" sz="4800" dirty="0"/>
+              <a:rPr lang="ko-KR" altLang="en-US" sz="4800" dirty="0">
+                <a:latin typeface="나눔스퀘어" panose="020B0600000101010101" pitchFamily="50" charset="-127"/>
+                <a:ea typeface="나눔스퀘어" panose="020B0600000101010101" pitchFamily="50" charset="-127"/>
+              </a:rPr>
               <a:t>습관 분석 기능 보정</a:t>
             </a:r>
             <a:endParaRPr sz="4800" dirty="0">
@@ -5662,8 +5819,8 @@
         </p:nvSpPr>
         <p:spPr>
           <a:xfrm>
-            <a:off x="4213117" y="341922"/>
-            <a:ext cx="3765774" cy="830997"/>
+            <a:off x="4171438" y="341922"/>
+            <a:ext cx="3849132" cy="830997"/>
           </a:xfrm>
           <a:prstGeom prst="rect">
             <a:avLst/>
@@ -5682,18 +5839,11 @@
                 <a:solidFill>
                   <a:srgbClr val="6BC7BF"/>
                 </a:solidFill>
-                <a:latin typeface="Arial Narrow" pitchFamily="34" charset="0"/>
-                <a:ea typeface="나눔바른고딕" pitchFamily="50" charset="-127"/>
+                <a:latin typeface="나눔스퀘어" panose="020B0600000101010101" pitchFamily="50" charset="-127"/>
+                <a:ea typeface="나눔스퀘어" panose="020B0600000101010101" pitchFamily="50" charset="-127"/>
               </a:rPr>
               <a:t>습관 분석 기능</a:t>
             </a:r>
-            <a:endParaRPr lang="ko-KR" altLang="en-US" sz="4800" dirty="0">
-              <a:solidFill>
-                <a:srgbClr val="6BC7BF"/>
-              </a:solidFill>
-              <a:latin typeface="나눔바른고딕" pitchFamily="50" charset="-127"/>
-              <a:ea typeface="나눔바른고딕" pitchFamily="50" charset="-127"/>
-            </a:endParaRPr>
           </a:p>
         </p:txBody>
       </p:sp>
@@ -6003,7 +6153,10 @@
           <a:lstStyle/>
           <a:p>
             <a:r>
-              <a:rPr lang="ko-KR" altLang="en-US" dirty="0"/>
+              <a:rPr lang="ko-KR" altLang="en-US" dirty="0">
+                <a:latin typeface="나눔스퀘어" panose="020B0600000101010101" pitchFamily="50" charset="-127"/>
+                <a:ea typeface="나눔스퀘어" panose="020B0600000101010101" pitchFamily="50" charset="-127"/>
+              </a:rPr>
               <a:t>클릭</a:t>
             </a:r>
           </a:p>
@@ -6146,10 +6299,13 @@
           <a:p>
             <a:pPr algn="ctr"/>
             <a:r>
-              <a:rPr lang="ko-KR" altLang="en-US" sz="6000" dirty="0"/>
+              <a:rPr lang="ko-KR" altLang="en-US" sz="7200" dirty="0">
+                <a:latin typeface="나눔스퀘어" panose="020B0600000101010101" pitchFamily="50" charset="-127"/>
+                <a:ea typeface="나눔스퀘어" panose="020B0600000101010101" pitchFamily="50" charset="-127"/>
+              </a:rPr>
               <a:t>중간 데모</a:t>
             </a:r>
-            <a:endParaRPr sz="6000" dirty="0">
+            <a:endParaRPr sz="7200" dirty="0">
               <a:latin typeface="나눔스퀘어" panose="020B0600000101010101" pitchFamily="50" charset="-127"/>
               <a:ea typeface="나눔스퀘어" panose="020B0600000101010101" pitchFamily="50" charset="-127"/>
             </a:endParaRPr>
@@ -6230,8 +6386,8 @@
         </p:nvSpPr>
         <p:spPr>
           <a:xfrm>
-            <a:off x="4702033" y="341922"/>
-            <a:ext cx="2787944" cy="830997"/>
+            <a:off x="4807832" y="341922"/>
+            <a:ext cx="2576346" cy="830997"/>
           </a:xfrm>
           <a:prstGeom prst="rect">
             <a:avLst/>
@@ -6250,18 +6406,11 @@
                 <a:solidFill>
                   <a:srgbClr val="6BC7BF"/>
                 </a:solidFill>
-                <a:latin typeface="Arial Narrow" pitchFamily="34" charset="0"/>
-                <a:ea typeface="나눔바른고딕" pitchFamily="50" charset="-127"/>
+                <a:latin typeface="나눔스퀘어" panose="020B0600000101010101" pitchFamily="50" charset="-127"/>
+                <a:ea typeface="나눔스퀘어" panose="020B0600000101010101" pitchFamily="50" charset="-127"/>
               </a:rPr>
               <a:t>중간 데모</a:t>
             </a:r>
-            <a:endParaRPr lang="ko-KR" altLang="en-US" sz="4800" dirty="0">
-              <a:solidFill>
-                <a:srgbClr val="6BC7BF"/>
-              </a:solidFill>
-              <a:latin typeface="나눔바른고딕" pitchFamily="50" charset="-127"/>
-              <a:ea typeface="나눔바른고딕" pitchFamily="50" charset="-127"/>
-            </a:endParaRPr>
           </a:p>
         </p:txBody>
       </p:sp>
@@ -6325,7 +6474,7 @@
         </p:nvSpPr>
         <p:spPr>
           <a:xfrm>
-            <a:off x="3625858" y="1906170"/>
+            <a:off x="3625858" y="2248092"/>
             <a:ext cx="4940281" cy="4609908"/>
           </a:xfrm>
           <a:prstGeom prst="rect">
@@ -6609,7 +6758,7 @@
         </p:blipFill>
         <p:spPr>
           <a:xfrm>
-            <a:off x="3430785" y="2153887"/>
+            <a:off x="3583224" y="2413938"/>
             <a:ext cx="390145" cy="408433"/>
           </a:xfrm>
           <a:prstGeom prst="rect">
@@ -6639,7 +6788,7 @@
         </p:blipFill>
         <p:spPr>
           <a:xfrm>
-            <a:off x="3430784" y="3339070"/>
+            <a:off x="3583222" y="3640342"/>
             <a:ext cx="390145" cy="408433"/>
           </a:xfrm>
           <a:prstGeom prst="rect">
@@ -6669,7 +6818,7 @@
         </p:blipFill>
         <p:spPr>
           <a:xfrm>
-            <a:off x="3430784" y="4519141"/>
+            <a:off x="3583223" y="4867230"/>
             <a:ext cx="390145" cy="408433"/>
           </a:xfrm>
           <a:prstGeom prst="rect">
@@ -6677,6 +6826,45 @@
           </a:prstGeom>
         </p:spPr>
       </p:pic>
+      <p:sp>
+        <p:nvSpPr>
+          <p:cNvPr id="2" name="TextBox 1">
+            <a:extLst>
+              <a:ext uri="{FF2B5EF4-FFF2-40B4-BE49-F238E27FC236}">
+                <a16:creationId xmlns:a16="http://schemas.microsoft.com/office/drawing/2014/main" id="{DE6D7D63-6092-4873-BB7A-4AB29341A0D0}"/>
+              </a:ext>
+            </a:extLst>
+          </p:cNvPr>
+          <p:cNvSpPr txBox="1"/>
+          <p:nvPr/>
+        </p:nvSpPr>
+        <p:spPr>
+          <a:xfrm>
+            <a:off x="3385455" y="1480696"/>
+            <a:ext cx="5421086" cy="523220"/>
+          </a:xfrm>
+          <a:prstGeom prst="rect">
+            <a:avLst/>
+          </a:prstGeom>
+          <a:noFill/>
+        </p:spPr>
+        <p:txBody>
+          <a:bodyPr wrap="square" rtlCol="0">
+            <a:spAutoFit/>
+          </a:bodyPr>
+          <a:lstStyle/>
+          <a:p>
+            <a:pPr algn="ctr"/>
+            <a:r>
+              <a:rPr lang="ko-KR" altLang="en-US" sz="2800" dirty="0">
+                <a:latin typeface="나눔스퀘어" panose="020B0600000101010101" pitchFamily="50" charset="-127"/>
+                <a:ea typeface="나눔스퀘어" panose="020B0600000101010101" pitchFamily="50" charset="-127"/>
+              </a:rPr>
+              <a:t>애플리케이션의 프로토타입 완성</a:t>
+            </a:r>
+          </a:p>
+        </p:txBody>
+      </p:sp>
     </p:spTree>
     <p:extLst>
       <p:ext uri="{BB962C8B-B14F-4D97-AF65-F5344CB8AC3E}">
@@ -6751,8 +6939,8 @@
         </p:nvSpPr>
         <p:spPr>
           <a:xfrm>
-            <a:off x="4368604" y="2644170"/>
-            <a:ext cx="3454792" cy="1569660"/>
+            <a:off x="4508866" y="2644170"/>
+            <a:ext cx="3174267" cy="1569660"/>
           </a:xfrm>
           <a:prstGeom prst="rect">
             <a:avLst/>
@@ -6772,7 +6960,7 @@
                   <a:noFill/>
                 </a:ln>
                 <a:solidFill>
-                  <a:srgbClr val="94C3BB"/>
+                  <a:srgbClr val="6BC7BF"/>
                 </a:solidFill>
                 <a:latin typeface="나눔스퀘어 ExtraBold" panose="020B0600000101010101" pitchFamily="50" charset="-127"/>
                 <a:ea typeface="나눔스퀘어 ExtraBold" panose="020B0600000101010101" pitchFamily="50" charset="-127"/>
@@ -6784,7 +6972,7 @@
                 <a:noFill/>
               </a:ln>
               <a:solidFill>
-                <a:srgbClr val="94C3BB"/>
+                <a:srgbClr val="6BC7BF"/>
               </a:solidFill>
               <a:latin typeface="나눔스퀘어 ExtraBold" panose="020B0600000101010101" pitchFamily="50" charset="-127"/>
               <a:ea typeface="나눔스퀘어 ExtraBold" panose="020B0600000101010101" pitchFamily="50" charset="-127"/>
@@ -6798,7 +6986,7 @@
                   <a:noFill/>
                 </a:ln>
                 <a:solidFill>
-                  <a:srgbClr val="94C3BB"/>
+                  <a:srgbClr val="6BC7BF"/>
                 </a:solidFill>
                 <a:latin typeface="나눔스퀘어 ExtraBold" panose="020B0600000101010101" pitchFamily="50" charset="-127"/>
                 <a:ea typeface="나눔스퀘어 ExtraBold" panose="020B0600000101010101" pitchFamily="50" charset="-127"/>
@@ -6810,7 +6998,7 @@
                 <a:noFill/>
               </a:ln>
               <a:solidFill>
-                <a:srgbClr val="94C3BB"/>
+                <a:srgbClr val="6BC7BF"/>
               </a:solidFill>
               <a:latin typeface="나눔스퀘어 ExtraBold" panose="020B0600000101010101" pitchFamily="50" charset="-127"/>
               <a:ea typeface="나눔스퀘어 ExtraBold" panose="020B0600000101010101" pitchFamily="50" charset="-127"/>
@@ -7056,8 +7244,8 @@
                 <a:solidFill>
                   <a:srgbClr val="444444"/>
                 </a:solidFill>
-                <a:latin typeface="Arial Narrow" pitchFamily="34" charset="0"/>
-                <a:ea typeface="나눔고딕" pitchFamily="50" charset="-127"/>
+                <a:latin typeface="나눔스퀘어" panose="020B0600000101010101" pitchFamily="50" charset="-127"/>
+                <a:ea typeface="나눔스퀘어" panose="020B0600000101010101" pitchFamily="50" charset="-127"/>
                 <a:cs typeface="Verdana" pitchFamily="34" charset="0"/>
               </a:rPr>
               <a:t>피드백 내용</a:t>
@@ -7066,8 +7254,8 @@
               <a:solidFill>
                 <a:srgbClr val="444444"/>
               </a:solidFill>
-              <a:latin typeface="Arial Narrow" pitchFamily="34" charset="0"/>
-              <a:ea typeface="나눔고딕" pitchFamily="50" charset="-127"/>
+              <a:latin typeface="나눔스퀘어" panose="020B0600000101010101" pitchFamily="50" charset="-127"/>
+              <a:ea typeface="나눔스퀘어" panose="020B0600000101010101" pitchFamily="50" charset="-127"/>
               <a:cs typeface="Verdana" pitchFamily="34" charset="0"/>
             </a:endParaRPr>
           </a:p>
@@ -7076,8 +7264,8 @@
               <a:solidFill>
                 <a:srgbClr val="444444"/>
               </a:solidFill>
-              <a:latin typeface="Arial Narrow" pitchFamily="34" charset="0"/>
-              <a:ea typeface="나눔고딕" pitchFamily="50" charset="-127"/>
+              <a:latin typeface="나눔스퀘어" panose="020B0600000101010101" pitchFamily="50" charset="-127"/>
+              <a:ea typeface="나눔스퀘어" panose="020B0600000101010101" pitchFamily="50" charset="-127"/>
               <a:cs typeface="Verdana" pitchFamily="34" charset="0"/>
             </a:endParaRPr>
           </a:p>
@@ -7086,8 +7274,8 @@
               <a:solidFill>
                 <a:srgbClr val="444444"/>
               </a:solidFill>
-              <a:latin typeface="Arial Narrow" pitchFamily="34" charset="0"/>
-              <a:ea typeface="나눔고딕" pitchFamily="50" charset="-127"/>
+              <a:latin typeface="나눔스퀘어" panose="020B0600000101010101" pitchFamily="50" charset="-127"/>
+              <a:ea typeface="나눔스퀘어" panose="020B0600000101010101" pitchFamily="50" charset="-127"/>
             </a:endParaRPr>
           </a:p>
           <a:p>
@@ -7096,8 +7284,8 @@
                 <a:solidFill>
                   <a:srgbClr val="444444"/>
                 </a:solidFill>
-                <a:latin typeface="Arial Narrow" pitchFamily="34" charset="0"/>
-                <a:ea typeface="나눔고딕" pitchFamily="50" charset="-127"/>
+                <a:latin typeface="나눔스퀘어" panose="020B0600000101010101" pitchFamily="50" charset="-127"/>
+                <a:ea typeface="나눔스퀘어" panose="020B0600000101010101" pitchFamily="50" charset="-127"/>
               </a:rPr>
               <a:t>프로젝트 진행 상황</a:t>
             </a:r>
@@ -7105,8 +7293,8 @@
               <a:solidFill>
                 <a:srgbClr val="444444"/>
               </a:solidFill>
-              <a:latin typeface="Arial Narrow" pitchFamily="34" charset="0"/>
-              <a:ea typeface="나눔고딕" pitchFamily="50" charset="-127"/>
+              <a:latin typeface="나눔스퀘어" panose="020B0600000101010101" pitchFamily="50" charset="-127"/>
+              <a:ea typeface="나눔스퀘어" panose="020B0600000101010101" pitchFamily="50" charset="-127"/>
             </a:endParaRPr>
           </a:p>
           <a:p>
@@ -7114,8 +7302,8 @@
               <a:solidFill>
                 <a:srgbClr val="444444"/>
               </a:solidFill>
-              <a:latin typeface="Arial Narrow" pitchFamily="34" charset="0"/>
-              <a:ea typeface="나눔고딕" pitchFamily="50" charset="-127"/>
+              <a:latin typeface="나눔스퀘어" panose="020B0600000101010101" pitchFamily="50" charset="-127"/>
+              <a:ea typeface="나눔스퀘어" panose="020B0600000101010101" pitchFamily="50" charset="-127"/>
             </a:endParaRPr>
           </a:p>
           <a:p>
@@ -7123,8 +7311,8 @@
               <a:solidFill>
                 <a:srgbClr val="444444"/>
               </a:solidFill>
-              <a:latin typeface="Arial Narrow" pitchFamily="34" charset="0"/>
-              <a:ea typeface="나눔고딕" pitchFamily="50" charset="-127"/>
+              <a:latin typeface="나눔스퀘어" panose="020B0600000101010101" pitchFamily="50" charset="-127"/>
+              <a:ea typeface="나눔스퀘어" panose="020B0600000101010101" pitchFamily="50" charset="-127"/>
             </a:endParaRPr>
           </a:p>
           <a:p>
@@ -7133,8 +7321,8 @@
                 <a:solidFill>
                   <a:srgbClr val="444444"/>
                 </a:solidFill>
-                <a:latin typeface="Arial Narrow" pitchFamily="34" charset="0"/>
-                <a:ea typeface="나눔고딕" pitchFamily="50" charset="-127"/>
+                <a:latin typeface="나눔스퀘어" panose="020B0600000101010101" pitchFamily="50" charset="-127"/>
+                <a:ea typeface="나눔스퀘어" panose="020B0600000101010101" pitchFamily="50" charset="-127"/>
                 <a:cs typeface="Verdana" pitchFamily="34" charset="0"/>
               </a:rPr>
               <a:t>중간 데모</a:t>
@@ -7143,8 +7331,8 @@
               <a:solidFill>
                 <a:srgbClr val="444444"/>
               </a:solidFill>
-              <a:latin typeface="Arial Narrow" pitchFamily="34" charset="0"/>
-              <a:ea typeface="나눔고딕" pitchFamily="50" charset="-127"/>
+              <a:latin typeface="나눔스퀘어" panose="020B0600000101010101" pitchFamily="50" charset="-127"/>
+              <a:ea typeface="나눔스퀘어" panose="020B0600000101010101" pitchFamily="50" charset="-127"/>
               <a:cs typeface="Verdana" pitchFamily="34" charset="0"/>
             </a:endParaRPr>
           </a:p>
@@ -7285,7 +7473,7 @@
           <p:nvPr/>
         </p:nvPicPr>
         <p:blipFill>
-          <a:blip r:embed="rId2" cstate="print"/>
+          <a:blip r:embed="rId3" cstate="print"/>
           <a:stretch>
             <a:fillRect/>
           </a:stretch>
@@ -7377,10 +7565,13 @@
           <a:p>
             <a:pPr algn="ctr"/>
             <a:r>
-              <a:rPr lang="ko-KR" altLang="en-US" sz="6000" dirty="0"/>
+              <a:rPr lang="ko-KR" altLang="en-US" sz="7200" dirty="0">
+                <a:latin typeface="나눔스퀘어" panose="020B0600000101010101" pitchFamily="50" charset="-127"/>
+                <a:ea typeface="나눔스퀘어" panose="020B0600000101010101" pitchFamily="50" charset="-127"/>
+              </a:rPr>
               <a:t>피드백 내용</a:t>
             </a:r>
-            <a:endParaRPr sz="6000" dirty="0">
+            <a:endParaRPr sz="7200" dirty="0">
               <a:latin typeface="나눔스퀘어" panose="020B0600000101010101" pitchFamily="50" charset="-127"/>
               <a:ea typeface="나눔스퀘어" panose="020B0600000101010101" pitchFamily="50" charset="-127"/>
             </a:endParaRPr>
@@ -7461,8 +7652,8 @@
         </p:nvSpPr>
         <p:spPr>
           <a:xfrm>
-            <a:off x="4394250" y="341922"/>
-            <a:ext cx="3403497" cy="830997"/>
+            <a:off x="4528101" y="341922"/>
+            <a:ext cx="3135794" cy="830997"/>
           </a:xfrm>
           <a:prstGeom prst="rect">
             <a:avLst/>
@@ -7481,18 +7672,11 @@
                 <a:solidFill>
                   <a:srgbClr val="6BC7BF"/>
                 </a:solidFill>
-                <a:latin typeface="Arial Narrow" pitchFamily="34" charset="0"/>
-                <a:ea typeface="나눔바른고딕" pitchFamily="50" charset="-127"/>
+                <a:latin typeface="나눔스퀘어" panose="020B0600000101010101" pitchFamily="50" charset="-127"/>
+                <a:ea typeface="나눔스퀘어" panose="020B0600000101010101" pitchFamily="50" charset="-127"/>
               </a:rPr>
               <a:t>피드백 내용</a:t>
             </a:r>
-            <a:endParaRPr lang="ko-KR" altLang="en-US" sz="4800" dirty="0">
-              <a:solidFill>
-                <a:srgbClr val="6BC7BF"/>
-              </a:solidFill>
-              <a:latin typeface="나눔바른고딕" pitchFamily="50" charset="-127"/>
-              <a:ea typeface="나눔바른고딕" pitchFamily="50" charset="-127"/>
-            </a:endParaRPr>
           </a:p>
         </p:txBody>
       </p:sp>
@@ -7744,42 +7928,42 @@
             </a:pPr>
             <a:r>
               <a:rPr lang="ko-KR" altLang="en-US" sz="3200" dirty="0">
-                <a:latin typeface="나눔고딕" panose="020D0604000000000000" pitchFamily="50" charset="-127"/>
-                <a:ea typeface="나눔고딕" panose="020D0604000000000000" pitchFamily="50" charset="-127"/>
+                <a:latin typeface="나눔스퀘어" panose="020B0600000101010101" pitchFamily="50" charset="-127"/>
+                <a:ea typeface="나눔스퀘어" panose="020B0600000101010101" pitchFamily="50" charset="-127"/>
               </a:rPr>
               <a:t>작은 움직임 </a:t>
             </a:r>
             <a:r>
               <a:rPr lang="en-US" altLang="ko-KR" sz="3200" dirty="0">
-                <a:latin typeface="나눔고딕" panose="020D0604000000000000" pitchFamily="50" charset="-127"/>
-                <a:ea typeface="나눔고딕" panose="020D0604000000000000" pitchFamily="50" charset="-127"/>
+                <a:latin typeface="나눔스퀘어" panose="020B0600000101010101" pitchFamily="50" charset="-127"/>
+                <a:ea typeface="나눔스퀘어" panose="020B0600000101010101" pitchFamily="50" charset="-127"/>
               </a:rPr>
               <a:t>(</a:t>
             </a:r>
             <a:r>
               <a:rPr lang="ko-KR" altLang="en-US" sz="3200" dirty="0">
-                <a:latin typeface="나눔고딕" panose="020D0604000000000000" pitchFamily="50" charset="-127"/>
-                <a:ea typeface="나눔고딕" panose="020D0604000000000000" pitchFamily="50" charset="-127"/>
+                <a:latin typeface="나눔스퀘어" panose="020B0600000101010101" pitchFamily="50" charset="-127"/>
+                <a:ea typeface="나눔스퀘어" panose="020B0600000101010101" pitchFamily="50" charset="-127"/>
               </a:rPr>
               <a:t>전동 칫솔의 진동과 같은</a:t>
             </a:r>
             <a:r>
               <a:rPr lang="en-US" altLang="ko-KR" sz="3200" dirty="0">
-                <a:latin typeface="나눔고딕" panose="020D0604000000000000" pitchFamily="50" charset="-127"/>
-                <a:ea typeface="나눔고딕" panose="020D0604000000000000" pitchFamily="50" charset="-127"/>
+                <a:latin typeface="나눔스퀘어" panose="020B0600000101010101" pitchFamily="50" charset="-127"/>
+                <a:ea typeface="나눔스퀘어" panose="020B0600000101010101" pitchFamily="50" charset="-127"/>
               </a:rPr>
               <a:t>)</a:t>
             </a:r>
             <a:r>
               <a:rPr lang="ko-KR" altLang="en-US" sz="3200" dirty="0">
-                <a:latin typeface="나눔고딕" panose="020D0604000000000000" pitchFamily="50" charset="-127"/>
-                <a:ea typeface="나눔고딕" panose="020D0604000000000000" pitchFamily="50" charset="-127"/>
+                <a:latin typeface="나눔스퀘어" panose="020B0600000101010101" pitchFamily="50" charset="-127"/>
+                <a:ea typeface="나눔스퀘어" panose="020B0600000101010101" pitchFamily="50" charset="-127"/>
               </a:rPr>
               <a:t>에 움직이는 것인지 노이즈인지 판별불가</a:t>
             </a:r>
             <a:endParaRPr lang="en-US" altLang="ko-KR" sz="3200" dirty="0">
-              <a:latin typeface="나눔고딕" panose="020D0604000000000000" pitchFamily="50" charset="-127"/>
-              <a:ea typeface="나눔고딕" panose="020D0604000000000000" pitchFamily="50" charset="-127"/>
+              <a:latin typeface="나눔스퀘어" panose="020B0600000101010101" pitchFamily="50" charset="-127"/>
+              <a:ea typeface="나눔스퀘어" panose="020B0600000101010101" pitchFamily="50" charset="-127"/>
             </a:endParaRPr>
           </a:p>
           <a:p>
@@ -7791,8 +7975,8 @@
               <a:buNone/>
             </a:pPr>
             <a:endParaRPr lang="en-US" altLang="ko-KR" sz="3200" dirty="0">
-              <a:latin typeface="나눔고딕" panose="020D0604000000000000" pitchFamily="50" charset="-127"/>
-              <a:ea typeface="나눔고딕" panose="020D0604000000000000" pitchFamily="50" charset="-127"/>
+              <a:latin typeface="나눔스퀘어" panose="020B0600000101010101" pitchFamily="50" charset="-127"/>
+              <a:ea typeface="나눔스퀘어" panose="020B0600000101010101" pitchFamily="50" charset="-127"/>
             </a:endParaRPr>
           </a:p>
           <a:p>
@@ -7805,21 +7989,21 @@
             </a:pPr>
             <a:r>
               <a:rPr lang="en-US" altLang="ko-KR" sz="3200" dirty="0">
-                <a:latin typeface="나눔고딕" panose="020D0604000000000000" pitchFamily="50" charset="-127"/>
-                <a:ea typeface="나눔고딕" panose="020D0604000000000000" pitchFamily="50" charset="-127"/>
+                <a:latin typeface="나눔스퀘어" panose="020B0600000101010101" pitchFamily="50" charset="-127"/>
+                <a:ea typeface="나눔스퀘어" panose="020B0600000101010101" pitchFamily="50" charset="-127"/>
               </a:rPr>
               <a:t>	</a:t>
             </a:r>
             <a:r>
               <a:rPr lang="ko-KR" altLang="en-US" sz="3200" dirty="0">
-                <a:latin typeface="나눔고딕" panose="020D0604000000000000" pitchFamily="50" charset="-127"/>
-                <a:ea typeface="나눔고딕" panose="020D0604000000000000" pitchFamily="50" charset="-127"/>
+                <a:latin typeface="나눔스퀘어" panose="020B0600000101010101" pitchFamily="50" charset="-127"/>
+                <a:ea typeface="나눔스퀘어" panose="020B0600000101010101" pitchFamily="50" charset="-127"/>
               </a:rPr>
               <a:t>해당 구현 단계에서 테스트 해 볼 수 없는 내용</a:t>
             </a:r>
             <a:endParaRPr lang="en-US" altLang="ko-KR" sz="3200" dirty="0">
-              <a:latin typeface="나눔고딕" panose="020D0604000000000000" pitchFamily="50" charset="-127"/>
-              <a:ea typeface="나눔고딕" panose="020D0604000000000000" pitchFamily="50" charset="-127"/>
+              <a:latin typeface="나눔스퀘어" panose="020B0600000101010101" pitchFamily="50" charset="-127"/>
+              <a:ea typeface="나눔스퀘어" panose="020B0600000101010101" pitchFamily="50" charset="-127"/>
             </a:endParaRPr>
           </a:p>
           <a:p>
@@ -7832,35 +8016,35 @@
             </a:pPr>
             <a:r>
               <a:rPr lang="en-US" altLang="ko-KR" sz="3200" dirty="0">
-                <a:latin typeface="나눔고딕" panose="020D0604000000000000" pitchFamily="50" charset="-127"/>
-                <a:ea typeface="나눔고딕" panose="020D0604000000000000" pitchFamily="50" charset="-127"/>
+                <a:latin typeface="나눔스퀘어" panose="020B0600000101010101" pitchFamily="50" charset="-127"/>
+                <a:ea typeface="나눔스퀘어" panose="020B0600000101010101" pitchFamily="50" charset="-127"/>
               </a:rPr>
               <a:t>      </a:t>
             </a:r>
             <a:r>
               <a:rPr lang="ko-KR" altLang="en-US" sz="3200" dirty="0">
-                <a:latin typeface="나눔고딕" panose="020D0604000000000000" pitchFamily="50" charset="-127"/>
-                <a:ea typeface="나눔고딕" panose="020D0604000000000000" pitchFamily="50" charset="-127"/>
+                <a:latin typeface="나눔스퀘어" panose="020B0600000101010101" pitchFamily="50" charset="-127"/>
+                <a:ea typeface="나눔스퀘어" panose="020B0600000101010101" pitchFamily="50" charset="-127"/>
               </a:rPr>
               <a:t>해당 단계의 </a:t>
             </a:r>
             <a:r>
               <a:rPr lang="en-US" altLang="ko-KR" sz="3200" dirty="0">
-                <a:latin typeface="나눔고딕" panose="020D0604000000000000" pitchFamily="50" charset="-127"/>
-                <a:ea typeface="나눔고딕" panose="020D0604000000000000" pitchFamily="50" charset="-127"/>
+                <a:latin typeface="나눔스퀘어" panose="020B0600000101010101" pitchFamily="50" charset="-127"/>
+                <a:ea typeface="나눔스퀘어" panose="020B0600000101010101" pitchFamily="50" charset="-127"/>
               </a:rPr>
               <a:t>PPT</a:t>
             </a:r>
             <a:r>
               <a:rPr lang="ko-KR" altLang="en-US" sz="3200" dirty="0">
-                <a:latin typeface="나눔고딕" panose="020D0604000000000000" pitchFamily="50" charset="-127"/>
-                <a:ea typeface="나눔고딕" panose="020D0604000000000000" pitchFamily="50" charset="-127"/>
+                <a:latin typeface="나눔스퀘어" panose="020B0600000101010101" pitchFamily="50" charset="-127"/>
+                <a:ea typeface="나눔스퀘어" panose="020B0600000101010101" pitchFamily="50" charset="-127"/>
               </a:rPr>
               <a:t>에 추가하여 답변할 예정</a:t>
             </a:r>
             <a:endParaRPr lang="en-US" altLang="ko-KR" sz="3200" dirty="0">
-              <a:latin typeface="나눔고딕" panose="020D0604000000000000" pitchFamily="50" charset="-127"/>
-              <a:ea typeface="나눔고딕" panose="020D0604000000000000" pitchFamily="50" charset="-127"/>
+              <a:latin typeface="나눔스퀘어" panose="020B0600000101010101" pitchFamily="50" charset="-127"/>
+              <a:ea typeface="나눔스퀘어" panose="020B0600000101010101" pitchFamily="50" charset="-127"/>
             </a:endParaRPr>
           </a:p>
         </p:txBody>
@@ -8084,10 +8268,13 @@
           <a:p>
             <a:pPr algn="ctr"/>
             <a:r>
-              <a:rPr lang="ko-KR" altLang="en-US" sz="6000" dirty="0"/>
+              <a:rPr lang="ko-KR" altLang="en-US" sz="7200" dirty="0">
+                <a:latin typeface="나눔스퀘어" panose="020B0600000101010101" pitchFamily="50" charset="-127"/>
+                <a:ea typeface="나눔스퀘어" panose="020B0600000101010101" pitchFamily="50" charset="-127"/>
+              </a:rPr>
               <a:t>프로젝트 진행 상황</a:t>
             </a:r>
-            <a:endParaRPr sz="6000" dirty="0">
+            <a:endParaRPr sz="7200" dirty="0">
               <a:latin typeface="나눔스퀘어" panose="020B0600000101010101" pitchFamily="50" charset="-127"/>
               <a:ea typeface="나눔스퀘어" panose="020B0600000101010101" pitchFamily="50" charset="-127"/>
             </a:endParaRPr>
@@ -8168,8 +8355,8 @@
         </p:nvSpPr>
         <p:spPr>
           <a:xfrm>
-            <a:off x="4086476" y="341922"/>
-            <a:ext cx="4019049" cy="830997"/>
+            <a:off x="4248379" y="341922"/>
+            <a:ext cx="3695242" cy="830997"/>
           </a:xfrm>
           <a:prstGeom prst="rect">
             <a:avLst/>
@@ -8188,18 +8375,11 @@
                 <a:solidFill>
                   <a:srgbClr val="6BC7BF"/>
                 </a:solidFill>
-                <a:latin typeface="Arial Narrow" pitchFamily="34" charset="0"/>
-                <a:ea typeface="나눔바른고딕" pitchFamily="50" charset="-127"/>
+                <a:latin typeface="나눔스퀘어" panose="020B0600000101010101" pitchFamily="50" charset="-127"/>
+                <a:ea typeface="나눔스퀘어" panose="020B0600000101010101" pitchFamily="50" charset="-127"/>
               </a:rPr>
               <a:t>개발 진행사항</a:t>
             </a:r>
-            <a:endParaRPr lang="ko-KR" altLang="en-US" sz="4800" dirty="0">
-              <a:solidFill>
-                <a:srgbClr val="6BC7BF"/>
-              </a:solidFill>
-              <a:latin typeface="나눔바른고딕" pitchFamily="50" charset="-127"/>
-              <a:ea typeface="나눔바른고딕" pitchFamily="50" charset="-127"/>
-            </a:endParaRPr>
           </a:p>
         </p:txBody>
       </p:sp>
@@ -8501,8 +8681,8 @@
         </p:nvSpPr>
         <p:spPr>
           <a:xfrm>
-            <a:off x="4086479" y="341922"/>
-            <a:ext cx="4019049" cy="830997"/>
+            <a:off x="4248382" y="341922"/>
+            <a:ext cx="3695242" cy="830997"/>
           </a:xfrm>
           <a:prstGeom prst="rect">
             <a:avLst/>
@@ -8521,18 +8701,11 @@
                 <a:solidFill>
                   <a:srgbClr val="6BC7BF"/>
                 </a:solidFill>
-                <a:latin typeface="Arial Narrow" pitchFamily="34" charset="0"/>
-                <a:ea typeface="나눔바른고딕" pitchFamily="50" charset="-127"/>
+                <a:latin typeface="나눔스퀘어" panose="020B0600000101010101" pitchFamily="50" charset="-127"/>
+                <a:ea typeface="나눔스퀘어" panose="020B0600000101010101" pitchFamily="50" charset="-127"/>
               </a:rPr>
               <a:t>블루투스 모듈</a:t>
             </a:r>
-            <a:endParaRPr lang="ko-KR" altLang="en-US" sz="4800" dirty="0">
-              <a:solidFill>
-                <a:srgbClr val="6BC7BF"/>
-              </a:solidFill>
-              <a:latin typeface="나눔바른고딕" pitchFamily="50" charset="-127"/>
-              <a:ea typeface="나눔바른고딕" pitchFamily="50" charset="-127"/>
-            </a:endParaRPr>
           </a:p>
         </p:txBody>
       </p:sp>
@@ -9063,8 +9236,8 @@
         </p:nvSpPr>
         <p:spPr>
           <a:xfrm>
-            <a:off x="2784842" y="341922"/>
-            <a:ext cx="6622326" cy="830997"/>
+            <a:off x="3052543" y="341922"/>
+            <a:ext cx="6086923" cy="830997"/>
           </a:xfrm>
           <a:prstGeom prst="rect">
             <a:avLst/>
@@ -9083,18 +9256,11 @@
                 <a:solidFill>
                   <a:srgbClr val="6BC7BF"/>
                 </a:solidFill>
-                <a:latin typeface="Arial Narrow" pitchFamily="34" charset="0"/>
-                <a:ea typeface="나눔바른고딕" pitchFamily="50" charset="-127"/>
+                <a:latin typeface="나눔스퀘어" panose="020B0600000101010101" pitchFamily="50" charset="-127"/>
+                <a:ea typeface="나눔스퀘어" panose="020B0600000101010101" pitchFamily="50" charset="-127"/>
               </a:rPr>
               <a:t>블루투스 모듈 초기설정</a:t>
             </a:r>
-            <a:endParaRPr lang="ko-KR" altLang="en-US" sz="4800" dirty="0">
-              <a:solidFill>
-                <a:srgbClr val="6BC7BF"/>
-              </a:solidFill>
-              <a:latin typeface="나눔바른고딕" pitchFamily="50" charset="-127"/>
-              <a:ea typeface="나눔바른고딕" pitchFamily="50" charset="-127"/>
-            </a:endParaRPr>
           </a:p>
         </p:txBody>
       </p:sp>

--- a/PPT/캡스톤디자인_9주차_중간데모_발표자료_5조.pptx
+++ b/PPT/캡스톤디자인_9주차_중간데모_발표자료_5조.pptx
@@ -212,7 +212,7 @@
           <a:p>
             <a:fld id="{A1D3B85E-8A48-4066-B72F-913BB4E69F89}" type="datetimeFigureOut">
               <a:rPr lang="ko-KR" altLang="en-US" smtClean="0"/>
-              <a:t>2018-10-29</a:t>
+              <a:t>2018-10-30</a:t>
             </a:fld>
             <a:endParaRPr lang="ko-KR" altLang="en-US"/>
           </a:p>
@@ -1250,7 +1250,7 @@
           <a:p>
             <a:fld id="{DD129790-0DC6-47CC-9942-83498BADFBAF}" type="datetimeFigureOut">
               <a:rPr lang="ko-KR" altLang="en-US" smtClean="0"/>
-              <a:t>2018-10-29</a:t>
+              <a:t>2018-10-30</a:t>
             </a:fld>
             <a:endParaRPr lang="ko-KR" altLang="en-US"/>
           </a:p>
@@ -1448,7 +1448,7 @@
           <a:p>
             <a:fld id="{DD129790-0DC6-47CC-9942-83498BADFBAF}" type="datetimeFigureOut">
               <a:rPr lang="ko-KR" altLang="en-US" smtClean="0"/>
-              <a:t>2018-10-29</a:t>
+              <a:t>2018-10-30</a:t>
             </a:fld>
             <a:endParaRPr lang="ko-KR" altLang="en-US"/>
           </a:p>
@@ -1656,7 +1656,7 @@
           <a:p>
             <a:fld id="{DD129790-0DC6-47CC-9942-83498BADFBAF}" type="datetimeFigureOut">
               <a:rPr lang="ko-KR" altLang="en-US" smtClean="0"/>
-              <a:t>2018-10-29</a:t>
+              <a:t>2018-10-30</a:t>
             </a:fld>
             <a:endParaRPr lang="ko-KR" altLang="en-US"/>
           </a:p>
@@ -1854,7 +1854,7 @@
           <a:p>
             <a:fld id="{DD129790-0DC6-47CC-9942-83498BADFBAF}" type="datetimeFigureOut">
               <a:rPr lang="ko-KR" altLang="en-US" smtClean="0"/>
-              <a:t>2018-10-29</a:t>
+              <a:t>2018-10-30</a:t>
             </a:fld>
             <a:endParaRPr lang="ko-KR" altLang="en-US"/>
           </a:p>
@@ -2129,7 +2129,7 @@
           <a:p>
             <a:fld id="{DD129790-0DC6-47CC-9942-83498BADFBAF}" type="datetimeFigureOut">
               <a:rPr lang="ko-KR" altLang="en-US" smtClean="0"/>
-              <a:t>2018-10-29</a:t>
+              <a:t>2018-10-30</a:t>
             </a:fld>
             <a:endParaRPr lang="ko-KR" altLang="en-US"/>
           </a:p>
@@ -2394,7 +2394,7 @@
           <a:p>
             <a:fld id="{DD129790-0DC6-47CC-9942-83498BADFBAF}" type="datetimeFigureOut">
               <a:rPr lang="ko-KR" altLang="en-US" smtClean="0"/>
-              <a:t>2018-10-29</a:t>
+              <a:t>2018-10-30</a:t>
             </a:fld>
             <a:endParaRPr lang="ko-KR" altLang="en-US"/>
           </a:p>
@@ -2806,7 +2806,7 @@
           <a:p>
             <a:fld id="{DD129790-0DC6-47CC-9942-83498BADFBAF}" type="datetimeFigureOut">
               <a:rPr lang="ko-KR" altLang="en-US" smtClean="0"/>
-              <a:t>2018-10-29</a:t>
+              <a:t>2018-10-30</a:t>
             </a:fld>
             <a:endParaRPr lang="ko-KR" altLang="en-US"/>
           </a:p>
@@ -2947,7 +2947,7 @@
           <a:p>
             <a:fld id="{DD129790-0DC6-47CC-9942-83498BADFBAF}" type="datetimeFigureOut">
               <a:rPr lang="ko-KR" altLang="en-US" smtClean="0"/>
-              <a:t>2018-10-29</a:t>
+              <a:t>2018-10-30</a:t>
             </a:fld>
             <a:endParaRPr lang="ko-KR" altLang="en-US"/>
           </a:p>
@@ -3060,7 +3060,7 @@
           <a:p>
             <a:fld id="{DD129790-0DC6-47CC-9942-83498BADFBAF}" type="datetimeFigureOut">
               <a:rPr lang="ko-KR" altLang="en-US" smtClean="0"/>
-              <a:t>2018-10-29</a:t>
+              <a:t>2018-10-30</a:t>
             </a:fld>
             <a:endParaRPr lang="ko-KR" altLang="en-US"/>
           </a:p>
@@ -3371,7 +3371,7 @@
           <a:p>
             <a:fld id="{DD129790-0DC6-47CC-9942-83498BADFBAF}" type="datetimeFigureOut">
               <a:rPr lang="ko-KR" altLang="en-US" smtClean="0"/>
-              <a:t>2018-10-29</a:t>
+              <a:t>2018-10-30</a:t>
             </a:fld>
             <a:endParaRPr lang="ko-KR" altLang="en-US"/>
           </a:p>
@@ -3659,7 +3659,7 @@
           <a:p>
             <a:fld id="{DD129790-0DC6-47CC-9942-83498BADFBAF}" type="datetimeFigureOut">
               <a:rPr lang="ko-KR" altLang="en-US" smtClean="0"/>
-              <a:t>2018-10-29</a:t>
+              <a:t>2018-10-30</a:t>
             </a:fld>
             <a:endParaRPr lang="ko-KR" altLang="en-US"/>
           </a:p>
@@ -3900,7 +3900,7 @@
           <a:p>
             <a:fld id="{DD129790-0DC6-47CC-9942-83498BADFBAF}" type="datetimeFigureOut">
               <a:rPr lang="ko-KR" altLang="en-US" smtClean="0"/>
-              <a:t>2018-10-29</a:t>
+              <a:t>2018-10-30</a:t>
             </a:fld>
             <a:endParaRPr lang="ko-KR" altLang="en-US"/>
           </a:p>
@@ -6474,8 +6474,8 @@
         </p:nvSpPr>
         <p:spPr>
           <a:xfrm>
-            <a:off x="3625858" y="2248092"/>
-            <a:ext cx="4940281" cy="4609908"/>
+            <a:off x="1442355" y="2416595"/>
+            <a:ext cx="9307285" cy="3833982"/>
           </a:xfrm>
           <a:prstGeom prst="rect">
             <a:avLst/>
@@ -6673,6 +6673,19 @@
             </a:endParaRPr>
           </a:p>
           <a:p>
+            <a:pPr marL="0" indent="0">
+              <a:lnSpc>
+                <a:spcPct val="150000"/>
+              </a:lnSpc>
+              <a:buSzPct val="50000"/>
+              <a:buNone/>
+            </a:pPr>
+            <a:endParaRPr lang="en-US" altLang="ko-KR" sz="2400" dirty="0">
+              <a:latin typeface="나눔스퀘어" panose="020B0600000101010101" pitchFamily="50" charset="-127"/>
+              <a:ea typeface="나눔스퀘어" panose="020B0600000101010101" pitchFamily="50" charset="-127"/>
+            </a:endParaRPr>
+          </a:p>
+          <a:p>
             <a:pPr marL="722312" indent="-722312">
               <a:lnSpc>
                 <a:spcPct val="150000"/>
@@ -6689,29 +6702,6 @@
                 <a:ea typeface="나눔스퀘어" panose="020B0600000101010101" pitchFamily="50" charset="-127"/>
               </a:rPr>
               <a:t>캘린더 탭에서 샘플 기록에 맞게 하루 양치 횟수 보여줌</a:t>
-            </a:r>
-            <a:endParaRPr lang="en-US" altLang="ko-KR" sz="2400" dirty="0">
-              <a:latin typeface="나눔스퀘어" panose="020B0600000101010101" pitchFamily="50" charset="-127"/>
-              <a:ea typeface="나눔스퀘어" panose="020B0600000101010101" pitchFamily="50" charset="-127"/>
-            </a:endParaRPr>
-          </a:p>
-          <a:p>
-            <a:pPr marL="722312" indent="-722312">
-              <a:lnSpc>
-                <a:spcPct val="150000"/>
-              </a:lnSpc>
-              <a:buSzPct val="50000"/>
-              <a:buFont typeface="Arial" panose="020B0604020202020204" pitchFamily="34" charset="0"/>
-              <a:buBlip>
-                <a:blip r:embed="rId4"/>
-              </a:buBlip>
-            </a:pPr>
-            <a:r>
-              <a:rPr lang="ko-KR" altLang="en-US" sz="2400" dirty="0">
-                <a:latin typeface="나눔스퀘어" panose="020B0600000101010101" pitchFamily="50" charset="-127"/>
-                <a:ea typeface="나눔스퀘어" panose="020B0600000101010101" pitchFamily="50" charset="-127"/>
-              </a:rPr>
-              <a:t>모니터링 탭에서 블루투스를 통해 전달 받는 치아 색칠되는 것 확인</a:t>
             </a:r>
             <a:endParaRPr lang="en-US" altLang="ko-KR" sz="2400" dirty="0">
               <a:latin typeface="나눔스퀘어" panose="020B0600000101010101" pitchFamily="50" charset="-127"/>
@@ -6734,6 +6724,45 @@
               <a:ea typeface="나눔스퀘어" panose="020B0600000101010101" pitchFamily="50" charset="-127"/>
             </a:endParaRPr>
           </a:p>
+          <a:p>
+            <a:pPr marL="722312" indent="-722312">
+              <a:lnSpc>
+                <a:spcPct val="150000"/>
+              </a:lnSpc>
+              <a:buSzPct val="50000"/>
+              <a:buFont typeface="Arial" panose="020B0604020202020204" pitchFamily="34" charset="0"/>
+              <a:buBlip>
+                <a:blip r:embed="rId4"/>
+              </a:buBlip>
+            </a:pPr>
+            <a:r>
+              <a:rPr lang="ko-KR" altLang="en-US" sz="2400" dirty="0">
+                <a:latin typeface="나눔스퀘어" panose="020B0600000101010101" pitchFamily="50" charset="-127"/>
+                <a:ea typeface="나눔스퀘어" panose="020B0600000101010101" pitchFamily="50" charset="-127"/>
+              </a:rPr>
+              <a:t>모니터링 탭에서 블루투스를 통해 전달 받는 치아 색칠되는 것 확인</a:t>
+            </a:r>
+            <a:endParaRPr lang="en-US" altLang="ko-KR" sz="2400" dirty="0">
+              <a:latin typeface="나눔스퀘어" panose="020B0600000101010101" pitchFamily="50" charset="-127"/>
+              <a:ea typeface="나눔스퀘어" panose="020B0600000101010101" pitchFamily="50" charset="-127"/>
+            </a:endParaRPr>
+          </a:p>
+          <a:p>
+            <a:pPr marL="722312" indent="-722312">
+              <a:lnSpc>
+                <a:spcPct val="150000"/>
+              </a:lnSpc>
+              <a:buSzPct val="50000"/>
+              <a:buFont typeface="Arial" panose="020B0604020202020204" pitchFamily="34" charset="0"/>
+              <a:buBlip>
+                <a:blip r:embed="rId4"/>
+              </a:buBlip>
+            </a:pPr>
+            <a:endParaRPr lang="en-US" altLang="ko-KR" sz="2400" dirty="0">
+              <a:latin typeface="나눔스퀘어" panose="020B0600000101010101" pitchFamily="50" charset="-127"/>
+              <a:ea typeface="나눔스퀘어" panose="020B0600000101010101" pitchFamily="50" charset="-127"/>
+            </a:endParaRPr>
+          </a:p>
         </p:txBody>
       </p:sp>
       <p:pic>
@@ -6758,7 +6787,7 @@
         </p:blipFill>
         <p:spPr>
           <a:xfrm>
-            <a:off x="3583224" y="2413938"/>
+            <a:off x="1323350" y="2590287"/>
             <a:ext cx="390145" cy="408433"/>
           </a:xfrm>
           <a:prstGeom prst="rect">
@@ -6788,7 +6817,7 @@
         </p:blipFill>
         <p:spPr>
           <a:xfrm>
-            <a:off x="3583222" y="3640342"/>
+            <a:off x="1323349" y="3955357"/>
             <a:ext cx="390145" cy="408433"/>
           </a:xfrm>
           <a:prstGeom prst="rect">
@@ -6818,7 +6847,7 @@
         </p:blipFill>
         <p:spPr>
           <a:xfrm>
-            <a:off x="3583223" y="4867230"/>
+            <a:off x="1323348" y="5276648"/>
             <a:ext cx="390145" cy="408433"/>
           </a:xfrm>
           <a:prstGeom prst="rect">
@@ -6840,8 +6869,8 @@
         </p:nvSpPr>
         <p:spPr>
           <a:xfrm>
-            <a:off x="3385455" y="1480696"/>
-            <a:ext cx="5421086" cy="523220"/>
+            <a:off x="2909747" y="1533146"/>
+            <a:ext cx="6372499" cy="584775"/>
           </a:xfrm>
           <a:prstGeom prst="rect">
             <a:avLst/>
@@ -6856,7 +6885,7 @@
           <a:p>
             <a:pPr algn="ctr"/>
             <a:r>
-              <a:rPr lang="ko-KR" altLang="en-US" sz="2800" dirty="0">
+              <a:rPr lang="ko-KR" altLang="en-US" sz="3200" b="1" dirty="0">
                 <a:latin typeface="나눔스퀘어" panose="020B0600000101010101" pitchFamily="50" charset="-127"/>
                 <a:ea typeface="나눔스퀘어" panose="020B0600000101010101" pitchFamily="50" charset="-127"/>
               </a:rPr>

--- a/PPT/캡스톤디자인_9주차_중간데모_발표자료_5조.pptx
+++ b/PPT/캡스톤디자인_9주차_중간데모_발표자료_5조.pptx
@@ -6740,24 +6740,8 @@
                 <a:latin typeface="나눔스퀘어" panose="020B0600000101010101" pitchFamily="50" charset="-127"/>
                 <a:ea typeface="나눔스퀘어" panose="020B0600000101010101" pitchFamily="50" charset="-127"/>
               </a:rPr>
-              <a:t>모니터링 탭에서 블루투스를 통해 전달 받는 치아 색칠되는 것 확인</a:t>
-            </a:r>
-            <a:endParaRPr lang="en-US" altLang="ko-KR" sz="2400" dirty="0">
-              <a:latin typeface="나눔스퀘어" panose="020B0600000101010101" pitchFamily="50" charset="-127"/>
-              <a:ea typeface="나눔스퀘어" panose="020B0600000101010101" pitchFamily="50" charset="-127"/>
-            </a:endParaRPr>
-          </a:p>
-          <a:p>
-            <a:pPr marL="722312" indent="-722312">
-              <a:lnSpc>
-                <a:spcPct val="150000"/>
-              </a:lnSpc>
-              <a:buSzPct val="50000"/>
-              <a:buFont typeface="Arial" panose="020B0604020202020204" pitchFamily="34" charset="0"/>
-              <a:buBlip>
-                <a:blip r:embed="rId4"/>
-              </a:buBlip>
-            </a:pPr>
+              <a:t>블루투스를 통해 양치 중인 치아 번호 전달 받는 것 확인</a:t>
+            </a:r>
             <a:endParaRPr lang="en-US" altLang="ko-KR" sz="2400" dirty="0">
               <a:latin typeface="나눔스퀘어" panose="020B0600000101010101" pitchFamily="50" charset="-127"/>
               <a:ea typeface="나눔스퀘어" panose="020B0600000101010101" pitchFamily="50" charset="-127"/>

--- a/PPT/캡스톤디자인_9주차_중간데모_발표자료_5조.pptx
+++ b/PPT/캡스톤디자인_9주차_중간데모_발표자료_5조.pptx
@@ -5,7 +5,7 @@
     <p:sldMasterId id="2147483648" r:id="rId1"/>
   </p:sldMasterIdLst>
   <p:notesMasterIdLst>
-    <p:notesMasterId r:id="rId18"/>
+    <p:notesMasterId r:id="rId19"/>
   </p:notesMasterIdLst>
   <p:sldIdLst>
     <p:sldId id="256" r:id="rId2"/>
@@ -21,9 +21,10 @@
     <p:sldId id="285" r:id="rId12"/>
     <p:sldId id="270" r:id="rId13"/>
     <p:sldId id="279" r:id="rId14"/>
-    <p:sldId id="282" r:id="rId15"/>
-    <p:sldId id="286" r:id="rId16"/>
-    <p:sldId id="266" r:id="rId17"/>
+    <p:sldId id="287" r:id="rId15"/>
+    <p:sldId id="282" r:id="rId16"/>
+    <p:sldId id="286" r:id="rId17"/>
+    <p:sldId id="266" r:id="rId18"/>
   </p:sldIdLst>
   <p:sldSz cx="12192000" cy="6858000"/>
   <p:notesSz cx="6858000" cy="9144000"/>
@@ -1084,7 +1085,7 @@
           <a:p>
             <a:fld id="{231CB6DC-0120-4A0B-9EB4-AC0E3C50624C}" type="slidenum">
               <a:rPr lang="ko-KR" altLang="en-US" smtClean="0"/>
-              <a:t>15</a:t>
+              <a:t>16</a:t>
             </a:fld>
             <a:endParaRPr lang="ko-KR" altLang="en-US"/>
           </a:p>
@@ -5259,7 +5260,7 @@
                 <a:latin typeface="나눔스퀘어" panose="020B0600000101010101" pitchFamily="50" charset="-127"/>
                 <a:ea typeface="나눔스퀘어" panose="020B0600000101010101" pitchFamily="50" charset="-127"/>
               </a:rPr>
-              <a:t>해당 테스트 결과 잘 작동되며</a:t>
+              <a:t>해당 테스트 결과 잘 작동하는 것을 확인하였고</a:t>
             </a:r>
             <a:r>
               <a:rPr lang="en-US" altLang="ko-KR" sz="1800" dirty="0">
@@ -5273,25 +5274,8 @@
                 <a:latin typeface="나눔스퀘어" panose="020B0600000101010101" pitchFamily="50" charset="-127"/>
                 <a:ea typeface="나눔스퀘어" panose="020B0600000101010101" pitchFamily="50" charset="-127"/>
               </a:rPr>
-              <a:t>해당 테스트 내용은 중간 데모 안드로이드에 포함되는 부분이므로 생략하였음</a:t>
-            </a:r>
-            <a:endParaRPr lang="en-US" altLang="ko-KR" sz="1800" dirty="0">
-              <a:latin typeface="나눔스퀘어" panose="020B0600000101010101" pitchFamily="50" charset="-127"/>
-              <a:ea typeface="나눔스퀘어" panose="020B0600000101010101" pitchFamily="50" charset="-127"/>
-            </a:endParaRPr>
-          </a:p>
-          <a:p>
-            <a:pPr marL="722312" indent="-722312">
-              <a:lnSpc>
-                <a:spcPct val="150000"/>
-              </a:lnSpc>
-              <a:buSzPct val="50000"/>
-              <a:buBlip>
-                <a:blip r:embed="rId3">
-                  <a:extLst/>
-                </a:blip>
-              </a:buBlip>
-            </a:pPr>
+              <a:t>아치 프로젝트에 적용 중</a:t>
+            </a:r>
             <a:endParaRPr lang="en-US" altLang="ko-KR" sz="2400" dirty="0">
               <a:latin typeface="나눔스퀘어" panose="020B0600000101010101" pitchFamily="50" charset="-127"/>
               <a:ea typeface="나눔스퀘어" panose="020B0600000101010101" pitchFamily="50" charset="-127"/>
@@ -5321,7 +5305,7 @@
         </p:blipFill>
         <p:spPr>
           <a:xfrm>
-            <a:off x="5248800" y="1937886"/>
+            <a:off x="5248800" y="1990572"/>
             <a:ext cx="390145" cy="408433"/>
           </a:xfrm>
           <a:prstGeom prst="rect">
@@ -5351,7 +5335,7 @@
         </p:blipFill>
         <p:spPr>
           <a:xfrm>
-            <a:off x="5248800" y="3216660"/>
+            <a:off x="5248800" y="3168556"/>
             <a:ext cx="390145" cy="408433"/>
           </a:xfrm>
           <a:prstGeom prst="rect">
@@ -5411,7 +5395,7 @@
         </p:blipFill>
         <p:spPr>
           <a:xfrm>
-            <a:off x="5248799" y="4833113"/>
+            <a:off x="5248800" y="4803075"/>
             <a:ext cx="390145" cy="408433"/>
           </a:xfrm>
           <a:prstGeom prst="rect">
@@ -6214,7 +6198,7 @@
         </p:blipFill>
         <p:spPr>
           <a:xfrm>
-            <a:off x="1" y="0"/>
+            <a:off x="0" y="0"/>
             <a:ext cx="12192000" cy="6858000"/>
           </a:xfrm>
           <a:prstGeom prst="rect">
@@ -6222,12 +6206,54 @@
           </a:prstGeom>
         </p:spPr>
       </p:pic>
+      <p:sp>
+        <p:nvSpPr>
+          <p:cNvPr id="6" name="TextBox 5">
+            <a:extLst>
+              <a:ext uri="{FF2B5EF4-FFF2-40B4-BE49-F238E27FC236}">
+                <a16:creationId xmlns:a16="http://schemas.microsoft.com/office/drawing/2014/main" id="{42A6955F-C97B-4E5D-AA79-0644E3710CD5}"/>
+              </a:ext>
+            </a:extLst>
+          </p:cNvPr>
+          <p:cNvSpPr txBox="1"/>
+          <p:nvPr/>
+        </p:nvSpPr>
+        <p:spPr>
+          <a:xfrm>
+            <a:off x="4171440" y="341922"/>
+            <a:ext cx="3849131" cy="830997"/>
+          </a:xfrm>
+          <a:prstGeom prst="rect">
+            <a:avLst/>
+          </a:prstGeom>
+          <a:noFill/>
+        </p:spPr>
+        <p:txBody>
+          <a:bodyPr wrap="none" rtlCol="0">
+            <a:spAutoFit/>
+          </a:bodyPr>
+          <a:lstStyle/>
+          <a:p>
+            <a:pPr algn="ctr"/>
+            <a:r>
+              <a:rPr lang="ko-KR" altLang="en-US" sz="4800" dirty="0">
+                <a:solidFill>
+                  <a:srgbClr val="6BC7BF"/>
+                </a:solidFill>
+                <a:latin typeface="나눔스퀘어" panose="020B0600000101010101" pitchFamily="50" charset="-127"/>
+                <a:ea typeface="나눔스퀘어" panose="020B0600000101010101" pitchFamily="50" charset="-127"/>
+              </a:rPr>
+              <a:t>습관 분석 기능</a:t>
+            </a:r>
+          </a:p>
+        </p:txBody>
+      </p:sp>
       <p:cxnSp>
         <p:nvCxnSpPr>
-          <p:cNvPr id="5" name="직선 연결선 4">
-            <a:extLst>
-              <a:ext uri="{FF2B5EF4-FFF2-40B4-BE49-F238E27FC236}">
-                <a16:creationId xmlns:a16="http://schemas.microsoft.com/office/drawing/2014/main" id="{290D60BB-7AD3-47BD-B1F2-9CEAF32875A3}"/>
+          <p:cNvPr id="12" name="직선 연결선 11">
+            <a:extLst>
+              <a:ext uri="{FF2B5EF4-FFF2-40B4-BE49-F238E27FC236}">
+                <a16:creationId xmlns:a16="http://schemas.microsoft.com/office/drawing/2014/main" id="{F80AC6B6-728E-4A64-9826-7F423A7BB79C}"/>
               </a:ext>
             </a:extLst>
           </p:cNvPr>
@@ -6238,8 +6264,8 @@
         </p:nvCxnSpPr>
         <p:spPr>
           <a:xfrm>
-            <a:off x="1214482" y="4310010"/>
-            <a:ext cx="9763036" cy="0"/>
+            <a:off x="1065903" y="1172919"/>
+            <a:ext cx="10060193" cy="0"/>
           </a:xfrm>
           <a:prstGeom prst="line">
             <a:avLst/>
@@ -6268,202 +6294,10 @@
       </p:cxnSp>
       <p:sp>
         <p:nvSpPr>
-          <p:cNvPr id="7" name="개발 배경">
-            <a:extLst>
-              <a:ext uri="{FF2B5EF4-FFF2-40B4-BE49-F238E27FC236}">
-                <a16:creationId xmlns:a16="http://schemas.microsoft.com/office/drawing/2014/main" id="{7BCC61F2-9241-4C7E-891D-B602AF36CE71}"/>
-              </a:ext>
-            </a:extLst>
-          </p:cNvPr>
-          <p:cNvSpPr txBox="1">
-            <a:spLocks noGrp="1"/>
-          </p:cNvSpPr>
-          <p:nvPr>
-            <p:ph type="title"/>
-          </p:nvPr>
-        </p:nvSpPr>
-        <p:spPr>
-          <a:xfrm>
-            <a:off x="0" y="1627763"/>
-            <a:ext cx="12191999" cy="3602473"/>
-          </a:xfrm>
-          <a:prstGeom prst="rect">
-            <a:avLst/>
-          </a:prstGeom>
-        </p:spPr>
-        <p:txBody>
-          <a:bodyPr>
-            <a:normAutofit/>
-          </a:bodyPr>
-          <a:lstStyle/>
-          <a:p>
-            <a:pPr algn="ctr"/>
-            <a:r>
-              <a:rPr lang="ko-KR" altLang="en-US" sz="7200" dirty="0">
-                <a:latin typeface="나눔스퀘어" panose="020B0600000101010101" pitchFamily="50" charset="-127"/>
-                <a:ea typeface="나눔스퀘어" panose="020B0600000101010101" pitchFamily="50" charset="-127"/>
-              </a:rPr>
-              <a:t>중간 데모</a:t>
-            </a:r>
-            <a:endParaRPr sz="7200" dirty="0">
-              <a:latin typeface="나눔스퀘어" panose="020B0600000101010101" pitchFamily="50" charset="-127"/>
-              <a:ea typeface="나눔스퀘어" panose="020B0600000101010101" pitchFamily="50" charset="-127"/>
-            </a:endParaRPr>
-          </a:p>
-        </p:txBody>
-      </p:sp>
-    </p:spTree>
-    <p:extLst>
-      <p:ext uri="{BB962C8B-B14F-4D97-AF65-F5344CB8AC3E}">
-        <p14:creationId xmlns:p14="http://schemas.microsoft.com/office/powerpoint/2010/main" val="2820676713"/>
-      </p:ext>
-    </p:extLst>
-  </p:cSld>
-  <p:clrMapOvr>
-    <a:masterClrMapping/>
-  </p:clrMapOvr>
-</p:sld>
-</file>
-
-<file path=ppt/slides/slide15.xml><?xml version="1.0" encoding="utf-8"?>
-<p:sld xmlns:a="http://schemas.openxmlformats.org/drawingml/2006/main" xmlns:r="http://schemas.openxmlformats.org/officeDocument/2006/relationships" xmlns:p="http://schemas.openxmlformats.org/presentationml/2006/main">
-  <p:cSld>
-    <p:spTree>
-      <p:nvGrpSpPr>
-        <p:cNvPr id="1" name=""/>
-        <p:cNvGrpSpPr/>
-        <p:nvPr/>
-      </p:nvGrpSpPr>
-      <p:grpSpPr>
-        <a:xfrm>
-          <a:off x="0" y="0"/>
-          <a:ext cx="0" cy="0"/>
-          <a:chOff x="0" y="0"/>
-          <a:chExt cx="0" cy="0"/>
-        </a:xfrm>
-      </p:grpSpPr>
-      <p:pic>
-        <p:nvPicPr>
-          <p:cNvPr id="4" name="그림 3" descr="배경.png">
-            <a:extLst>
-              <a:ext uri="{FF2B5EF4-FFF2-40B4-BE49-F238E27FC236}">
-                <a16:creationId xmlns:a16="http://schemas.microsoft.com/office/drawing/2014/main" id="{2F00640A-04D8-44EE-AEB5-B96AB20BCD44}"/>
-              </a:ext>
-            </a:extLst>
-          </p:cNvPr>
-          <p:cNvPicPr>
-            <a:picLocks noChangeAspect="1"/>
-          </p:cNvPicPr>
-          <p:nvPr/>
-        </p:nvPicPr>
-        <p:blipFill>
-          <a:blip r:embed="rId3" cstate="print"/>
-          <a:stretch>
-            <a:fillRect/>
-          </a:stretch>
-        </p:blipFill>
-        <p:spPr>
-          <a:xfrm>
-            <a:off x="0" y="-156796"/>
-            <a:ext cx="12192000" cy="7171592"/>
-          </a:xfrm>
-          <a:prstGeom prst="rect">
-            <a:avLst/>
-          </a:prstGeom>
-        </p:spPr>
-      </p:pic>
-      <p:sp>
-        <p:nvSpPr>
-          <p:cNvPr id="6" name="TextBox 5">
-            <a:extLst>
-              <a:ext uri="{FF2B5EF4-FFF2-40B4-BE49-F238E27FC236}">
-                <a16:creationId xmlns:a16="http://schemas.microsoft.com/office/drawing/2014/main" id="{42A6955F-C97B-4E5D-AA79-0644E3710CD5}"/>
-              </a:ext>
-            </a:extLst>
-          </p:cNvPr>
-          <p:cNvSpPr txBox="1"/>
-          <p:nvPr/>
-        </p:nvSpPr>
-        <p:spPr>
-          <a:xfrm>
-            <a:off x="4807832" y="341922"/>
-            <a:ext cx="2576346" cy="830997"/>
-          </a:xfrm>
-          <a:prstGeom prst="rect">
-            <a:avLst/>
-          </a:prstGeom>
-          <a:noFill/>
-        </p:spPr>
-        <p:txBody>
-          <a:bodyPr wrap="none" rtlCol="0">
-            <a:spAutoFit/>
-          </a:bodyPr>
-          <a:lstStyle/>
-          <a:p>
-            <a:pPr algn="ctr"/>
-            <a:r>
-              <a:rPr lang="ko-KR" altLang="en-US" sz="4800" dirty="0">
-                <a:solidFill>
-                  <a:srgbClr val="6BC7BF"/>
-                </a:solidFill>
-                <a:latin typeface="나눔스퀘어" panose="020B0600000101010101" pitchFamily="50" charset="-127"/>
-                <a:ea typeface="나눔스퀘어" panose="020B0600000101010101" pitchFamily="50" charset="-127"/>
-              </a:rPr>
-              <a:t>중간 데모</a:t>
-            </a:r>
-          </a:p>
-        </p:txBody>
-      </p:sp>
-      <p:cxnSp>
-        <p:nvCxnSpPr>
-          <p:cNvPr id="12" name="직선 연결선 11">
-            <a:extLst>
-              <a:ext uri="{FF2B5EF4-FFF2-40B4-BE49-F238E27FC236}">
-                <a16:creationId xmlns:a16="http://schemas.microsoft.com/office/drawing/2014/main" id="{F80AC6B6-728E-4A64-9826-7F423A7BB79C}"/>
-              </a:ext>
-            </a:extLst>
-          </p:cNvPr>
-          <p:cNvCxnSpPr>
-            <a:cxnSpLocks/>
-          </p:cNvCxnSpPr>
-          <p:nvPr/>
-        </p:nvCxnSpPr>
-        <p:spPr>
-          <a:xfrm>
-            <a:off x="1065903" y="1172919"/>
-            <a:ext cx="10060193" cy="0"/>
-          </a:xfrm>
-          <a:prstGeom prst="line">
-            <a:avLst/>
-          </a:prstGeom>
-          <a:ln w="12700">
-            <a:solidFill>
-              <a:srgbClr val="6BC7BF"/>
-            </a:solidFill>
-          </a:ln>
-          <a:effectLst/>
-        </p:spPr>
-        <p:style>
-          <a:lnRef idx="1">
-            <a:schemeClr val="accent1"/>
-          </a:lnRef>
-          <a:fillRef idx="0">
-            <a:schemeClr val="accent1"/>
-          </a:fillRef>
-          <a:effectRef idx="0">
-            <a:schemeClr val="accent1"/>
-          </a:effectRef>
-          <a:fontRef idx="minor">
-            <a:schemeClr val="tx1"/>
-          </a:fontRef>
-        </p:style>
-      </p:cxnSp>
-      <p:sp>
-        <p:nvSpPr>
-          <p:cNvPr id="9" name="다양한 스마트 헬스케어 제품 출시…">
-            <a:extLst>
-              <a:ext uri="{FF2B5EF4-FFF2-40B4-BE49-F238E27FC236}">
-                <a16:creationId xmlns:a16="http://schemas.microsoft.com/office/drawing/2014/main" id="{C4163997-D359-41F1-850C-D012E8517DC1}"/>
+          <p:cNvPr id="7" name="다양한 스마트 헬스케어 제품 출시…">
+            <a:extLst>
+              <a:ext uri="{FF2B5EF4-FFF2-40B4-BE49-F238E27FC236}">
+                <a16:creationId xmlns:a16="http://schemas.microsoft.com/office/drawing/2014/main" id="{399E04D2-224C-4A20-97DC-3F40E236C3D1}"/>
               </a:ext>
             </a:extLst>
           </p:cNvPr>
@@ -6474,8 +6308,8 @@
         </p:nvSpPr>
         <p:spPr>
           <a:xfrm>
-            <a:off x="1442355" y="2416595"/>
-            <a:ext cx="9307285" cy="3833982"/>
+            <a:off x="1065901" y="1856096"/>
+            <a:ext cx="10060193" cy="4401011"/>
           </a:xfrm>
           <a:prstGeom prst="rect">
             <a:avLst/>
@@ -6650,6 +6484,895 @@
             </a:lvl9pPr>
           </a:lstStyle>
           <a:p>
+            <a:pPr marL="0" indent="0">
+              <a:lnSpc>
+                <a:spcPct val="150000"/>
+              </a:lnSpc>
+              <a:buSzPct val="50000"/>
+              <a:buNone/>
+            </a:pPr>
+            <a:r>
+              <a:rPr lang="ko-KR" altLang="en-US" b="1" dirty="0">
+                <a:latin typeface="나눔스퀘어" panose="020B0600000101010101" pitchFamily="50" charset="-127"/>
+                <a:ea typeface="나눔스퀘어" panose="020B0600000101010101" pitchFamily="50" charset="-127"/>
+              </a:rPr>
+              <a:t>점수 계산 방법</a:t>
+            </a:r>
+            <a:endParaRPr lang="en-US" altLang="ko-KR" b="1" dirty="0">
+              <a:latin typeface="나눔스퀘어" panose="020B0600000101010101" pitchFamily="50" charset="-127"/>
+              <a:ea typeface="나눔스퀘어" panose="020B0600000101010101" pitchFamily="50" charset="-127"/>
+            </a:endParaRPr>
+          </a:p>
+          <a:p>
+            <a:pPr marL="0" indent="0">
+              <a:lnSpc>
+                <a:spcPct val="150000"/>
+              </a:lnSpc>
+              <a:buSzPct val="50000"/>
+              <a:buNone/>
+            </a:pPr>
+            <a:r>
+              <a:rPr lang="en-US" altLang="ko-KR" sz="1800" dirty="0">
+                <a:latin typeface="나눔스퀘어" panose="020B0600000101010101" pitchFamily="50" charset="-127"/>
+                <a:ea typeface="나눔스퀘어" panose="020B0600000101010101" pitchFamily="50" charset="-127"/>
+              </a:rPr>
+              <a:t>100</a:t>
+            </a:r>
+            <a:r>
+              <a:rPr lang="ko-KR" altLang="en-US" sz="1800" dirty="0">
+                <a:latin typeface="나눔스퀘어" panose="020B0600000101010101" pitchFamily="50" charset="-127"/>
+                <a:ea typeface="나눔스퀘어" panose="020B0600000101010101" pitchFamily="50" charset="-127"/>
+              </a:rPr>
+              <a:t>점에서 시작하여 감점하는 방식</a:t>
+            </a:r>
+            <a:endParaRPr lang="en-US" altLang="ko-KR" sz="1800" dirty="0">
+              <a:latin typeface="나눔스퀘어" panose="020B0600000101010101" pitchFamily="50" charset="-127"/>
+              <a:ea typeface="나눔스퀘어" panose="020B0600000101010101" pitchFamily="50" charset="-127"/>
+            </a:endParaRPr>
+          </a:p>
+          <a:p>
+            <a:pPr marL="0" indent="0">
+              <a:lnSpc>
+                <a:spcPct val="150000"/>
+              </a:lnSpc>
+              <a:buSzPct val="50000"/>
+              <a:buNone/>
+            </a:pPr>
+            <a:r>
+              <a:rPr lang="ko-KR" altLang="en-US" sz="1800" dirty="0">
+                <a:latin typeface="나눔스퀘어" panose="020B0600000101010101" pitchFamily="50" charset="-127"/>
+                <a:ea typeface="나눔스퀘어" panose="020B0600000101010101" pitchFamily="50" charset="-127"/>
+              </a:rPr>
+              <a:t>감점 요인 </a:t>
+            </a:r>
+            <a:r>
+              <a:rPr lang="en-US" altLang="ko-KR" sz="1800" dirty="0">
+                <a:latin typeface="나눔스퀘어" panose="020B0600000101010101" pitchFamily="50" charset="-127"/>
+                <a:ea typeface="나눔스퀘어" panose="020B0600000101010101" pitchFamily="50" charset="-127"/>
+              </a:rPr>
+              <a:t>: </a:t>
+            </a:r>
+            <a:r>
+              <a:rPr lang="ko-KR" altLang="en-US" sz="1800" dirty="0">
+                <a:latin typeface="나눔스퀘어" panose="020B0600000101010101" pitchFamily="50" charset="-127"/>
+                <a:ea typeface="나눔스퀘어" panose="020B0600000101010101" pitchFamily="50" charset="-127"/>
+              </a:rPr>
+              <a:t>전체 양치 시간</a:t>
+            </a:r>
+            <a:r>
+              <a:rPr lang="en-US" altLang="ko-KR" sz="1800" dirty="0">
+                <a:latin typeface="나눔스퀘어" panose="020B0600000101010101" pitchFamily="50" charset="-127"/>
+                <a:ea typeface="나눔스퀘어" panose="020B0600000101010101" pitchFamily="50" charset="-127"/>
+              </a:rPr>
+              <a:t>, </a:t>
+            </a:r>
+            <a:r>
+              <a:rPr lang="ko-KR" altLang="en-US" sz="1800" dirty="0">
+                <a:latin typeface="나눔스퀘어" panose="020B0600000101010101" pitchFamily="50" charset="-127"/>
+                <a:ea typeface="나눔스퀘어" panose="020B0600000101010101" pitchFamily="50" charset="-127"/>
+              </a:rPr>
+              <a:t>치아 별 양치 시간</a:t>
+            </a:r>
+            <a:r>
+              <a:rPr lang="en-US" altLang="ko-KR" sz="1800" dirty="0">
+                <a:latin typeface="나눔스퀘어" panose="020B0600000101010101" pitchFamily="50" charset="-127"/>
+                <a:ea typeface="나눔스퀘어" panose="020B0600000101010101" pitchFamily="50" charset="-127"/>
+              </a:rPr>
+              <a:t>, </a:t>
+            </a:r>
+            <a:r>
+              <a:rPr lang="ko-KR" altLang="en-US" sz="1800" dirty="0">
+                <a:latin typeface="나눔스퀘어" panose="020B0600000101010101" pitchFamily="50" charset="-127"/>
+                <a:ea typeface="나눔스퀘어" panose="020B0600000101010101" pitchFamily="50" charset="-127"/>
+              </a:rPr>
+              <a:t>압력</a:t>
+            </a:r>
+            <a:r>
+              <a:rPr lang="en-US" altLang="ko-KR" sz="1800" dirty="0">
+                <a:latin typeface="나눔스퀘어" panose="020B0600000101010101" pitchFamily="50" charset="-127"/>
+                <a:ea typeface="나눔스퀘어" panose="020B0600000101010101" pitchFamily="50" charset="-127"/>
+              </a:rPr>
+              <a:t> </a:t>
+            </a:r>
+          </a:p>
+          <a:p>
+            <a:pPr marL="722312" indent="-722312">
+              <a:lnSpc>
+                <a:spcPct val="150000"/>
+              </a:lnSpc>
+              <a:buSzPct val="50000"/>
+              <a:buBlip>
+                <a:blip r:embed="rId3">
+                  <a:extLst/>
+                </a:blip>
+              </a:buBlip>
+            </a:pPr>
+            <a:r>
+              <a:rPr lang="ko-KR" altLang="en-US" sz="1800" dirty="0">
+                <a:latin typeface="나눔스퀘어" panose="020B0600000101010101" pitchFamily="50" charset="-127"/>
+                <a:ea typeface="나눔스퀘어" panose="020B0600000101010101" pitchFamily="50" charset="-127"/>
+              </a:rPr>
+              <a:t>전체 양치 시간이 </a:t>
+            </a:r>
+            <a:r>
+              <a:rPr lang="en-US" altLang="ko-KR" sz="1800" dirty="0">
+                <a:latin typeface="나눔스퀘어" panose="020B0600000101010101" pitchFamily="50" charset="-127"/>
+                <a:ea typeface="나눔스퀘어" panose="020B0600000101010101" pitchFamily="50" charset="-127"/>
+              </a:rPr>
+              <a:t>2</a:t>
+            </a:r>
+            <a:r>
+              <a:rPr lang="ko-KR" altLang="en-US" sz="1800" dirty="0">
+                <a:latin typeface="나눔스퀘어" panose="020B0600000101010101" pitchFamily="50" charset="-127"/>
+                <a:ea typeface="나눔스퀘어" panose="020B0600000101010101" pitchFamily="50" charset="-127"/>
+              </a:rPr>
+              <a:t>분 </a:t>
+            </a:r>
+            <a:r>
+              <a:rPr lang="en-US" altLang="ko-KR" sz="1800" dirty="0">
+                <a:latin typeface="나눔스퀘어" panose="020B0600000101010101" pitchFamily="50" charset="-127"/>
+                <a:ea typeface="나눔스퀘어" panose="020B0600000101010101" pitchFamily="50" charset="-127"/>
+              </a:rPr>
+              <a:t>30</a:t>
+            </a:r>
+            <a:r>
+              <a:rPr lang="ko-KR" altLang="en-US" sz="1800" dirty="0">
+                <a:latin typeface="나눔스퀘어" panose="020B0600000101010101" pitchFamily="50" charset="-127"/>
+                <a:ea typeface="나눔스퀘어" panose="020B0600000101010101" pitchFamily="50" charset="-127"/>
+              </a:rPr>
+              <a:t>초에서 </a:t>
+            </a:r>
+            <a:r>
+              <a:rPr lang="en-US" altLang="ko-KR" sz="1800" dirty="0">
+                <a:latin typeface="나눔스퀘어" panose="020B0600000101010101" pitchFamily="50" charset="-127"/>
+                <a:ea typeface="나눔스퀘어" panose="020B0600000101010101" pitchFamily="50" charset="-127"/>
+              </a:rPr>
+              <a:t>3</a:t>
+            </a:r>
+            <a:r>
+              <a:rPr lang="ko-KR" altLang="en-US" sz="1800" dirty="0">
+                <a:latin typeface="나눔스퀘어" panose="020B0600000101010101" pitchFamily="50" charset="-127"/>
+                <a:ea typeface="나눔스퀘어" panose="020B0600000101010101" pitchFamily="50" charset="-127"/>
+              </a:rPr>
+              <a:t>분 </a:t>
+            </a:r>
+            <a:r>
+              <a:rPr lang="en-US" altLang="ko-KR" sz="1800" dirty="0">
+                <a:latin typeface="나눔스퀘어" panose="020B0600000101010101" pitchFamily="50" charset="-127"/>
+                <a:ea typeface="나눔스퀘어" panose="020B0600000101010101" pitchFamily="50" charset="-127"/>
+              </a:rPr>
+              <a:t>30</a:t>
+            </a:r>
+            <a:r>
+              <a:rPr lang="ko-KR" altLang="en-US" sz="1800" dirty="0">
+                <a:latin typeface="나눔스퀘어" panose="020B0600000101010101" pitchFamily="50" charset="-127"/>
+                <a:ea typeface="나눔스퀘어" panose="020B0600000101010101" pitchFamily="50" charset="-127"/>
+              </a:rPr>
+              <a:t>초 사이면 감점이 없고 이로부터 벗어나면 </a:t>
+            </a:r>
+            <a:r>
+              <a:rPr lang="en-US" altLang="ko-KR" sz="1800" dirty="0">
+                <a:latin typeface="나눔스퀘어" panose="020B0600000101010101" pitchFamily="50" charset="-127"/>
+                <a:ea typeface="나눔스퀘어" panose="020B0600000101010101" pitchFamily="50" charset="-127"/>
+              </a:rPr>
+              <a:t>10</a:t>
+            </a:r>
+            <a:r>
+              <a:rPr lang="ko-KR" altLang="en-US" sz="1800" dirty="0">
+                <a:latin typeface="나눔스퀘어" panose="020B0600000101010101" pitchFamily="50" charset="-127"/>
+                <a:ea typeface="나눔스퀘어" panose="020B0600000101010101" pitchFamily="50" charset="-127"/>
+              </a:rPr>
+              <a:t>초 마다 </a:t>
+            </a:r>
+            <a:r>
+              <a:rPr lang="en-US" altLang="ko-KR" sz="1800" dirty="0">
+                <a:latin typeface="나눔스퀘어" panose="020B0600000101010101" pitchFamily="50" charset="-127"/>
+                <a:ea typeface="나눔스퀘어" panose="020B0600000101010101" pitchFamily="50" charset="-127"/>
+              </a:rPr>
+              <a:t>5</a:t>
+            </a:r>
+            <a:r>
+              <a:rPr lang="ko-KR" altLang="en-US" sz="1800" dirty="0">
+                <a:latin typeface="나눔스퀘어" panose="020B0600000101010101" pitchFamily="50" charset="-127"/>
+                <a:ea typeface="나눔스퀘어" panose="020B0600000101010101" pitchFamily="50" charset="-127"/>
+              </a:rPr>
+              <a:t>점 씩 감점</a:t>
+            </a:r>
+            <a:endParaRPr lang="en-US" altLang="ko-KR" sz="1800" dirty="0">
+              <a:latin typeface="나눔스퀘어" panose="020B0600000101010101" pitchFamily="50" charset="-127"/>
+              <a:ea typeface="나눔스퀘어" panose="020B0600000101010101" pitchFamily="50" charset="-127"/>
+            </a:endParaRPr>
+          </a:p>
+          <a:p>
+            <a:pPr marL="722312" indent="-722312">
+              <a:lnSpc>
+                <a:spcPct val="150000"/>
+              </a:lnSpc>
+              <a:buSzPct val="50000"/>
+              <a:buBlip>
+                <a:blip r:embed="rId3">
+                  <a:extLst/>
+                </a:blip>
+              </a:buBlip>
+            </a:pPr>
+            <a:r>
+              <a:rPr lang="ko-KR" altLang="en-US" sz="1800" dirty="0">
+                <a:latin typeface="나눔스퀘어" panose="020B0600000101010101" pitchFamily="50" charset="-127"/>
+                <a:ea typeface="나눔스퀘어" panose="020B0600000101010101" pitchFamily="50" charset="-127"/>
+              </a:rPr>
+              <a:t>치아를 </a:t>
+            </a:r>
+            <a:r>
+              <a:rPr lang="en-US" altLang="ko-KR" sz="1800" dirty="0">
+                <a:latin typeface="나눔스퀘어" panose="020B0600000101010101" pitchFamily="50" charset="-127"/>
+                <a:ea typeface="나눔스퀘어" panose="020B0600000101010101" pitchFamily="50" charset="-127"/>
+              </a:rPr>
+              <a:t>6 </a:t>
+            </a:r>
+            <a:r>
+              <a:rPr lang="ko-KR" altLang="en-US" sz="1800" dirty="0">
+                <a:latin typeface="나눔스퀘어" panose="020B0600000101010101" pitchFamily="50" charset="-127"/>
+                <a:ea typeface="나눔스퀘어" panose="020B0600000101010101" pitchFamily="50" charset="-127"/>
+              </a:rPr>
+              <a:t>구간으로 나누어 한 구간을 너무 오랫동안 양치질 하거나 너무 짧은 시간 양치질 하면 </a:t>
+            </a:r>
+            <a:r>
+              <a:rPr lang="en-US" altLang="ko-KR" sz="1800" dirty="0">
+                <a:latin typeface="나눔스퀘어" panose="020B0600000101010101" pitchFamily="50" charset="-127"/>
+                <a:ea typeface="나눔스퀘어" panose="020B0600000101010101" pitchFamily="50" charset="-127"/>
+              </a:rPr>
+              <a:t>5</a:t>
+            </a:r>
+            <a:r>
+              <a:rPr lang="ko-KR" altLang="en-US" sz="1800" dirty="0">
+                <a:latin typeface="나눔스퀘어" panose="020B0600000101010101" pitchFamily="50" charset="-127"/>
+                <a:ea typeface="나눔스퀘어" panose="020B0600000101010101" pitchFamily="50" charset="-127"/>
+              </a:rPr>
+              <a:t>점 감점</a:t>
+            </a:r>
+            <a:endParaRPr lang="en-US" altLang="ko-KR" sz="1800" dirty="0">
+              <a:latin typeface="나눔스퀘어" panose="020B0600000101010101" pitchFamily="50" charset="-127"/>
+              <a:ea typeface="나눔스퀘어" panose="020B0600000101010101" pitchFamily="50" charset="-127"/>
+            </a:endParaRPr>
+          </a:p>
+          <a:p>
+            <a:pPr marL="722312" indent="-722312">
+              <a:lnSpc>
+                <a:spcPct val="150000"/>
+              </a:lnSpc>
+              <a:buSzPct val="50000"/>
+              <a:buBlip>
+                <a:blip r:embed="rId3">
+                  <a:extLst/>
+                </a:blip>
+              </a:buBlip>
+            </a:pPr>
+            <a:r>
+              <a:rPr lang="ko-KR" altLang="en-US" sz="1800" dirty="0">
+                <a:latin typeface="나눔스퀘어" panose="020B0600000101010101" pitchFamily="50" charset="-127"/>
+                <a:ea typeface="나눔스퀘어" panose="020B0600000101010101" pitchFamily="50" charset="-127"/>
+              </a:rPr>
+              <a:t>치아에 가해지는 압력이 일정 기준 이상이면 횟수당 </a:t>
+            </a:r>
+            <a:r>
+              <a:rPr lang="en-US" altLang="ko-KR" sz="1800" dirty="0">
+                <a:latin typeface="나눔스퀘어" panose="020B0600000101010101" pitchFamily="50" charset="-127"/>
+                <a:ea typeface="나눔스퀘어" panose="020B0600000101010101" pitchFamily="50" charset="-127"/>
+              </a:rPr>
+              <a:t>3</a:t>
+            </a:r>
+            <a:r>
+              <a:rPr lang="ko-KR" altLang="en-US" sz="1800" dirty="0">
+                <a:latin typeface="나눔스퀘어" panose="020B0600000101010101" pitchFamily="50" charset="-127"/>
+                <a:ea typeface="나눔스퀘어" panose="020B0600000101010101" pitchFamily="50" charset="-127"/>
+              </a:rPr>
+              <a:t>점 감점</a:t>
+            </a:r>
+            <a:endParaRPr lang="en-US" altLang="ko-KR" sz="1800" dirty="0">
+              <a:latin typeface="나눔스퀘어" panose="020B0600000101010101" pitchFamily="50" charset="-127"/>
+              <a:ea typeface="나눔스퀘어" panose="020B0600000101010101" pitchFamily="50" charset="-127"/>
+            </a:endParaRPr>
+          </a:p>
+        </p:txBody>
+      </p:sp>
+      <p:pic>
+        <p:nvPicPr>
+          <p:cNvPr id="13" name="그림 12" descr="1.png">
+            <a:extLst>
+              <a:ext uri="{FF2B5EF4-FFF2-40B4-BE49-F238E27FC236}">
+                <a16:creationId xmlns:a16="http://schemas.microsoft.com/office/drawing/2014/main" id="{903754AE-EA71-4494-8648-13131EB0461B}"/>
+              </a:ext>
+            </a:extLst>
+          </p:cNvPr>
+          <p:cNvPicPr>
+            <a:picLocks noChangeAspect="1"/>
+          </p:cNvPicPr>
+          <p:nvPr/>
+        </p:nvPicPr>
+        <p:blipFill>
+          <a:blip r:embed="rId4" cstate="print"/>
+          <a:stretch>
+            <a:fillRect/>
+          </a:stretch>
+        </p:blipFill>
+        <p:spPr>
+          <a:xfrm>
+            <a:off x="1065900" y="3877815"/>
+            <a:ext cx="390145" cy="408433"/>
+          </a:xfrm>
+          <a:prstGeom prst="rect">
+            <a:avLst/>
+          </a:prstGeom>
+        </p:spPr>
+      </p:pic>
+      <p:pic>
+        <p:nvPicPr>
+          <p:cNvPr id="14" name="그림 13" descr="2.png">
+            <a:extLst>
+              <a:ext uri="{FF2B5EF4-FFF2-40B4-BE49-F238E27FC236}">
+                <a16:creationId xmlns:a16="http://schemas.microsoft.com/office/drawing/2014/main" id="{AF68D7AC-D37B-44CB-A338-C4F5FC00E22F}"/>
+              </a:ext>
+            </a:extLst>
+          </p:cNvPr>
+          <p:cNvPicPr>
+            <a:picLocks noChangeAspect="1"/>
+          </p:cNvPicPr>
+          <p:nvPr/>
+        </p:nvPicPr>
+        <p:blipFill>
+          <a:blip r:embed="rId5" cstate="print"/>
+          <a:stretch>
+            <a:fillRect/>
+          </a:stretch>
+        </p:blipFill>
+        <p:spPr>
+          <a:xfrm>
+            <a:off x="1065900" y="4780603"/>
+            <a:ext cx="390145" cy="408433"/>
+          </a:xfrm>
+          <a:prstGeom prst="rect">
+            <a:avLst/>
+          </a:prstGeom>
+        </p:spPr>
+      </p:pic>
+      <p:pic>
+        <p:nvPicPr>
+          <p:cNvPr id="11" name="그림 10" descr="3.png">
+            <a:extLst>
+              <a:ext uri="{FF2B5EF4-FFF2-40B4-BE49-F238E27FC236}">
+                <a16:creationId xmlns:a16="http://schemas.microsoft.com/office/drawing/2014/main" id="{A35726E9-ED24-4F8F-990A-D9AE495022D7}"/>
+              </a:ext>
+            </a:extLst>
+          </p:cNvPr>
+          <p:cNvPicPr>
+            <a:picLocks noChangeAspect="1"/>
+          </p:cNvPicPr>
+          <p:nvPr/>
+        </p:nvPicPr>
+        <p:blipFill>
+          <a:blip r:embed="rId6" cstate="print"/>
+          <a:stretch>
+            <a:fillRect/>
+          </a:stretch>
+        </p:blipFill>
+        <p:spPr>
+          <a:xfrm>
+            <a:off x="1065900" y="5683392"/>
+            <a:ext cx="390145" cy="408433"/>
+          </a:xfrm>
+          <a:prstGeom prst="rect">
+            <a:avLst/>
+          </a:prstGeom>
+        </p:spPr>
+      </p:pic>
+    </p:spTree>
+    <p:extLst>
+      <p:ext uri="{BB962C8B-B14F-4D97-AF65-F5344CB8AC3E}">
+        <p14:creationId xmlns:p14="http://schemas.microsoft.com/office/powerpoint/2010/main" val="1777529519"/>
+      </p:ext>
+    </p:extLst>
+  </p:cSld>
+  <p:clrMapOvr>
+    <a:masterClrMapping/>
+  </p:clrMapOvr>
+</p:sld>
+</file>
+
+<file path=ppt/slides/slide15.xml><?xml version="1.0" encoding="utf-8"?>
+<p:sld xmlns:a="http://schemas.openxmlformats.org/drawingml/2006/main" xmlns:r="http://schemas.openxmlformats.org/officeDocument/2006/relationships" xmlns:p="http://schemas.openxmlformats.org/presentationml/2006/main">
+  <p:cSld>
+    <p:spTree>
+      <p:nvGrpSpPr>
+        <p:cNvPr id="1" name=""/>
+        <p:cNvGrpSpPr/>
+        <p:nvPr/>
+      </p:nvGrpSpPr>
+      <p:grpSpPr>
+        <a:xfrm>
+          <a:off x="0" y="0"/>
+          <a:ext cx="0" cy="0"/>
+          <a:chOff x="0" y="0"/>
+          <a:chExt cx="0" cy="0"/>
+        </a:xfrm>
+      </p:grpSpPr>
+      <p:pic>
+        <p:nvPicPr>
+          <p:cNvPr id="4" name="그림 3" descr="배경.png">
+            <a:extLst>
+              <a:ext uri="{FF2B5EF4-FFF2-40B4-BE49-F238E27FC236}">
+                <a16:creationId xmlns:a16="http://schemas.microsoft.com/office/drawing/2014/main" id="{2F00640A-04D8-44EE-AEB5-B96AB20BCD44}"/>
+              </a:ext>
+            </a:extLst>
+          </p:cNvPr>
+          <p:cNvPicPr>
+            <a:picLocks noChangeAspect="1"/>
+          </p:cNvPicPr>
+          <p:nvPr/>
+        </p:nvPicPr>
+        <p:blipFill>
+          <a:blip r:embed="rId2" cstate="print"/>
+          <a:stretch>
+            <a:fillRect/>
+          </a:stretch>
+        </p:blipFill>
+        <p:spPr>
+          <a:xfrm>
+            <a:off x="1" y="0"/>
+            <a:ext cx="12192000" cy="6858000"/>
+          </a:xfrm>
+          <a:prstGeom prst="rect">
+            <a:avLst/>
+          </a:prstGeom>
+        </p:spPr>
+      </p:pic>
+      <p:cxnSp>
+        <p:nvCxnSpPr>
+          <p:cNvPr id="5" name="직선 연결선 4">
+            <a:extLst>
+              <a:ext uri="{FF2B5EF4-FFF2-40B4-BE49-F238E27FC236}">
+                <a16:creationId xmlns:a16="http://schemas.microsoft.com/office/drawing/2014/main" id="{290D60BB-7AD3-47BD-B1F2-9CEAF32875A3}"/>
+              </a:ext>
+            </a:extLst>
+          </p:cNvPr>
+          <p:cNvCxnSpPr>
+            <a:cxnSpLocks/>
+          </p:cNvCxnSpPr>
+          <p:nvPr/>
+        </p:nvCxnSpPr>
+        <p:spPr>
+          <a:xfrm>
+            <a:off x="1214482" y="4310010"/>
+            <a:ext cx="9763036" cy="0"/>
+          </a:xfrm>
+          <a:prstGeom prst="line">
+            <a:avLst/>
+          </a:prstGeom>
+          <a:ln w="12700">
+            <a:solidFill>
+              <a:srgbClr val="6BC7BF"/>
+            </a:solidFill>
+          </a:ln>
+          <a:effectLst/>
+        </p:spPr>
+        <p:style>
+          <a:lnRef idx="1">
+            <a:schemeClr val="accent1"/>
+          </a:lnRef>
+          <a:fillRef idx="0">
+            <a:schemeClr val="accent1"/>
+          </a:fillRef>
+          <a:effectRef idx="0">
+            <a:schemeClr val="accent1"/>
+          </a:effectRef>
+          <a:fontRef idx="minor">
+            <a:schemeClr val="tx1"/>
+          </a:fontRef>
+        </p:style>
+      </p:cxnSp>
+      <p:sp>
+        <p:nvSpPr>
+          <p:cNvPr id="7" name="개발 배경">
+            <a:extLst>
+              <a:ext uri="{FF2B5EF4-FFF2-40B4-BE49-F238E27FC236}">
+                <a16:creationId xmlns:a16="http://schemas.microsoft.com/office/drawing/2014/main" id="{7BCC61F2-9241-4C7E-891D-B602AF36CE71}"/>
+              </a:ext>
+            </a:extLst>
+          </p:cNvPr>
+          <p:cNvSpPr txBox="1">
+            <a:spLocks noGrp="1"/>
+          </p:cNvSpPr>
+          <p:nvPr>
+            <p:ph type="title"/>
+          </p:nvPr>
+        </p:nvSpPr>
+        <p:spPr>
+          <a:xfrm>
+            <a:off x="0" y="1627763"/>
+            <a:ext cx="12191999" cy="3602473"/>
+          </a:xfrm>
+          <a:prstGeom prst="rect">
+            <a:avLst/>
+          </a:prstGeom>
+        </p:spPr>
+        <p:txBody>
+          <a:bodyPr>
+            <a:normAutofit/>
+          </a:bodyPr>
+          <a:lstStyle/>
+          <a:p>
+            <a:pPr algn="ctr"/>
+            <a:r>
+              <a:rPr lang="ko-KR" altLang="en-US" sz="7200" dirty="0">
+                <a:latin typeface="나눔스퀘어" panose="020B0600000101010101" pitchFamily="50" charset="-127"/>
+                <a:ea typeface="나눔스퀘어" panose="020B0600000101010101" pitchFamily="50" charset="-127"/>
+              </a:rPr>
+              <a:t>중간 데모</a:t>
+            </a:r>
+            <a:endParaRPr sz="7200" dirty="0">
+              <a:latin typeface="나눔스퀘어" panose="020B0600000101010101" pitchFamily="50" charset="-127"/>
+              <a:ea typeface="나눔스퀘어" panose="020B0600000101010101" pitchFamily="50" charset="-127"/>
+            </a:endParaRPr>
+          </a:p>
+        </p:txBody>
+      </p:sp>
+    </p:spTree>
+    <p:extLst>
+      <p:ext uri="{BB962C8B-B14F-4D97-AF65-F5344CB8AC3E}">
+        <p14:creationId xmlns:p14="http://schemas.microsoft.com/office/powerpoint/2010/main" val="2820676713"/>
+      </p:ext>
+    </p:extLst>
+  </p:cSld>
+  <p:clrMapOvr>
+    <a:masterClrMapping/>
+  </p:clrMapOvr>
+</p:sld>
+</file>
+
+<file path=ppt/slides/slide16.xml><?xml version="1.0" encoding="utf-8"?>
+<p:sld xmlns:a="http://schemas.openxmlformats.org/drawingml/2006/main" xmlns:r="http://schemas.openxmlformats.org/officeDocument/2006/relationships" xmlns:p="http://schemas.openxmlformats.org/presentationml/2006/main">
+  <p:cSld>
+    <p:spTree>
+      <p:nvGrpSpPr>
+        <p:cNvPr id="1" name=""/>
+        <p:cNvGrpSpPr/>
+        <p:nvPr/>
+      </p:nvGrpSpPr>
+      <p:grpSpPr>
+        <a:xfrm>
+          <a:off x="0" y="0"/>
+          <a:ext cx="0" cy="0"/>
+          <a:chOff x="0" y="0"/>
+          <a:chExt cx="0" cy="0"/>
+        </a:xfrm>
+      </p:grpSpPr>
+      <p:pic>
+        <p:nvPicPr>
+          <p:cNvPr id="4" name="그림 3" descr="배경.png">
+            <a:extLst>
+              <a:ext uri="{FF2B5EF4-FFF2-40B4-BE49-F238E27FC236}">
+                <a16:creationId xmlns:a16="http://schemas.microsoft.com/office/drawing/2014/main" id="{2F00640A-04D8-44EE-AEB5-B96AB20BCD44}"/>
+              </a:ext>
+            </a:extLst>
+          </p:cNvPr>
+          <p:cNvPicPr>
+            <a:picLocks noChangeAspect="1"/>
+          </p:cNvPicPr>
+          <p:nvPr/>
+        </p:nvPicPr>
+        <p:blipFill>
+          <a:blip r:embed="rId3" cstate="print"/>
+          <a:stretch>
+            <a:fillRect/>
+          </a:stretch>
+        </p:blipFill>
+        <p:spPr>
+          <a:xfrm>
+            <a:off x="0" y="-156796"/>
+            <a:ext cx="12192000" cy="7171592"/>
+          </a:xfrm>
+          <a:prstGeom prst="rect">
+            <a:avLst/>
+          </a:prstGeom>
+        </p:spPr>
+      </p:pic>
+      <p:sp>
+        <p:nvSpPr>
+          <p:cNvPr id="6" name="TextBox 5">
+            <a:extLst>
+              <a:ext uri="{FF2B5EF4-FFF2-40B4-BE49-F238E27FC236}">
+                <a16:creationId xmlns:a16="http://schemas.microsoft.com/office/drawing/2014/main" id="{42A6955F-C97B-4E5D-AA79-0644E3710CD5}"/>
+              </a:ext>
+            </a:extLst>
+          </p:cNvPr>
+          <p:cNvSpPr txBox="1"/>
+          <p:nvPr/>
+        </p:nvSpPr>
+        <p:spPr>
+          <a:xfrm>
+            <a:off x="4807832" y="341922"/>
+            <a:ext cx="2576346" cy="830997"/>
+          </a:xfrm>
+          <a:prstGeom prst="rect">
+            <a:avLst/>
+          </a:prstGeom>
+          <a:noFill/>
+        </p:spPr>
+        <p:txBody>
+          <a:bodyPr wrap="none" rtlCol="0">
+            <a:spAutoFit/>
+          </a:bodyPr>
+          <a:lstStyle/>
+          <a:p>
+            <a:pPr algn="ctr"/>
+            <a:r>
+              <a:rPr lang="ko-KR" altLang="en-US" sz="4800" dirty="0">
+                <a:solidFill>
+                  <a:srgbClr val="6BC7BF"/>
+                </a:solidFill>
+                <a:latin typeface="나눔스퀘어" panose="020B0600000101010101" pitchFamily="50" charset="-127"/>
+                <a:ea typeface="나눔스퀘어" panose="020B0600000101010101" pitchFamily="50" charset="-127"/>
+              </a:rPr>
+              <a:t>중간 데모</a:t>
+            </a:r>
+          </a:p>
+        </p:txBody>
+      </p:sp>
+      <p:cxnSp>
+        <p:nvCxnSpPr>
+          <p:cNvPr id="12" name="직선 연결선 11">
+            <a:extLst>
+              <a:ext uri="{FF2B5EF4-FFF2-40B4-BE49-F238E27FC236}">
+                <a16:creationId xmlns:a16="http://schemas.microsoft.com/office/drawing/2014/main" id="{F80AC6B6-728E-4A64-9826-7F423A7BB79C}"/>
+              </a:ext>
+            </a:extLst>
+          </p:cNvPr>
+          <p:cNvCxnSpPr>
+            <a:cxnSpLocks/>
+          </p:cNvCxnSpPr>
+          <p:nvPr/>
+        </p:nvCxnSpPr>
+        <p:spPr>
+          <a:xfrm>
+            <a:off x="1065903" y="1172919"/>
+            <a:ext cx="10060193" cy="0"/>
+          </a:xfrm>
+          <a:prstGeom prst="line">
+            <a:avLst/>
+          </a:prstGeom>
+          <a:ln w="12700">
+            <a:solidFill>
+              <a:srgbClr val="6BC7BF"/>
+            </a:solidFill>
+          </a:ln>
+          <a:effectLst/>
+        </p:spPr>
+        <p:style>
+          <a:lnRef idx="1">
+            <a:schemeClr val="accent1"/>
+          </a:lnRef>
+          <a:fillRef idx="0">
+            <a:schemeClr val="accent1"/>
+          </a:fillRef>
+          <a:effectRef idx="0">
+            <a:schemeClr val="accent1"/>
+          </a:effectRef>
+          <a:fontRef idx="minor">
+            <a:schemeClr val="tx1"/>
+          </a:fontRef>
+        </p:style>
+      </p:cxnSp>
+      <p:sp>
+        <p:nvSpPr>
+          <p:cNvPr id="9" name="다양한 스마트 헬스케어 제품 출시…">
+            <a:extLst>
+              <a:ext uri="{FF2B5EF4-FFF2-40B4-BE49-F238E27FC236}">
+                <a16:creationId xmlns:a16="http://schemas.microsoft.com/office/drawing/2014/main" id="{C4163997-D359-41F1-850C-D012E8517DC1}"/>
+              </a:ext>
+            </a:extLst>
+          </p:cNvPr>
+          <p:cNvSpPr txBox="1">
+            <a:spLocks/>
+          </p:cNvSpPr>
+          <p:nvPr/>
+        </p:nvSpPr>
+        <p:spPr>
+          <a:xfrm>
+            <a:off x="1442355" y="2416595"/>
+            <a:ext cx="9307285" cy="3833982"/>
+          </a:xfrm>
+          <a:prstGeom prst="rect">
+            <a:avLst/>
+          </a:prstGeom>
+        </p:spPr>
+        <p:txBody>
+          <a:bodyPr vert="horz" lIns="91440" tIns="45720" rIns="91440" bIns="45720" rtlCol="0">
+            <a:normAutofit/>
+          </a:bodyPr>
+          <a:lstStyle>
+            <a:lvl1pPr marL="228600" indent="-228600" algn="l" defTabSz="914400" rtl="0" eaLnBrk="1" latinLnBrk="1" hangingPunct="1">
+              <a:lnSpc>
+                <a:spcPct val="90000"/>
+              </a:lnSpc>
+              <a:spcBef>
+                <a:spcPts val="1000"/>
+              </a:spcBef>
+              <a:buFont typeface="Arial" panose="020B0604020202020204" pitchFamily="34" charset="0"/>
+              <a:buChar char="•"/>
+              <a:defRPr sz="2800" kern="1200">
+                <a:solidFill>
+                  <a:schemeClr val="tx1"/>
+                </a:solidFill>
+                <a:latin typeface="+mn-lt"/>
+                <a:ea typeface="+mn-ea"/>
+                <a:cs typeface="+mn-cs"/>
+              </a:defRPr>
+            </a:lvl1pPr>
+            <a:lvl2pPr marL="685800" indent="-228600" algn="l" defTabSz="914400" rtl="0" eaLnBrk="1" latinLnBrk="1" hangingPunct="1">
+              <a:lnSpc>
+                <a:spcPct val="90000"/>
+              </a:lnSpc>
+              <a:spcBef>
+                <a:spcPts val="500"/>
+              </a:spcBef>
+              <a:buFont typeface="Arial" panose="020B0604020202020204" pitchFamily="34" charset="0"/>
+              <a:buChar char="•"/>
+              <a:defRPr sz="2400" kern="1200">
+                <a:solidFill>
+                  <a:schemeClr val="tx1"/>
+                </a:solidFill>
+                <a:latin typeface="+mn-lt"/>
+                <a:ea typeface="+mn-ea"/>
+                <a:cs typeface="+mn-cs"/>
+              </a:defRPr>
+            </a:lvl2pPr>
+            <a:lvl3pPr marL="1143000" indent="-228600" algn="l" defTabSz="914400" rtl="0" eaLnBrk="1" latinLnBrk="1" hangingPunct="1">
+              <a:lnSpc>
+                <a:spcPct val="90000"/>
+              </a:lnSpc>
+              <a:spcBef>
+                <a:spcPts val="500"/>
+              </a:spcBef>
+              <a:buFont typeface="Arial" panose="020B0604020202020204" pitchFamily="34" charset="0"/>
+              <a:buChar char="•"/>
+              <a:defRPr sz="2000" kern="1200">
+                <a:solidFill>
+                  <a:schemeClr val="tx1"/>
+                </a:solidFill>
+                <a:latin typeface="+mn-lt"/>
+                <a:ea typeface="+mn-ea"/>
+                <a:cs typeface="+mn-cs"/>
+              </a:defRPr>
+            </a:lvl3pPr>
+            <a:lvl4pPr marL="1600200" indent="-228600" algn="l" defTabSz="914400" rtl="0" eaLnBrk="1" latinLnBrk="1" hangingPunct="1">
+              <a:lnSpc>
+                <a:spcPct val="90000"/>
+              </a:lnSpc>
+              <a:spcBef>
+                <a:spcPts val="500"/>
+              </a:spcBef>
+              <a:buFont typeface="Arial" panose="020B0604020202020204" pitchFamily="34" charset="0"/>
+              <a:buChar char="•"/>
+              <a:defRPr sz="1800" kern="1200">
+                <a:solidFill>
+                  <a:schemeClr val="tx1"/>
+                </a:solidFill>
+                <a:latin typeface="+mn-lt"/>
+                <a:ea typeface="+mn-ea"/>
+                <a:cs typeface="+mn-cs"/>
+              </a:defRPr>
+            </a:lvl4pPr>
+            <a:lvl5pPr marL="2057400" indent="-228600" algn="l" defTabSz="914400" rtl="0" eaLnBrk="1" latinLnBrk="1" hangingPunct="1">
+              <a:lnSpc>
+                <a:spcPct val="90000"/>
+              </a:lnSpc>
+              <a:spcBef>
+                <a:spcPts val="500"/>
+              </a:spcBef>
+              <a:buFont typeface="Arial" panose="020B0604020202020204" pitchFamily="34" charset="0"/>
+              <a:buChar char="•"/>
+              <a:defRPr sz="1800" kern="1200">
+                <a:solidFill>
+                  <a:schemeClr val="tx1"/>
+                </a:solidFill>
+                <a:latin typeface="+mn-lt"/>
+                <a:ea typeface="+mn-ea"/>
+                <a:cs typeface="+mn-cs"/>
+              </a:defRPr>
+            </a:lvl5pPr>
+            <a:lvl6pPr marL="2514600" indent="-228600" algn="l" defTabSz="914400" rtl="0" eaLnBrk="1" latinLnBrk="1" hangingPunct="1">
+              <a:lnSpc>
+                <a:spcPct val="90000"/>
+              </a:lnSpc>
+              <a:spcBef>
+                <a:spcPts val="500"/>
+              </a:spcBef>
+              <a:buFont typeface="Arial" panose="020B0604020202020204" pitchFamily="34" charset="0"/>
+              <a:buChar char="•"/>
+              <a:defRPr sz="1800" kern="1200">
+                <a:solidFill>
+                  <a:schemeClr val="tx1"/>
+                </a:solidFill>
+                <a:latin typeface="+mn-lt"/>
+                <a:ea typeface="+mn-ea"/>
+                <a:cs typeface="+mn-cs"/>
+              </a:defRPr>
+            </a:lvl6pPr>
+            <a:lvl7pPr marL="2971800" indent="-228600" algn="l" defTabSz="914400" rtl="0" eaLnBrk="1" latinLnBrk="1" hangingPunct="1">
+              <a:lnSpc>
+                <a:spcPct val="90000"/>
+              </a:lnSpc>
+              <a:spcBef>
+                <a:spcPts val="500"/>
+              </a:spcBef>
+              <a:buFont typeface="Arial" panose="020B0604020202020204" pitchFamily="34" charset="0"/>
+              <a:buChar char="•"/>
+              <a:defRPr sz="1800" kern="1200">
+                <a:solidFill>
+                  <a:schemeClr val="tx1"/>
+                </a:solidFill>
+                <a:latin typeface="+mn-lt"/>
+                <a:ea typeface="+mn-ea"/>
+                <a:cs typeface="+mn-cs"/>
+              </a:defRPr>
+            </a:lvl7pPr>
+            <a:lvl8pPr marL="3429000" indent="-228600" algn="l" defTabSz="914400" rtl="0" eaLnBrk="1" latinLnBrk="1" hangingPunct="1">
+              <a:lnSpc>
+                <a:spcPct val="90000"/>
+              </a:lnSpc>
+              <a:spcBef>
+                <a:spcPts val="500"/>
+              </a:spcBef>
+              <a:buFont typeface="Arial" panose="020B0604020202020204" pitchFamily="34" charset="0"/>
+              <a:buChar char="•"/>
+              <a:defRPr sz="1800" kern="1200">
+                <a:solidFill>
+                  <a:schemeClr val="tx1"/>
+                </a:solidFill>
+                <a:latin typeface="+mn-lt"/>
+                <a:ea typeface="+mn-ea"/>
+                <a:cs typeface="+mn-cs"/>
+              </a:defRPr>
+            </a:lvl8pPr>
+            <a:lvl9pPr marL="3886200" indent="-228600" algn="l" defTabSz="914400" rtl="0" eaLnBrk="1" latinLnBrk="1" hangingPunct="1">
+              <a:lnSpc>
+                <a:spcPct val="90000"/>
+              </a:lnSpc>
+              <a:spcBef>
+                <a:spcPts val="500"/>
+              </a:spcBef>
+              <a:buFont typeface="Arial" panose="020B0604020202020204" pitchFamily="34" charset="0"/>
+              <a:buChar char="•"/>
+              <a:defRPr sz="1800" kern="1200">
+                <a:solidFill>
+                  <a:schemeClr val="tx1"/>
+                </a:solidFill>
+                <a:latin typeface="+mn-lt"/>
+                <a:ea typeface="+mn-ea"/>
+                <a:cs typeface="+mn-cs"/>
+              </a:defRPr>
+            </a:lvl9pPr>
+          </a:lstStyle>
+          <a:p>
             <a:pPr marL="722312" indent="-722312">
               <a:lnSpc>
                 <a:spcPct val="150000"/>
@@ -6891,7 +7614,7 @@
 </p:sld>
 </file>
 
-<file path=ppt/slides/slide16.xml><?xml version="1.0" encoding="utf-8"?>
+<file path=ppt/slides/slide17.xml><?xml version="1.0" encoding="utf-8"?>
 <p:sld xmlns:a="http://schemas.openxmlformats.org/drawingml/2006/main" xmlns:r="http://schemas.openxmlformats.org/officeDocument/2006/relationships" xmlns:p="http://schemas.openxmlformats.org/presentationml/2006/main">
   <p:cSld>
     <p:spTree>
